--- a/프론트엔드기초(PPT)/CSS3 3강_CSS 박스모델.pptx
+++ b/프론트엔드기초(PPT)/CSS3 3강_CSS 박스모델.pptx
@@ -6,29 +6,28 @@
   </p:sldMasterIdLst>
   <p:sldIdLst>
     <p:sldId id="256" r:id="rId2"/>
-    <p:sldId id="262" r:id="rId3"/>
-    <p:sldId id="257" r:id="rId4"/>
-    <p:sldId id="277" r:id="rId5"/>
-    <p:sldId id="300" r:id="rId6"/>
-    <p:sldId id="290" r:id="rId7"/>
-    <p:sldId id="301" r:id="rId8"/>
-    <p:sldId id="302" r:id="rId9"/>
-    <p:sldId id="303" r:id="rId10"/>
+    <p:sldId id="317" r:id="rId3"/>
+    <p:sldId id="318" r:id="rId4"/>
+    <p:sldId id="319" r:id="rId5"/>
+    <p:sldId id="262" r:id="rId6"/>
+    <p:sldId id="257" r:id="rId7"/>
+    <p:sldId id="277" r:id="rId8"/>
+    <p:sldId id="290" r:id="rId9"/>
+    <p:sldId id="302" r:id="rId10"/>
     <p:sldId id="304" r:id="rId11"/>
-    <p:sldId id="305" r:id="rId12"/>
-    <p:sldId id="306" r:id="rId13"/>
-    <p:sldId id="315" r:id="rId14"/>
-    <p:sldId id="316" r:id="rId15"/>
-    <p:sldId id="291" r:id="rId16"/>
-    <p:sldId id="307" r:id="rId17"/>
-    <p:sldId id="308" r:id="rId18"/>
-    <p:sldId id="309" r:id="rId19"/>
-    <p:sldId id="310" r:id="rId20"/>
-    <p:sldId id="311" r:id="rId21"/>
-    <p:sldId id="312" r:id="rId22"/>
-    <p:sldId id="313" r:id="rId23"/>
-    <p:sldId id="314" r:id="rId24"/>
-    <p:sldId id="263" r:id="rId25"/>
+    <p:sldId id="306" r:id="rId12"/>
+    <p:sldId id="315" r:id="rId13"/>
+    <p:sldId id="316" r:id="rId14"/>
+    <p:sldId id="291" r:id="rId15"/>
+    <p:sldId id="307" r:id="rId16"/>
+    <p:sldId id="308" r:id="rId17"/>
+    <p:sldId id="309" r:id="rId18"/>
+    <p:sldId id="310" r:id="rId19"/>
+    <p:sldId id="311" r:id="rId20"/>
+    <p:sldId id="312" r:id="rId21"/>
+    <p:sldId id="313" r:id="rId22"/>
+    <p:sldId id="314" r:id="rId23"/>
+    <p:sldId id="263" r:id="rId24"/>
   </p:sldIdLst>
   <p:sldSz cx="9144000" cy="6858000" type="screen4x3"/>
   <p:notesSz cx="6858000" cy="9144000"/>
@@ -311,7 +310,7 @@
           <a:p>
             <a:fld id="{FB30EDBD-1C2D-4C1E-B459-B60219FAB484}" type="datetimeFigureOut">
               <a:rPr lang="ko-KR" altLang="en-US" smtClean="0"/>
-              <a:t>2020-04-10</a:t>
+              <a:t>2020-09-18</a:t>
             </a:fld>
             <a:endParaRPr lang="ko-KR" altLang="en-US"/>
           </a:p>
@@ -476,7 +475,7 @@
           <a:p>
             <a:fld id="{FB30EDBD-1C2D-4C1E-B459-B60219FAB484}" type="datetimeFigureOut">
               <a:rPr lang="ko-KR" altLang="en-US" smtClean="0"/>
-              <a:t>2020-04-10</a:t>
+              <a:t>2020-09-18</a:t>
             </a:fld>
             <a:endParaRPr lang="ko-KR" altLang="en-US"/>
           </a:p>
@@ -651,7 +650,7 @@
           <a:p>
             <a:fld id="{FB30EDBD-1C2D-4C1E-B459-B60219FAB484}" type="datetimeFigureOut">
               <a:rPr lang="ko-KR" altLang="en-US" smtClean="0"/>
-              <a:t>2020-04-10</a:t>
+              <a:t>2020-09-18</a:t>
             </a:fld>
             <a:endParaRPr lang="ko-KR" altLang="en-US"/>
           </a:p>
@@ -816,7 +815,7 @@
           <a:p>
             <a:fld id="{FB30EDBD-1C2D-4C1E-B459-B60219FAB484}" type="datetimeFigureOut">
               <a:rPr lang="ko-KR" altLang="en-US" smtClean="0"/>
-              <a:t>2020-04-10</a:t>
+              <a:t>2020-09-18</a:t>
             </a:fld>
             <a:endParaRPr lang="ko-KR" altLang="en-US"/>
           </a:p>
@@ -1057,7 +1056,7 @@
           <a:p>
             <a:fld id="{FB30EDBD-1C2D-4C1E-B459-B60219FAB484}" type="datetimeFigureOut">
               <a:rPr lang="ko-KR" altLang="en-US" smtClean="0"/>
-              <a:t>2020-04-10</a:t>
+              <a:t>2020-09-18</a:t>
             </a:fld>
             <a:endParaRPr lang="ko-KR" altLang="en-US"/>
           </a:p>
@@ -1340,7 +1339,7 @@
           <a:p>
             <a:fld id="{FB30EDBD-1C2D-4C1E-B459-B60219FAB484}" type="datetimeFigureOut">
               <a:rPr lang="ko-KR" altLang="en-US" smtClean="0"/>
-              <a:t>2020-04-10</a:t>
+              <a:t>2020-09-18</a:t>
             </a:fld>
             <a:endParaRPr lang="ko-KR" altLang="en-US"/>
           </a:p>
@@ -1757,7 +1756,7 @@
           <a:p>
             <a:fld id="{FB30EDBD-1C2D-4C1E-B459-B60219FAB484}" type="datetimeFigureOut">
               <a:rPr lang="ko-KR" altLang="en-US" smtClean="0"/>
-              <a:t>2020-04-10</a:t>
+              <a:t>2020-09-18</a:t>
             </a:fld>
             <a:endParaRPr lang="ko-KR" altLang="en-US"/>
           </a:p>
@@ -1870,7 +1869,7 @@
           <a:p>
             <a:fld id="{FB30EDBD-1C2D-4C1E-B459-B60219FAB484}" type="datetimeFigureOut">
               <a:rPr lang="ko-KR" altLang="en-US" smtClean="0"/>
-              <a:t>2020-04-10</a:t>
+              <a:t>2020-09-18</a:t>
             </a:fld>
             <a:endParaRPr lang="ko-KR" altLang="en-US"/>
           </a:p>
@@ -1960,7 +1959,7 @@
           <a:p>
             <a:fld id="{FB30EDBD-1C2D-4C1E-B459-B60219FAB484}" type="datetimeFigureOut">
               <a:rPr lang="ko-KR" altLang="en-US" smtClean="0"/>
-              <a:t>2020-04-10</a:t>
+              <a:t>2020-09-18</a:t>
             </a:fld>
             <a:endParaRPr lang="ko-KR" altLang="en-US"/>
           </a:p>
@@ -2232,7 +2231,7 @@
           <a:p>
             <a:fld id="{FB30EDBD-1C2D-4C1E-B459-B60219FAB484}" type="datetimeFigureOut">
               <a:rPr lang="ko-KR" altLang="en-US" smtClean="0"/>
-              <a:t>2020-04-10</a:t>
+              <a:t>2020-09-18</a:t>
             </a:fld>
             <a:endParaRPr lang="ko-KR" altLang="en-US"/>
           </a:p>
@@ -2480,7 +2479,7 @@
           <a:p>
             <a:fld id="{FB30EDBD-1C2D-4C1E-B459-B60219FAB484}" type="datetimeFigureOut">
               <a:rPr lang="ko-KR" altLang="en-US" smtClean="0"/>
-              <a:t>2020-04-10</a:t>
+              <a:t>2020-09-18</a:t>
             </a:fld>
             <a:endParaRPr lang="ko-KR" altLang="en-US"/>
           </a:p>
@@ -2688,7 +2687,7 @@
           <a:p>
             <a:fld id="{FB30EDBD-1C2D-4C1E-B459-B60219FAB484}" type="datetimeFigureOut">
               <a:rPr lang="ko-KR" altLang="en-US" smtClean="0"/>
-              <a:t>2020-04-10</a:t>
+              <a:t>2020-09-18</a:t>
             </a:fld>
             <a:endParaRPr lang="ko-KR" altLang="en-US"/>
           </a:p>
@@ -3044,6 +3043,14 @@
 <file path=ppt/slides/slide1.xml><?xml version="1.0" encoding="utf-8"?>
 <p:sld xmlns:a="http://schemas.openxmlformats.org/drawingml/2006/main" xmlns:r="http://schemas.openxmlformats.org/officeDocument/2006/relationships" xmlns:p="http://schemas.openxmlformats.org/presentationml/2006/main">
   <p:cSld>
+    <p:bg>
+      <p:bgPr>
+        <a:solidFill>
+          <a:schemeClr val="accent5"/>
+        </a:solidFill>
+        <a:effectLst/>
+      </p:bgPr>
+    </p:bg>
     <p:spTree>
       <p:nvGrpSpPr>
         <p:cNvPr id="1" name=""/>
@@ -3078,37 +3085,27 @@
             <a:r>
               <a:rPr lang="en-US" altLang="ko-KR" sz="2800" dirty="0" smtClean="0">
                 <a:solidFill>
-                  <a:schemeClr val="accent5"/>
-                </a:solidFill>
-                <a:latin typeface="배달의민족 주아" pitchFamily="18" charset="-127"/>
-                <a:ea typeface="배달의민족 주아" pitchFamily="18" charset="-127"/>
-              </a:rPr>
-              <a:t>CSS3 </a:t>
+                  <a:schemeClr val="bg1"/>
+                </a:solidFill>
+                <a:latin typeface="배달의민족 주아" pitchFamily="18" charset="-127"/>
+                <a:ea typeface="배달의민족 주아" pitchFamily="18" charset="-127"/>
+              </a:rPr>
+              <a:t>CSS3 3</a:t>
+            </a:r>
+            <a:r>
+              <a:rPr lang="ko-KR" altLang="en-US" sz="2800" dirty="0" smtClean="0">
+                <a:solidFill>
+                  <a:schemeClr val="bg1"/>
+                </a:solidFill>
+                <a:latin typeface="배달의민족 주아" pitchFamily="18" charset="-127"/>
+                <a:ea typeface="배달의민족 주아" pitchFamily="18" charset="-127"/>
+              </a:rPr>
+              <a:t>강</a:t>
             </a:r>
             <a:r>
               <a:rPr lang="en-US" altLang="ko-KR" sz="2800" dirty="0" smtClean="0">
                 <a:solidFill>
-                  <a:schemeClr val="accent5"/>
-                </a:solidFill>
-                <a:latin typeface="배달의민족 주아" pitchFamily="18" charset="-127"/>
-                <a:ea typeface="배달의민족 주아" pitchFamily="18" charset="-127"/>
-              </a:rPr>
-              <a:t>3</a:t>
-            </a:r>
-            <a:r>
-              <a:rPr lang="ko-KR" altLang="en-US" sz="2800" dirty="0" smtClean="0">
-                <a:solidFill>
-                  <a:schemeClr val="accent5"/>
-                </a:solidFill>
-                <a:latin typeface="배달의민족 주아" pitchFamily="18" charset="-127"/>
-                <a:ea typeface="배달의민족 주아" pitchFamily="18" charset="-127"/>
-              </a:rPr>
-              <a:t>강</a:t>
-            </a:r>
-            <a:r>
-              <a:rPr lang="en-US" altLang="ko-KR" sz="2800" dirty="0" smtClean="0">
-                <a:solidFill>
-                  <a:schemeClr val="accent5"/>
+                  <a:schemeClr val="bg1"/>
                 </a:solidFill>
                 <a:latin typeface="배달의민족 주아" pitchFamily="18" charset="-127"/>
                 <a:ea typeface="배달의민족 주아" pitchFamily="18" charset="-127"/>
@@ -3118,7 +3115,7 @@
             <a:br>
               <a:rPr lang="en-US" altLang="ko-KR" sz="2800" dirty="0" smtClean="0">
                 <a:solidFill>
-                  <a:schemeClr val="accent5"/>
+                  <a:schemeClr val="bg1"/>
                 </a:solidFill>
                 <a:latin typeface="배달의민족 주아" pitchFamily="18" charset="-127"/>
                 <a:ea typeface="배달의민족 주아" pitchFamily="18" charset="-127"/>
@@ -3139,6 +3136,9 @@
             </a:br>
             <a:r>
               <a:rPr lang="en-US" altLang="ko-KR" dirty="0" smtClean="0">
+                <a:solidFill>
+                  <a:schemeClr val="bg1"/>
+                </a:solidFill>
                 <a:latin typeface="배달의민족 주아" pitchFamily="18" charset="-127"/>
                 <a:ea typeface="배달의민족 주아" pitchFamily="18" charset="-127"/>
               </a:rPr>
@@ -3146,6 +3146,9 @@
             </a:r>
             <a:r>
               <a:rPr lang="ko-KR" altLang="en-US" dirty="0" smtClean="0">
+                <a:solidFill>
+                  <a:schemeClr val="bg1"/>
+                </a:solidFill>
                 <a:latin typeface="배달의민족 주아" pitchFamily="18" charset="-127"/>
                 <a:ea typeface="배달의민족 주아" pitchFamily="18" charset="-127"/>
               </a:rPr>
@@ -3153,6 +3156,9 @@
             </a:r>
             <a:r>
               <a:rPr lang="ko-KR" altLang="en-US" dirty="0">
+                <a:solidFill>
+                  <a:schemeClr val="bg1"/>
+                </a:solidFill>
                 <a:latin typeface="배달의민족 주아" pitchFamily="18" charset="-127"/>
                 <a:ea typeface="배달의민족 주아" pitchFamily="18" charset="-127"/>
               </a:rPr>
@@ -3280,7 +3286,7 @@
             <a:r>
               <a:rPr lang="en-US" altLang="ko-KR" dirty="0" smtClean="0">
                 <a:solidFill>
-                  <a:schemeClr val="accent5"/>
+                  <a:schemeClr val="bg1"/>
                 </a:solidFill>
                 <a:latin typeface="배달의민족 도현" pitchFamily="50" charset="-127"/>
                 <a:ea typeface="배달의민족 도현" pitchFamily="50" charset="-127"/>
@@ -3297,7 +3303,7 @@
             <a:r>
               <a:rPr lang="en-US" altLang="ko-KR" dirty="0" smtClean="0">
                 <a:solidFill>
-                  <a:schemeClr val="accent5"/>
+                  <a:schemeClr val="bg1"/>
                 </a:solidFill>
                 <a:latin typeface="배달의민족 도현" pitchFamily="50" charset="-127"/>
                 <a:ea typeface="배달의민족 도현" pitchFamily="50" charset="-127"/>
@@ -3909,236 +3915,6 @@
       </p:grpSpPr>
       <p:sp>
         <p:nvSpPr>
-          <p:cNvPr id="2" name="제목 1"/>
-          <p:cNvSpPr>
-            <a:spLocks noGrp="1"/>
-          </p:cNvSpPr>
-          <p:nvPr>
-            <p:ph type="ctrTitle"/>
-          </p:nvPr>
-        </p:nvSpPr>
-        <p:spPr/>
-        <p:txBody>
-          <a:bodyPr/>
-          <a:lstStyle/>
-          <a:p>
-            <a:r>
-              <a:rPr lang="en-US" altLang="ko-KR" dirty="0" smtClean="0">
-                <a:latin typeface="배달의민족 주아" pitchFamily="18" charset="-127"/>
-                <a:ea typeface="배달의민족 주아" pitchFamily="18" charset="-127"/>
-              </a:rPr>
-              <a:t>margin </a:t>
-            </a:r>
-            <a:r>
-              <a:rPr lang="ko-KR" altLang="en-US" dirty="0" smtClean="0">
-                <a:latin typeface="배달의민족 주아" pitchFamily="18" charset="-127"/>
-                <a:ea typeface="배달의민족 주아" pitchFamily="18" charset="-127"/>
-              </a:rPr>
-              <a:t>영역</a:t>
-            </a:r>
-            <a:endParaRPr lang="ko-KR" altLang="en-US" dirty="0">
-              <a:latin typeface="배달의민족 주아" pitchFamily="18" charset="-127"/>
-              <a:ea typeface="배달의민족 주아" pitchFamily="18" charset="-127"/>
-            </a:endParaRPr>
-          </a:p>
-        </p:txBody>
-      </p:sp>
-      <p:sp>
-        <p:nvSpPr>
-          <p:cNvPr id="3" name="TextBox 2"/>
-          <p:cNvSpPr txBox="1"/>
-          <p:nvPr/>
-        </p:nvSpPr>
-        <p:spPr>
-          <a:xfrm>
-            <a:off x="6948264" y="6093296"/>
-            <a:ext cx="1838965" cy="369332"/>
-          </a:xfrm>
-          <a:prstGeom prst="rect">
-            <a:avLst/>
-          </a:prstGeom>
-          <a:noFill/>
-        </p:spPr>
-        <p:txBody>
-          <a:bodyPr wrap="none" rtlCol="0">
-            <a:spAutoFit/>
-          </a:bodyPr>
-          <a:lstStyle>
-            <a:defPPr>
-              <a:defRPr lang="ko-KR"/>
-            </a:defPPr>
-            <a:lvl1pPr marL="0" algn="l" defTabSz="914400" rtl="0" eaLnBrk="1" latinLnBrk="1" hangingPunct="1">
-              <a:defRPr sz="1800" kern="1200">
-                <a:solidFill>
-                  <a:schemeClr val="tx1"/>
-                </a:solidFill>
-                <a:latin typeface="+mn-lt"/>
-                <a:ea typeface="+mn-ea"/>
-                <a:cs typeface="+mn-cs"/>
-              </a:defRPr>
-            </a:lvl1pPr>
-            <a:lvl2pPr marL="457200" algn="l" defTabSz="914400" rtl="0" eaLnBrk="1" latinLnBrk="1" hangingPunct="1">
-              <a:defRPr sz="1800" kern="1200">
-                <a:solidFill>
-                  <a:schemeClr val="tx1"/>
-                </a:solidFill>
-                <a:latin typeface="+mn-lt"/>
-                <a:ea typeface="+mn-ea"/>
-                <a:cs typeface="+mn-cs"/>
-              </a:defRPr>
-            </a:lvl2pPr>
-            <a:lvl3pPr marL="914400" algn="l" defTabSz="914400" rtl="0" eaLnBrk="1" latinLnBrk="1" hangingPunct="1">
-              <a:defRPr sz="1800" kern="1200">
-                <a:solidFill>
-                  <a:schemeClr val="tx1"/>
-                </a:solidFill>
-                <a:latin typeface="+mn-lt"/>
-                <a:ea typeface="+mn-ea"/>
-                <a:cs typeface="+mn-cs"/>
-              </a:defRPr>
-            </a:lvl3pPr>
-            <a:lvl4pPr marL="1371600" algn="l" defTabSz="914400" rtl="0" eaLnBrk="1" latinLnBrk="1" hangingPunct="1">
-              <a:defRPr sz="1800" kern="1200">
-                <a:solidFill>
-                  <a:schemeClr val="tx1"/>
-                </a:solidFill>
-                <a:latin typeface="+mn-lt"/>
-                <a:ea typeface="+mn-ea"/>
-                <a:cs typeface="+mn-cs"/>
-              </a:defRPr>
-            </a:lvl4pPr>
-            <a:lvl5pPr marL="1828800" algn="l" defTabSz="914400" rtl="0" eaLnBrk="1" latinLnBrk="1" hangingPunct="1">
-              <a:defRPr sz="1800" kern="1200">
-                <a:solidFill>
-                  <a:schemeClr val="tx1"/>
-                </a:solidFill>
-                <a:latin typeface="+mn-lt"/>
-                <a:ea typeface="+mn-ea"/>
-                <a:cs typeface="+mn-cs"/>
-              </a:defRPr>
-            </a:lvl5pPr>
-            <a:lvl6pPr marL="2286000" algn="l" defTabSz="914400" rtl="0" eaLnBrk="1" latinLnBrk="1" hangingPunct="1">
-              <a:defRPr sz="1800" kern="1200">
-                <a:solidFill>
-                  <a:schemeClr val="tx1"/>
-                </a:solidFill>
-                <a:latin typeface="+mn-lt"/>
-                <a:ea typeface="+mn-ea"/>
-                <a:cs typeface="+mn-cs"/>
-              </a:defRPr>
-            </a:lvl6pPr>
-            <a:lvl7pPr marL="2743200" algn="l" defTabSz="914400" rtl="0" eaLnBrk="1" latinLnBrk="1" hangingPunct="1">
-              <a:defRPr sz="1800" kern="1200">
-                <a:solidFill>
-                  <a:schemeClr val="tx1"/>
-                </a:solidFill>
-                <a:latin typeface="+mn-lt"/>
-                <a:ea typeface="+mn-ea"/>
-                <a:cs typeface="+mn-cs"/>
-              </a:defRPr>
-            </a:lvl7pPr>
-            <a:lvl8pPr marL="3200400" algn="l" defTabSz="914400" rtl="0" eaLnBrk="1" latinLnBrk="1" hangingPunct="1">
-              <a:defRPr sz="1800" kern="1200">
-                <a:solidFill>
-                  <a:schemeClr val="tx1"/>
-                </a:solidFill>
-                <a:latin typeface="+mn-lt"/>
-                <a:ea typeface="+mn-ea"/>
-                <a:cs typeface="+mn-cs"/>
-              </a:defRPr>
-            </a:lvl8pPr>
-            <a:lvl9pPr marL="3657600" algn="l" defTabSz="914400" rtl="0" eaLnBrk="1" latinLnBrk="1" hangingPunct="1">
-              <a:defRPr sz="1800" kern="1200">
-                <a:solidFill>
-                  <a:schemeClr val="tx1"/>
-                </a:solidFill>
-                <a:latin typeface="+mn-lt"/>
-                <a:ea typeface="+mn-ea"/>
-                <a:cs typeface="+mn-cs"/>
-              </a:defRPr>
-            </a:lvl9pPr>
-          </a:lstStyle>
-          <a:p>
-            <a:r>
-              <a:rPr lang="en-US" altLang="ko-KR" dirty="0" smtClean="0">
-                <a:solidFill>
-                  <a:schemeClr val="accent5"/>
-                </a:solidFill>
-                <a:latin typeface="배달의민족 도현" pitchFamily="50" charset="-127"/>
-                <a:ea typeface="배달의민족 도현" pitchFamily="50" charset="-127"/>
-              </a:rPr>
-              <a:t>S</a:t>
-            </a:r>
-            <a:r>
-              <a:rPr lang="en-US" altLang="ko-KR" dirty="0" smtClean="0">
-                <a:latin typeface="배달의민족 도현" pitchFamily="50" charset="-127"/>
-                <a:ea typeface="배달의민족 도현" pitchFamily="50" charset="-127"/>
-              </a:rPr>
-              <a:t>TART</a:t>
-            </a:r>
-            <a:r>
-              <a:rPr lang="en-US" altLang="ko-KR" dirty="0" smtClean="0">
-                <a:solidFill>
-                  <a:schemeClr val="accent5"/>
-                </a:solidFill>
-                <a:latin typeface="배달의민족 도현" pitchFamily="50" charset="-127"/>
-                <a:ea typeface="배달의민족 도현" pitchFamily="50" charset="-127"/>
-              </a:rPr>
-              <a:t>C</a:t>
-            </a:r>
-            <a:r>
-              <a:rPr lang="en-US" altLang="ko-KR" dirty="0" smtClean="0">
-                <a:latin typeface="배달의민족 도현" pitchFamily="50" charset="-127"/>
-                <a:ea typeface="배달의민족 도현" pitchFamily="50" charset="-127"/>
-              </a:rPr>
-              <a:t>ODING</a:t>
-            </a:r>
-            <a:endParaRPr lang="ko-KR" altLang="en-US" dirty="0">
-              <a:latin typeface="배달의민족 도현" pitchFamily="50" charset="-127"/>
-              <a:ea typeface="배달의민족 도현" pitchFamily="50" charset="-127"/>
-            </a:endParaRPr>
-          </a:p>
-        </p:txBody>
-      </p:sp>
-    </p:spTree>
-    <p:extLst>
-      <p:ext uri="{BB962C8B-B14F-4D97-AF65-F5344CB8AC3E}">
-        <p14:creationId xmlns:p14="http://schemas.microsoft.com/office/powerpoint/2010/main" val="2200757956"/>
-      </p:ext>
-    </p:extLst>
-  </p:cSld>
-  <p:clrMapOvr>
-    <a:masterClrMapping/>
-  </p:clrMapOvr>
-  <p:timing>
-    <p:tnLst>
-      <p:par>
-        <p:cTn id="1" dur="indefinite" restart="never" nodeType="tmRoot"/>
-      </p:par>
-    </p:tnLst>
-  </p:timing>
-</p:sld>
-</file>
-
-<file path=ppt/slides/slide12.xml><?xml version="1.0" encoding="utf-8"?>
-<p:sld xmlns:a="http://schemas.openxmlformats.org/drawingml/2006/main" xmlns:r="http://schemas.openxmlformats.org/officeDocument/2006/relationships" xmlns:p="http://schemas.openxmlformats.org/presentationml/2006/main">
-  <p:cSld>
-    <p:spTree>
-      <p:nvGrpSpPr>
-        <p:cNvPr id="1" name=""/>
-        <p:cNvGrpSpPr/>
-        <p:nvPr/>
-      </p:nvGrpSpPr>
-      <p:grpSpPr>
-        <a:xfrm>
-          <a:off x="0" y="0"/>
-          <a:ext cx="0" cy="0"/>
-          <a:chOff x="0" y="0"/>
-          <a:chExt cx="0" cy="0"/>
-        </a:xfrm>
-      </p:grpSpPr>
-      <p:sp>
-        <p:nvSpPr>
           <p:cNvPr id="5" name="TextBox 2"/>
           <p:cNvSpPr txBox="1"/>
           <p:nvPr/>
@@ -4851,6 +4627,236 @@
 </p:sld>
 </file>
 
+<file path=ppt/slides/slide12.xml><?xml version="1.0" encoding="utf-8"?>
+<p:sld xmlns:a="http://schemas.openxmlformats.org/drawingml/2006/main" xmlns:r="http://schemas.openxmlformats.org/officeDocument/2006/relationships" xmlns:p="http://schemas.openxmlformats.org/presentationml/2006/main">
+  <p:cSld>
+    <p:spTree>
+      <p:nvGrpSpPr>
+        <p:cNvPr id="1" name=""/>
+        <p:cNvGrpSpPr/>
+        <p:nvPr/>
+      </p:nvGrpSpPr>
+      <p:grpSpPr>
+        <a:xfrm>
+          <a:off x="0" y="0"/>
+          <a:ext cx="0" cy="0"/>
+          <a:chOff x="0" y="0"/>
+          <a:chExt cx="0" cy="0"/>
+        </a:xfrm>
+      </p:grpSpPr>
+      <p:sp>
+        <p:nvSpPr>
+          <p:cNvPr id="2" name="제목 1"/>
+          <p:cNvSpPr>
+            <a:spLocks noGrp="1"/>
+          </p:cNvSpPr>
+          <p:nvPr>
+            <p:ph type="ctrTitle"/>
+          </p:nvPr>
+        </p:nvSpPr>
+        <p:spPr/>
+        <p:txBody>
+          <a:bodyPr/>
+          <a:lstStyle/>
+          <a:p>
+            <a:r>
+              <a:rPr lang="en-US" altLang="ko-KR" dirty="0" smtClean="0">
+                <a:latin typeface="배달의민족 주아" pitchFamily="18" charset="-127"/>
+                <a:ea typeface="배달의민족 주아" pitchFamily="18" charset="-127"/>
+              </a:rPr>
+              <a:t>width, height </a:t>
+            </a:r>
+            <a:r>
+              <a:rPr lang="ko-KR" altLang="en-US" dirty="0" smtClean="0">
+                <a:latin typeface="배달의민족 주아" pitchFamily="18" charset="-127"/>
+                <a:ea typeface="배달의민족 주아" pitchFamily="18" charset="-127"/>
+              </a:rPr>
+              <a:t>적용방법</a:t>
+            </a:r>
+            <a:endParaRPr lang="ko-KR" altLang="en-US" dirty="0">
+              <a:latin typeface="배달의민족 주아" pitchFamily="18" charset="-127"/>
+              <a:ea typeface="배달의민족 주아" pitchFamily="18" charset="-127"/>
+            </a:endParaRPr>
+          </a:p>
+        </p:txBody>
+      </p:sp>
+      <p:sp>
+        <p:nvSpPr>
+          <p:cNvPr id="3" name="TextBox 2"/>
+          <p:cNvSpPr txBox="1"/>
+          <p:nvPr/>
+        </p:nvSpPr>
+        <p:spPr>
+          <a:xfrm>
+            <a:off x="6948264" y="6093296"/>
+            <a:ext cx="1838965" cy="369332"/>
+          </a:xfrm>
+          <a:prstGeom prst="rect">
+            <a:avLst/>
+          </a:prstGeom>
+          <a:noFill/>
+        </p:spPr>
+        <p:txBody>
+          <a:bodyPr wrap="none" rtlCol="0">
+            <a:spAutoFit/>
+          </a:bodyPr>
+          <a:lstStyle>
+            <a:defPPr>
+              <a:defRPr lang="ko-KR"/>
+            </a:defPPr>
+            <a:lvl1pPr marL="0" algn="l" defTabSz="914400" rtl="0" eaLnBrk="1" latinLnBrk="1" hangingPunct="1">
+              <a:defRPr sz="1800" kern="1200">
+                <a:solidFill>
+                  <a:schemeClr val="tx1"/>
+                </a:solidFill>
+                <a:latin typeface="+mn-lt"/>
+                <a:ea typeface="+mn-ea"/>
+                <a:cs typeface="+mn-cs"/>
+              </a:defRPr>
+            </a:lvl1pPr>
+            <a:lvl2pPr marL="457200" algn="l" defTabSz="914400" rtl="0" eaLnBrk="1" latinLnBrk="1" hangingPunct="1">
+              <a:defRPr sz="1800" kern="1200">
+                <a:solidFill>
+                  <a:schemeClr val="tx1"/>
+                </a:solidFill>
+                <a:latin typeface="+mn-lt"/>
+                <a:ea typeface="+mn-ea"/>
+                <a:cs typeface="+mn-cs"/>
+              </a:defRPr>
+            </a:lvl2pPr>
+            <a:lvl3pPr marL="914400" algn="l" defTabSz="914400" rtl="0" eaLnBrk="1" latinLnBrk="1" hangingPunct="1">
+              <a:defRPr sz="1800" kern="1200">
+                <a:solidFill>
+                  <a:schemeClr val="tx1"/>
+                </a:solidFill>
+                <a:latin typeface="+mn-lt"/>
+                <a:ea typeface="+mn-ea"/>
+                <a:cs typeface="+mn-cs"/>
+              </a:defRPr>
+            </a:lvl3pPr>
+            <a:lvl4pPr marL="1371600" algn="l" defTabSz="914400" rtl="0" eaLnBrk="1" latinLnBrk="1" hangingPunct="1">
+              <a:defRPr sz="1800" kern="1200">
+                <a:solidFill>
+                  <a:schemeClr val="tx1"/>
+                </a:solidFill>
+                <a:latin typeface="+mn-lt"/>
+                <a:ea typeface="+mn-ea"/>
+                <a:cs typeface="+mn-cs"/>
+              </a:defRPr>
+            </a:lvl4pPr>
+            <a:lvl5pPr marL="1828800" algn="l" defTabSz="914400" rtl="0" eaLnBrk="1" latinLnBrk="1" hangingPunct="1">
+              <a:defRPr sz="1800" kern="1200">
+                <a:solidFill>
+                  <a:schemeClr val="tx1"/>
+                </a:solidFill>
+                <a:latin typeface="+mn-lt"/>
+                <a:ea typeface="+mn-ea"/>
+                <a:cs typeface="+mn-cs"/>
+              </a:defRPr>
+            </a:lvl5pPr>
+            <a:lvl6pPr marL="2286000" algn="l" defTabSz="914400" rtl="0" eaLnBrk="1" latinLnBrk="1" hangingPunct="1">
+              <a:defRPr sz="1800" kern="1200">
+                <a:solidFill>
+                  <a:schemeClr val="tx1"/>
+                </a:solidFill>
+                <a:latin typeface="+mn-lt"/>
+                <a:ea typeface="+mn-ea"/>
+                <a:cs typeface="+mn-cs"/>
+              </a:defRPr>
+            </a:lvl6pPr>
+            <a:lvl7pPr marL="2743200" algn="l" defTabSz="914400" rtl="0" eaLnBrk="1" latinLnBrk="1" hangingPunct="1">
+              <a:defRPr sz="1800" kern="1200">
+                <a:solidFill>
+                  <a:schemeClr val="tx1"/>
+                </a:solidFill>
+                <a:latin typeface="+mn-lt"/>
+                <a:ea typeface="+mn-ea"/>
+                <a:cs typeface="+mn-cs"/>
+              </a:defRPr>
+            </a:lvl7pPr>
+            <a:lvl8pPr marL="3200400" algn="l" defTabSz="914400" rtl="0" eaLnBrk="1" latinLnBrk="1" hangingPunct="1">
+              <a:defRPr sz="1800" kern="1200">
+                <a:solidFill>
+                  <a:schemeClr val="tx1"/>
+                </a:solidFill>
+                <a:latin typeface="+mn-lt"/>
+                <a:ea typeface="+mn-ea"/>
+                <a:cs typeface="+mn-cs"/>
+              </a:defRPr>
+            </a:lvl8pPr>
+            <a:lvl9pPr marL="3657600" algn="l" defTabSz="914400" rtl="0" eaLnBrk="1" latinLnBrk="1" hangingPunct="1">
+              <a:defRPr sz="1800" kern="1200">
+                <a:solidFill>
+                  <a:schemeClr val="tx1"/>
+                </a:solidFill>
+                <a:latin typeface="+mn-lt"/>
+                <a:ea typeface="+mn-ea"/>
+                <a:cs typeface="+mn-cs"/>
+              </a:defRPr>
+            </a:lvl9pPr>
+          </a:lstStyle>
+          <a:p>
+            <a:r>
+              <a:rPr lang="en-US" altLang="ko-KR" dirty="0" smtClean="0">
+                <a:solidFill>
+                  <a:schemeClr val="accent5"/>
+                </a:solidFill>
+                <a:latin typeface="배달의민족 도현" pitchFamily="50" charset="-127"/>
+                <a:ea typeface="배달의민족 도현" pitchFamily="50" charset="-127"/>
+              </a:rPr>
+              <a:t>S</a:t>
+            </a:r>
+            <a:r>
+              <a:rPr lang="en-US" altLang="ko-KR" dirty="0" smtClean="0">
+                <a:latin typeface="배달의민족 도현" pitchFamily="50" charset="-127"/>
+                <a:ea typeface="배달의민족 도현" pitchFamily="50" charset="-127"/>
+              </a:rPr>
+              <a:t>TART</a:t>
+            </a:r>
+            <a:r>
+              <a:rPr lang="en-US" altLang="ko-KR" dirty="0" smtClean="0">
+                <a:solidFill>
+                  <a:schemeClr val="accent5"/>
+                </a:solidFill>
+                <a:latin typeface="배달의민족 도현" pitchFamily="50" charset="-127"/>
+                <a:ea typeface="배달의민족 도현" pitchFamily="50" charset="-127"/>
+              </a:rPr>
+              <a:t>C</a:t>
+            </a:r>
+            <a:r>
+              <a:rPr lang="en-US" altLang="ko-KR" dirty="0" smtClean="0">
+                <a:latin typeface="배달의민족 도현" pitchFamily="50" charset="-127"/>
+                <a:ea typeface="배달의민족 도현" pitchFamily="50" charset="-127"/>
+              </a:rPr>
+              <a:t>ODING</a:t>
+            </a:r>
+            <a:endParaRPr lang="ko-KR" altLang="en-US" dirty="0">
+              <a:latin typeface="배달의민족 도현" pitchFamily="50" charset="-127"/>
+              <a:ea typeface="배달의민족 도현" pitchFamily="50" charset="-127"/>
+            </a:endParaRPr>
+          </a:p>
+        </p:txBody>
+      </p:sp>
+    </p:spTree>
+    <p:extLst>
+      <p:ext uri="{BB962C8B-B14F-4D97-AF65-F5344CB8AC3E}">
+        <p14:creationId xmlns:p14="http://schemas.microsoft.com/office/powerpoint/2010/main" val="3385750395"/>
+      </p:ext>
+    </p:extLst>
+  </p:cSld>
+  <p:clrMapOvr>
+    <a:masterClrMapping/>
+  </p:clrMapOvr>
+  <p:timing>
+    <p:tnLst>
+      <p:par>
+        <p:cTn id="1" dur="indefinite" restart="never" nodeType="tmRoot"/>
+      </p:par>
+    </p:tnLst>
+  </p:timing>
+</p:sld>
+</file>
+
 <file path=ppt/slides/slide13.xml><?xml version="1.0" encoding="utf-8"?>
 <p:sld xmlns:a="http://schemas.openxmlformats.org/drawingml/2006/main" xmlns:r="http://schemas.openxmlformats.org/officeDocument/2006/relationships" xmlns:p="http://schemas.openxmlformats.org/presentationml/2006/main">
   <p:cSld>
@@ -4880,24 +4886,32 @@
         </p:nvSpPr>
         <p:spPr/>
         <p:txBody>
-          <a:bodyPr/>
+          <a:bodyPr>
+            <a:normAutofit/>
+          </a:bodyPr>
           <a:lstStyle/>
           <a:p>
             <a:r>
-              <a:rPr lang="en-US" altLang="ko-KR" dirty="0" smtClean="0">
-                <a:latin typeface="배달의민족 주아" pitchFamily="18" charset="-127"/>
-                <a:ea typeface="배달의민족 주아" pitchFamily="18" charset="-127"/>
-              </a:rPr>
-              <a:t>width, height </a:t>
-            </a:r>
-            <a:r>
-              <a:rPr lang="ko-KR" altLang="en-US" dirty="0" smtClean="0">
-                <a:latin typeface="배달의민족 주아" pitchFamily="18" charset="-127"/>
-                <a:ea typeface="배달의민족 주아" pitchFamily="18" charset="-127"/>
-              </a:rPr>
-              <a:t>적용방법</a:t>
-            </a:r>
-            <a:endParaRPr lang="ko-KR" altLang="en-US" dirty="0">
+              <a:rPr lang="en-US" altLang="ko-KR" sz="4000" dirty="0" smtClean="0">
+                <a:latin typeface="배달의민족 주아" pitchFamily="18" charset="-127"/>
+                <a:ea typeface="배달의민족 주아" pitchFamily="18" charset="-127"/>
+              </a:rPr>
+              <a:t>width: 300px;</a:t>
+            </a:r>
+            <a:br>
+              <a:rPr lang="en-US" altLang="ko-KR" sz="4000" dirty="0" smtClean="0">
+                <a:latin typeface="배달의민족 주아" pitchFamily="18" charset="-127"/>
+                <a:ea typeface="배달의민족 주아" pitchFamily="18" charset="-127"/>
+              </a:rPr>
+            </a:br>
+            <a:r>
+              <a:rPr lang="en-US" altLang="ko-KR" sz="4000" dirty="0" smtClean="0">
+                <a:latin typeface="배달의민족 주아" pitchFamily="18" charset="-127"/>
+                <a:ea typeface="배달의민족 주아" pitchFamily="18" charset="-127"/>
+              </a:rPr>
+              <a:t>height: 400px;</a:t>
+            </a:r>
+            <a:endParaRPr lang="ko-KR" altLang="en-US" sz="4000" dirty="0">
               <a:latin typeface="배달의민족 주아" pitchFamily="18" charset="-127"/>
               <a:ea typeface="배달의민족 주아" pitchFamily="18" charset="-127"/>
             </a:endParaRPr>
@@ -5061,10 +5075,82 @@
           </a:p>
         </p:txBody>
       </p:sp>
+      <p:sp>
+        <p:nvSpPr>
+          <p:cNvPr id="4" name="제목 1"/>
+          <p:cNvSpPr txBox="1">
+            <a:spLocks/>
+          </p:cNvSpPr>
+          <p:nvPr/>
+        </p:nvSpPr>
+        <p:spPr>
+          <a:xfrm>
+            <a:off x="685800" y="3717032"/>
+            <a:ext cx="7772400" cy="1470025"/>
+          </a:xfrm>
+          <a:prstGeom prst="rect">
+            <a:avLst/>
+          </a:prstGeom>
+        </p:spPr>
+        <p:txBody>
+          <a:bodyPr vert="horz" lIns="91440" tIns="45720" rIns="91440" bIns="45720" rtlCol="0" anchor="ctr">
+            <a:normAutofit/>
+          </a:bodyPr>
+          <a:lstStyle>
+            <a:lvl1pPr algn="ctr" defTabSz="914400" rtl="0" eaLnBrk="1" latinLnBrk="1" hangingPunct="1">
+              <a:spcBef>
+                <a:spcPct val="0"/>
+              </a:spcBef>
+              <a:buNone/>
+              <a:defRPr sz="4400" kern="1200">
+                <a:solidFill>
+                  <a:schemeClr val="tx1"/>
+                </a:solidFill>
+                <a:latin typeface="+mj-lt"/>
+                <a:ea typeface="+mj-ea"/>
+                <a:cs typeface="+mj-cs"/>
+              </a:defRPr>
+            </a:lvl1pPr>
+          </a:lstStyle>
+          <a:p>
+            <a:r>
+              <a:rPr lang="en-US" altLang="ko-KR" sz="4000" dirty="0" smtClean="0">
+                <a:latin typeface="배달의민족 주아" pitchFamily="18" charset="-127"/>
+                <a:ea typeface="배달의민족 주아" pitchFamily="18" charset="-127"/>
+              </a:rPr>
+              <a:t>width: 100%;</a:t>
+            </a:r>
+            <a:br>
+              <a:rPr lang="en-US" altLang="ko-KR" sz="4000" dirty="0" smtClean="0">
+                <a:latin typeface="배달의민족 주아" pitchFamily="18" charset="-127"/>
+                <a:ea typeface="배달의민족 주아" pitchFamily="18" charset="-127"/>
+              </a:rPr>
+            </a:br>
+            <a:r>
+              <a:rPr lang="en-US" altLang="ko-KR" sz="4000" dirty="0" smtClean="0">
+                <a:latin typeface="배달의민족 주아" pitchFamily="18" charset="-127"/>
+                <a:ea typeface="배달의민족 주아" pitchFamily="18" charset="-127"/>
+              </a:rPr>
+              <a:t>height</a:t>
+            </a:r>
+            <a:r>
+              <a:rPr lang="en-US" altLang="ko-KR" sz="4000" smtClean="0">
+                <a:latin typeface="배달의민족 주아" pitchFamily="18" charset="-127"/>
+                <a:ea typeface="배달의민족 주아" pitchFamily="18" charset="-127"/>
+              </a:rPr>
+              <a:t>: 100%;</a:t>
+            </a:r>
+            <a:endParaRPr lang="ko-KR" altLang="en-US" sz="4000" dirty="0">
+              <a:latin typeface="배달의민족 주아" pitchFamily="18" charset="-127"/>
+              <a:ea typeface="배달의민족 주아" pitchFamily="18" charset="-127"/>
+            </a:endParaRPr>
+          </a:p>
+        </p:txBody>
+      </p:sp>
     </p:spTree>
     <p:extLst>
       <p:ext uri="{BB962C8B-B14F-4D97-AF65-F5344CB8AC3E}">
-        <p14:creationId xmlns:p14="http://schemas.microsoft.com/office/powerpoint/2010/main" val="3385750395"/>
+        <p14:creationId xmlns:p14="http://schemas.microsoft.com/office/powerpoint/2010/main" val="498338006"/>
       </p:ext>
     </p:extLst>
   </p:cSld>
@@ -5110,39 +5196,24 @@
         </p:nvSpPr>
         <p:spPr/>
         <p:txBody>
-          <a:bodyPr>
-            <a:normAutofit/>
-          </a:bodyPr>
+          <a:bodyPr/>
           <a:lstStyle/>
           <a:p>
             <a:r>
-              <a:rPr lang="en-US" altLang="ko-KR" sz="4000" dirty="0" smtClean="0">
-                <a:latin typeface="배달의민족 주아" pitchFamily="18" charset="-127"/>
-                <a:ea typeface="배달의민족 주아" pitchFamily="18" charset="-127"/>
-              </a:rPr>
-              <a:t>width: 300px</a:t>
-            </a:r>
-            <a:r>
-              <a:rPr lang="en-US" altLang="ko-KR" sz="4000" dirty="0" smtClean="0">
-                <a:latin typeface="배달의민족 주아" pitchFamily="18" charset="-127"/>
-                <a:ea typeface="배달의민족 주아" pitchFamily="18" charset="-127"/>
-              </a:rPr>
-              <a:t>;</a:t>
-            </a:r>
-            <a:br>
-              <a:rPr lang="en-US" altLang="ko-KR" sz="4000" dirty="0" smtClean="0">
-                <a:latin typeface="배달의민족 주아" pitchFamily="18" charset="-127"/>
-                <a:ea typeface="배달의민족 주아" pitchFamily="18" charset="-127"/>
-              </a:rPr>
-            </a:br>
-            <a:r>
-              <a:rPr lang="en-US" altLang="ko-KR" sz="4000" dirty="0" smtClean="0">
-                <a:latin typeface="배달의민족 주아" pitchFamily="18" charset="-127"/>
-                <a:ea typeface="배달의민족 주아" pitchFamily="18" charset="-127"/>
-              </a:rPr>
-              <a:t>height: 400px;</a:t>
-            </a:r>
-            <a:endParaRPr lang="ko-KR" altLang="en-US" sz="4000" dirty="0">
+              <a:rPr lang="en-US" altLang="ko-KR" dirty="0" smtClean="0">
+                <a:latin typeface="배달의민족 주아" pitchFamily="18" charset="-127"/>
+                <a:ea typeface="배달의민족 주아" pitchFamily="18" charset="-127"/>
+              </a:rPr>
+              <a:t>margin, padding </a:t>
+            </a:r>
+            <a:r>
+              <a:rPr lang="ko-KR" altLang="en-US" dirty="0" smtClean="0">
+                <a:latin typeface="배달의민족 주아" pitchFamily="18" charset="-127"/>
+                <a:ea typeface="배달의민족 주아" pitchFamily="18" charset="-127"/>
+              </a:rPr>
+              <a:t>적용방법</a:t>
+            </a:r>
+            <a:endParaRPr lang="ko-KR" altLang="en-US" dirty="0">
               <a:latin typeface="배달의민족 주아" pitchFamily="18" charset="-127"/>
               <a:ea typeface="배달의민족 주아" pitchFamily="18" charset="-127"/>
             </a:endParaRPr>
@@ -5306,82 +5377,10 @@
           </a:p>
         </p:txBody>
       </p:sp>
-      <p:sp>
-        <p:nvSpPr>
-          <p:cNvPr id="4" name="제목 1"/>
-          <p:cNvSpPr txBox="1">
-            <a:spLocks/>
-          </p:cNvSpPr>
-          <p:nvPr/>
-        </p:nvSpPr>
-        <p:spPr>
-          <a:xfrm>
-            <a:off x="685800" y="3717032"/>
-            <a:ext cx="7772400" cy="1470025"/>
-          </a:xfrm>
-          <a:prstGeom prst="rect">
-            <a:avLst/>
-          </a:prstGeom>
-        </p:spPr>
-        <p:txBody>
-          <a:bodyPr vert="horz" lIns="91440" tIns="45720" rIns="91440" bIns="45720" rtlCol="0" anchor="ctr">
-            <a:normAutofit/>
-          </a:bodyPr>
-          <a:lstStyle>
-            <a:lvl1pPr algn="ctr" defTabSz="914400" rtl="0" eaLnBrk="1" latinLnBrk="1" hangingPunct="1">
-              <a:spcBef>
-                <a:spcPct val="0"/>
-              </a:spcBef>
-              <a:buNone/>
-              <a:defRPr sz="4400" kern="1200">
-                <a:solidFill>
-                  <a:schemeClr val="tx1"/>
-                </a:solidFill>
-                <a:latin typeface="+mj-lt"/>
-                <a:ea typeface="+mj-ea"/>
-                <a:cs typeface="+mj-cs"/>
-              </a:defRPr>
-            </a:lvl1pPr>
-          </a:lstStyle>
-          <a:p>
-            <a:r>
-              <a:rPr lang="en-US" altLang="ko-KR" sz="4000" dirty="0" smtClean="0">
-                <a:latin typeface="배달의민족 주아" pitchFamily="18" charset="-127"/>
-                <a:ea typeface="배달의민족 주아" pitchFamily="18" charset="-127"/>
-              </a:rPr>
-              <a:t>width: 100%;</a:t>
-            </a:r>
-            <a:br>
-              <a:rPr lang="en-US" altLang="ko-KR" sz="4000" dirty="0" smtClean="0">
-                <a:latin typeface="배달의민족 주아" pitchFamily="18" charset="-127"/>
-                <a:ea typeface="배달의민족 주아" pitchFamily="18" charset="-127"/>
-              </a:rPr>
-            </a:br>
-            <a:r>
-              <a:rPr lang="en-US" altLang="ko-KR" sz="4000" dirty="0" smtClean="0">
-                <a:latin typeface="배달의민족 주아" pitchFamily="18" charset="-127"/>
-                <a:ea typeface="배달의민족 주아" pitchFamily="18" charset="-127"/>
-              </a:rPr>
-              <a:t>height</a:t>
-            </a:r>
-            <a:r>
-              <a:rPr lang="en-US" altLang="ko-KR" sz="4000" smtClean="0">
-                <a:latin typeface="배달의민족 주아" pitchFamily="18" charset="-127"/>
-                <a:ea typeface="배달의민족 주아" pitchFamily="18" charset="-127"/>
-              </a:rPr>
-              <a:t>: 100%;</a:t>
-            </a:r>
-            <a:endParaRPr lang="ko-KR" altLang="en-US" sz="4000" dirty="0">
-              <a:latin typeface="배달의민족 주아" pitchFamily="18" charset="-127"/>
-              <a:ea typeface="배달의민족 주아" pitchFamily="18" charset="-127"/>
-            </a:endParaRPr>
-          </a:p>
-        </p:txBody>
-      </p:sp>
     </p:spTree>
     <p:extLst>
       <p:ext uri="{BB962C8B-B14F-4D97-AF65-F5344CB8AC3E}">
-        <p14:creationId xmlns:p14="http://schemas.microsoft.com/office/powerpoint/2010/main" val="498338006"/>
+        <p14:creationId xmlns:p14="http://schemas.microsoft.com/office/powerpoint/2010/main" val="440375346"/>
       </p:ext>
     </p:extLst>
   </p:cSld>
@@ -5427,236 +5426,6 @@
         </p:nvSpPr>
         <p:spPr/>
         <p:txBody>
-          <a:bodyPr/>
-          <a:lstStyle/>
-          <a:p>
-            <a:r>
-              <a:rPr lang="en-US" altLang="ko-KR" dirty="0" smtClean="0">
-                <a:latin typeface="배달의민족 주아" pitchFamily="18" charset="-127"/>
-                <a:ea typeface="배달의민족 주아" pitchFamily="18" charset="-127"/>
-              </a:rPr>
-              <a:t>margin, padding </a:t>
-            </a:r>
-            <a:r>
-              <a:rPr lang="ko-KR" altLang="en-US" dirty="0" smtClean="0">
-                <a:latin typeface="배달의민족 주아" pitchFamily="18" charset="-127"/>
-                <a:ea typeface="배달의민족 주아" pitchFamily="18" charset="-127"/>
-              </a:rPr>
-              <a:t>적용방법</a:t>
-            </a:r>
-            <a:endParaRPr lang="ko-KR" altLang="en-US" dirty="0">
-              <a:latin typeface="배달의민족 주아" pitchFamily="18" charset="-127"/>
-              <a:ea typeface="배달의민족 주아" pitchFamily="18" charset="-127"/>
-            </a:endParaRPr>
-          </a:p>
-        </p:txBody>
-      </p:sp>
-      <p:sp>
-        <p:nvSpPr>
-          <p:cNvPr id="3" name="TextBox 2"/>
-          <p:cNvSpPr txBox="1"/>
-          <p:nvPr/>
-        </p:nvSpPr>
-        <p:spPr>
-          <a:xfrm>
-            <a:off x="6948264" y="6093296"/>
-            <a:ext cx="1838965" cy="369332"/>
-          </a:xfrm>
-          <a:prstGeom prst="rect">
-            <a:avLst/>
-          </a:prstGeom>
-          <a:noFill/>
-        </p:spPr>
-        <p:txBody>
-          <a:bodyPr wrap="none" rtlCol="0">
-            <a:spAutoFit/>
-          </a:bodyPr>
-          <a:lstStyle>
-            <a:defPPr>
-              <a:defRPr lang="ko-KR"/>
-            </a:defPPr>
-            <a:lvl1pPr marL="0" algn="l" defTabSz="914400" rtl="0" eaLnBrk="1" latinLnBrk="1" hangingPunct="1">
-              <a:defRPr sz="1800" kern="1200">
-                <a:solidFill>
-                  <a:schemeClr val="tx1"/>
-                </a:solidFill>
-                <a:latin typeface="+mn-lt"/>
-                <a:ea typeface="+mn-ea"/>
-                <a:cs typeface="+mn-cs"/>
-              </a:defRPr>
-            </a:lvl1pPr>
-            <a:lvl2pPr marL="457200" algn="l" defTabSz="914400" rtl="0" eaLnBrk="1" latinLnBrk="1" hangingPunct="1">
-              <a:defRPr sz="1800" kern="1200">
-                <a:solidFill>
-                  <a:schemeClr val="tx1"/>
-                </a:solidFill>
-                <a:latin typeface="+mn-lt"/>
-                <a:ea typeface="+mn-ea"/>
-                <a:cs typeface="+mn-cs"/>
-              </a:defRPr>
-            </a:lvl2pPr>
-            <a:lvl3pPr marL="914400" algn="l" defTabSz="914400" rtl="0" eaLnBrk="1" latinLnBrk="1" hangingPunct="1">
-              <a:defRPr sz="1800" kern="1200">
-                <a:solidFill>
-                  <a:schemeClr val="tx1"/>
-                </a:solidFill>
-                <a:latin typeface="+mn-lt"/>
-                <a:ea typeface="+mn-ea"/>
-                <a:cs typeface="+mn-cs"/>
-              </a:defRPr>
-            </a:lvl3pPr>
-            <a:lvl4pPr marL="1371600" algn="l" defTabSz="914400" rtl="0" eaLnBrk="1" latinLnBrk="1" hangingPunct="1">
-              <a:defRPr sz="1800" kern="1200">
-                <a:solidFill>
-                  <a:schemeClr val="tx1"/>
-                </a:solidFill>
-                <a:latin typeface="+mn-lt"/>
-                <a:ea typeface="+mn-ea"/>
-                <a:cs typeface="+mn-cs"/>
-              </a:defRPr>
-            </a:lvl4pPr>
-            <a:lvl5pPr marL="1828800" algn="l" defTabSz="914400" rtl="0" eaLnBrk="1" latinLnBrk="1" hangingPunct="1">
-              <a:defRPr sz="1800" kern="1200">
-                <a:solidFill>
-                  <a:schemeClr val="tx1"/>
-                </a:solidFill>
-                <a:latin typeface="+mn-lt"/>
-                <a:ea typeface="+mn-ea"/>
-                <a:cs typeface="+mn-cs"/>
-              </a:defRPr>
-            </a:lvl5pPr>
-            <a:lvl6pPr marL="2286000" algn="l" defTabSz="914400" rtl="0" eaLnBrk="1" latinLnBrk="1" hangingPunct="1">
-              <a:defRPr sz="1800" kern="1200">
-                <a:solidFill>
-                  <a:schemeClr val="tx1"/>
-                </a:solidFill>
-                <a:latin typeface="+mn-lt"/>
-                <a:ea typeface="+mn-ea"/>
-                <a:cs typeface="+mn-cs"/>
-              </a:defRPr>
-            </a:lvl6pPr>
-            <a:lvl7pPr marL="2743200" algn="l" defTabSz="914400" rtl="0" eaLnBrk="1" latinLnBrk="1" hangingPunct="1">
-              <a:defRPr sz="1800" kern="1200">
-                <a:solidFill>
-                  <a:schemeClr val="tx1"/>
-                </a:solidFill>
-                <a:latin typeface="+mn-lt"/>
-                <a:ea typeface="+mn-ea"/>
-                <a:cs typeface="+mn-cs"/>
-              </a:defRPr>
-            </a:lvl7pPr>
-            <a:lvl8pPr marL="3200400" algn="l" defTabSz="914400" rtl="0" eaLnBrk="1" latinLnBrk="1" hangingPunct="1">
-              <a:defRPr sz="1800" kern="1200">
-                <a:solidFill>
-                  <a:schemeClr val="tx1"/>
-                </a:solidFill>
-                <a:latin typeface="+mn-lt"/>
-                <a:ea typeface="+mn-ea"/>
-                <a:cs typeface="+mn-cs"/>
-              </a:defRPr>
-            </a:lvl8pPr>
-            <a:lvl9pPr marL="3657600" algn="l" defTabSz="914400" rtl="0" eaLnBrk="1" latinLnBrk="1" hangingPunct="1">
-              <a:defRPr sz="1800" kern="1200">
-                <a:solidFill>
-                  <a:schemeClr val="tx1"/>
-                </a:solidFill>
-                <a:latin typeface="+mn-lt"/>
-                <a:ea typeface="+mn-ea"/>
-                <a:cs typeface="+mn-cs"/>
-              </a:defRPr>
-            </a:lvl9pPr>
-          </a:lstStyle>
-          <a:p>
-            <a:r>
-              <a:rPr lang="en-US" altLang="ko-KR" dirty="0" smtClean="0">
-                <a:solidFill>
-                  <a:schemeClr val="accent5"/>
-                </a:solidFill>
-                <a:latin typeface="배달의민족 도현" pitchFamily="50" charset="-127"/>
-                <a:ea typeface="배달의민족 도현" pitchFamily="50" charset="-127"/>
-              </a:rPr>
-              <a:t>S</a:t>
-            </a:r>
-            <a:r>
-              <a:rPr lang="en-US" altLang="ko-KR" dirty="0" smtClean="0">
-                <a:latin typeface="배달의민족 도현" pitchFamily="50" charset="-127"/>
-                <a:ea typeface="배달의민족 도현" pitchFamily="50" charset="-127"/>
-              </a:rPr>
-              <a:t>TART</a:t>
-            </a:r>
-            <a:r>
-              <a:rPr lang="en-US" altLang="ko-KR" dirty="0" smtClean="0">
-                <a:solidFill>
-                  <a:schemeClr val="accent5"/>
-                </a:solidFill>
-                <a:latin typeface="배달의민족 도현" pitchFamily="50" charset="-127"/>
-                <a:ea typeface="배달의민족 도현" pitchFamily="50" charset="-127"/>
-              </a:rPr>
-              <a:t>C</a:t>
-            </a:r>
-            <a:r>
-              <a:rPr lang="en-US" altLang="ko-KR" dirty="0" smtClean="0">
-                <a:latin typeface="배달의민족 도현" pitchFamily="50" charset="-127"/>
-                <a:ea typeface="배달의민족 도현" pitchFamily="50" charset="-127"/>
-              </a:rPr>
-              <a:t>ODING</a:t>
-            </a:r>
-            <a:endParaRPr lang="ko-KR" altLang="en-US" dirty="0">
-              <a:latin typeface="배달의민족 도현" pitchFamily="50" charset="-127"/>
-              <a:ea typeface="배달의민족 도현" pitchFamily="50" charset="-127"/>
-            </a:endParaRPr>
-          </a:p>
-        </p:txBody>
-      </p:sp>
-    </p:spTree>
-    <p:extLst>
-      <p:ext uri="{BB962C8B-B14F-4D97-AF65-F5344CB8AC3E}">
-        <p14:creationId xmlns:p14="http://schemas.microsoft.com/office/powerpoint/2010/main" val="440375346"/>
-      </p:ext>
-    </p:extLst>
-  </p:cSld>
-  <p:clrMapOvr>
-    <a:masterClrMapping/>
-  </p:clrMapOvr>
-  <p:timing>
-    <p:tnLst>
-      <p:par>
-        <p:cTn id="1" dur="indefinite" restart="never" nodeType="tmRoot"/>
-      </p:par>
-    </p:tnLst>
-  </p:timing>
-</p:sld>
-</file>
-
-<file path=ppt/slides/slide16.xml><?xml version="1.0" encoding="utf-8"?>
-<p:sld xmlns:a="http://schemas.openxmlformats.org/drawingml/2006/main" xmlns:r="http://schemas.openxmlformats.org/officeDocument/2006/relationships" xmlns:p="http://schemas.openxmlformats.org/presentationml/2006/main">
-  <p:cSld>
-    <p:spTree>
-      <p:nvGrpSpPr>
-        <p:cNvPr id="1" name=""/>
-        <p:cNvGrpSpPr/>
-        <p:nvPr/>
-      </p:nvGrpSpPr>
-      <p:grpSpPr>
-        <a:xfrm>
-          <a:off x="0" y="0"/>
-          <a:ext cx="0" cy="0"/>
-          <a:chOff x="0" y="0"/>
-          <a:chExt cx="0" cy="0"/>
-        </a:xfrm>
-      </p:grpSpPr>
-      <p:sp>
-        <p:nvSpPr>
-          <p:cNvPr id="2" name="제목 1"/>
-          <p:cNvSpPr>
-            <a:spLocks noGrp="1"/>
-          </p:cNvSpPr>
-          <p:nvPr>
-            <p:ph type="ctrTitle"/>
-          </p:nvPr>
-        </p:nvSpPr>
-        <p:spPr/>
-        <p:txBody>
           <a:bodyPr>
             <a:normAutofit fontScale="90000"/>
           </a:bodyPr>
@@ -5899,7 +5668,7 @@
 </p:sld>
 </file>
 
-<file path=ppt/slides/slide17.xml><?xml version="1.0" encoding="utf-8"?>
+<file path=ppt/slides/slide16.xml><?xml version="1.0" encoding="utf-8"?>
 <p:sld xmlns:a="http://schemas.openxmlformats.org/drawingml/2006/main" xmlns:r="http://schemas.openxmlformats.org/officeDocument/2006/relationships" xmlns:p="http://schemas.openxmlformats.org/presentationml/2006/main">
   <p:cSld>
     <p:spTree>
@@ -6241,6 +6010,368 @@
 </p:sld>
 </file>
 
+<file path=ppt/slides/slide17.xml><?xml version="1.0" encoding="utf-8"?>
+<p:sld xmlns:a="http://schemas.openxmlformats.org/drawingml/2006/main" xmlns:r="http://schemas.openxmlformats.org/officeDocument/2006/relationships" xmlns:p="http://schemas.openxmlformats.org/presentationml/2006/main">
+  <p:cSld>
+    <p:spTree>
+      <p:nvGrpSpPr>
+        <p:cNvPr id="1" name=""/>
+        <p:cNvGrpSpPr/>
+        <p:nvPr/>
+      </p:nvGrpSpPr>
+      <p:grpSpPr>
+        <a:xfrm>
+          <a:off x="0" y="0"/>
+          <a:ext cx="0" cy="0"/>
+          <a:chOff x="0" y="0"/>
+          <a:chExt cx="0" cy="0"/>
+        </a:xfrm>
+      </p:grpSpPr>
+      <p:sp>
+        <p:nvSpPr>
+          <p:cNvPr id="2" name="제목 1"/>
+          <p:cNvSpPr>
+            <a:spLocks noGrp="1"/>
+          </p:cNvSpPr>
+          <p:nvPr>
+            <p:ph type="ctrTitle"/>
+          </p:nvPr>
+        </p:nvSpPr>
+        <p:spPr/>
+        <p:txBody>
+          <a:bodyPr>
+            <a:normAutofit/>
+          </a:bodyPr>
+          <a:lstStyle/>
+          <a:p>
+            <a:r>
+              <a:rPr lang="en-US" altLang="ko-KR" sz="4000" dirty="0" smtClean="0">
+                <a:latin typeface="배달의민족 주아" pitchFamily="18" charset="-127"/>
+                <a:ea typeface="배달의민족 주아" pitchFamily="18" charset="-127"/>
+              </a:rPr>
+              <a:t>margin : 25px;</a:t>
+            </a:r>
+            <a:endParaRPr lang="ko-KR" altLang="en-US" sz="4000" dirty="0">
+              <a:latin typeface="배달의민족 주아" pitchFamily="18" charset="-127"/>
+              <a:ea typeface="배달의민족 주아" pitchFamily="18" charset="-127"/>
+            </a:endParaRPr>
+          </a:p>
+        </p:txBody>
+      </p:sp>
+      <p:sp>
+        <p:nvSpPr>
+          <p:cNvPr id="3" name="TextBox 2"/>
+          <p:cNvSpPr txBox="1"/>
+          <p:nvPr/>
+        </p:nvSpPr>
+        <p:spPr>
+          <a:xfrm>
+            <a:off x="6948264" y="6093296"/>
+            <a:ext cx="1838965" cy="369332"/>
+          </a:xfrm>
+          <a:prstGeom prst="rect">
+            <a:avLst/>
+          </a:prstGeom>
+          <a:noFill/>
+        </p:spPr>
+        <p:txBody>
+          <a:bodyPr wrap="none" rtlCol="0">
+            <a:spAutoFit/>
+          </a:bodyPr>
+          <a:lstStyle>
+            <a:defPPr>
+              <a:defRPr lang="ko-KR"/>
+            </a:defPPr>
+            <a:lvl1pPr marL="0" algn="l" defTabSz="914400" rtl="0" eaLnBrk="1" latinLnBrk="1" hangingPunct="1">
+              <a:defRPr sz="1800" kern="1200">
+                <a:solidFill>
+                  <a:schemeClr val="tx1"/>
+                </a:solidFill>
+                <a:latin typeface="+mn-lt"/>
+                <a:ea typeface="+mn-ea"/>
+                <a:cs typeface="+mn-cs"/>
+              </a:defRPr>
+            </a:lvl1pPr>
+            <a:lvl2pPr marL="457200" algn="l" defTabSz="914400" rtl="0" eaLnBrk="1" latinLnBrk="1" hangingPunct="1">
+              <a:defRPr sz="1800" kern="1200">
+                <a:solidFill>
+                  <a:schemeClr val="tx1"/>
+                </a:solidFill>
+                <a:latin typeface="+mn-lt"/>
+                <a:ea typeface="+mn-ea"/>
+                <a:cs typeface="+mn-cs"/>
+              </a:defRPr>
+            </a:lvl2pPr>
+            <a:lvl3pPr marL="914400" algn="l" defTabSz="914400" rtl="0" eaLnBrk="1" latinLnBrk="1" hangingPunct="1">
+              <a:defRPr sz="1800" kern="1200">
+                <a:solidFill>
+                  <a:schemeClr val="tx1"/>
+                </a:solidFill>
+                <a:latin typeface="+mn-lt"/>
+                <a:ea typeface="+mn-ea"/>
+                <a:cs typeface="+mn-cs"/>
+              </a:defRPr>
+            </a:lvl3pPr>
+            <a:lvl4pPr marL="1371600" algn="l" defTabSz="914400" rtl="0" eaLnBrk="1" latinLnBrk="1" hangingPunct="1">
+              <a:defRPr sz="1800" kern="1200">
+                <a:solidFill>
+                  <a:schemeClr val="tx1"/>
+                </a:solidFill>
+                <a:latin typeface="+mn-lt"/>
+                <a:ea typeface="+mn-ea"/>
+                <a:cs typeface="+mn-cs"/>
+              </a:defRPr>
+            </a:lvl4pPr>
+            <a:lvl5pPr marL="1828800" algn="l" defTabSz="914400" rtl="0" eaLnBrk="1" latinLnBrk="1" hangingPunct="1">
+              <a:defRPr sz="1800" kern="1200">
+                <a:solidFill>
+                  <a:schemeClr val="tx1"/>
+                </a:solidFill>
+                <a:latin typeface="+mn-lt"/>
+                <a:ea typeface="+mn-ea"/>
+                <a:cs typeface="+mn-cs"/>
+              </a:defRPr>
+            </a:lvl5pPr>
+            <a:lvl6pPr marL="2286000" algn="l" defTabSz="914400" rtl="0" eaLnBrk="1" latinLnBrk="1" hangingPunct="1">
+              <a:defRPr sz="1800" kern="1200">
+                <a:solidFill>
+                  <a:schemeClr val="tx1"/>
+                </a:solidFill>
+                <a:latin typeface="+mn-lt"/>
+                <a:ea typeface="+mn-ea"/>
+                <a:cs typeface="+mn-cs"/>
+              </a:defRPr>
+            </a:lvl6pPr>
+            <a:lvl7pPr marL="2743200" algn="l" defTabSz="914400" rtl="0" eaLnBrk="1" latinLnBrk="1" hangingPunct="1">
+              <a:defRPr sz="1800" kern="1200">
+                <a:solidFill>
+                  <a:schemeClr val="tx1"/>
+                </a:solidFill>
+                <a:latin typeface="+mn-lt"/>
+                <a:ea typeface="+mn-ea"/>
+                <a:cs typeface="+mn-cs"/>
+              </a:defRPr>
+            </a:lvl7pPr>
+            <a:lvl8pPr marL="3200400" algn="l" defTabSz="914400" rtl="0" eaLnBrk="1" latinLnBrk="1" hangingPunct="1">
+              <a:defRPr sz="1800" kern="1200">
+                <a:solidFill>
+                  <a:schemeClr val="tx1"/>
+                </a:solidFill>
+                <a:latin typeface="+mn-lt"/>
+                <a:ea typeface="+mn-ea"/>
+                <a:cs typeface="+mn-cs"/>
+              </a:defRPr>
+            </a:lvl8pPr>
+            <a:lvl9pPr marL="3657600" algn="l" defTabSz="914400" rtl="0" eaLnBrk="1" latinLnBrk="1" hangingPunct="1">
+              <a:defRPr sz="1800" kern="1200">
+                <a:solidFill>
+                  <a:schemeClr val="tx1"/>
+                </a:solidFill>
+                <a:latin typeface="+mn-lt"/>
+                <a:ea typeface="+mn-ea"/>
+                <a:cs typeface="+mn-cs"/>
+              </a:defRPr>
+            </a:lvl9pPr>
+          </a:lstStyle>
+          <a:p>
+            <a:r>
+              <a:rPr lang="en-US" altLang="ko-KR" dirty="0" smtClean="0">
+                <a:solidFill>
+                  <a:schemeClr val="accent5"/>
+                </a:solidFill>
+                <a:latin typeface="배달의민족 도현" pitchFamily="50" charset="-127"/>
+                <a:ea typeface="배달의민족 도현" pitchFamily="50" charset="-127"/>
+              </a:rPr>
+              <a:t>S</a:t>
+            </a:r>
+            <a:r>
+              <a:rPr lang="en-US" altLang="ko-KR" dirty="0" smtClean="0">
+                <a:latin typeface="배달의민족 도현" pitchFamily="50" charset="-127"/>
+                <a:ea typeface="배달의민족 도현" pitchFamily="50" charset="-127"/>
+              </a:rPr>
+              <a:t>TART</a:t>
+            </a:r>
+            <a:r>
+              <a:rPr lang="en-US" altLang="ko-KR" dirty="0" smtClean="0">
+                <a:solidFill>
+                  <a:schemeClr val="accent5"/>
+                </a:solidFill>
+                <a:latin typeface="배달의민족 도현" pitchFamily="50" charset="-127"/>
+                <a:ea typeface="배달의민족 도현" pitchFamily="50" charset="-127"/>
+              </a:rPr>
+              <a:t>C</a:t>
+            </a:r>
+            <a:r>
+              <a:rPr lang="en-US" altLang="ko-KR" dirty="0" smtClean="0">
+                <a:latin typeface="배달의민족 도현" pitchFamily="50" charset="-127"/>
+                <a:ea typeface="배달의민족 도현" pitchFamily="50" charset="-127"/>
+              </a:rPr>
+              <a:t>ODING</a:t>
+            </a:r>
+            <a:endParaRPr lang="ko-KR" altLang="en-US" dirty="0">
+              <a:latin typeface="배달의민족 도현" pitchFamily="50" charset="-127"/>
+              <a:ea typeface="배달의민족 도현" pitchFamily="50" charset="-127"/>
+            </a:endParaRPr>
+          </a:p>
+        </p:txBody>
+      </p:sp>
+      <p:sp>
+        <p:nvSpPr>
+          <p:cNvPr id="4" name="제목 1"/>
+          <p:cNvSpPr txBox="1">
+            <a:spLocks/>
+          </p:cNvSpPr>
+          <p:nvPr/>
+        </p:nvSpPr>
+        <p:spPr>
+          <a:xfrm>
+            <a:off x="685800" y="3501008"/>
+            <a:ext cx="7772400" cy="1470025"/>
+          </a:xfrm>
+          <a:prstGeom prst="rect">
+            <a:avLst/>
+          </a:prstGeom>
+        </p:spPr>
+        <p:txBody>
+          <a:bodyPr vert="horz" lIns="91440" tIns="45720" rIns="91440" bIns="45720" rtlCol="0" anchor="ctr">
+            <a:normAutofit/>
+          </a:bodyPr>
+          <a:lstStyle>
+            <a:lvl1pPr algn="ctr" defTabSz="914400" rtl="0" eaLnBrk="1" latinLnBrk="1" hangingPunct="1">
+              <a:spcBef>
+                <a:spcPct val="0"/>
+              </a:spcBef>
+              <a:buNone/>
+              <a:defRPr sz="4400" kern="1200">
+                <a:solidFill>
+                  <a:schemeClr val="tx1"/>
+                </a:solidFill>
+                <a:latin typeface="+mj-lt"/>
+                <a:ea typeface="+mj-ea"/>
+                <a:cs typeface="+mj-cs"/>
+              </a:defRPr>
+            </a:lvl1pPr>
+          </a:lstStyle>
+          <a:p>
+            <a:r>
+              <a:rPr lang="ko-KR" altLang="en-US" sz="4000" dirty="0" err="1" smtClean="0">
+                <a:solidFill>
+                  <a:schemeClr val="accent5"/>
+                </a:solidFill>
+                <a:latin typeface="배달의민족 주아" pitchFamily="18" charset="-127"/>
+                <a:ea typeface="배달의민족 주아" pitchFamily="18" charset="-127"/>
+              </a:rPr>
+              <a:t>모든방향</a:t>
+            </a:r>
+            <a:endParaRPr lang="ko-KR" altLang="en-US" sz="4000" dirty="0">
+              <a:solidFill>
+                <a:schemeClr val="accent5"/>
+              </a:solidFill>
+              <a:latin typeface="배달의민족 주아" pitchFamily="18" charset="-127"/>
+              <a:ea typeface="배달의민족 주아" pitchFamily="18" charset="-127"/>
+            </a:endParaRPr>
+          </a:p>
+        </p:txBody>
+      </p:sp>
+    </p:spTree>
+    <p:extLst>
+      <p:ext uri="{BB962C8B-B14F-4D97-AF65-F5344CB8AC3E}">
+        <p14:creationId xmlns:p14="http://schemas.microsoft.com/office/powerpoint/2010/main" val="459441250"/>
+      </p:ext>
+    </p:extLst>
+  </p:cSld>
+  <p:clrMapOvr>
+    <a:masterClrMapping/>
+  </p:clrMapOvr>
+  <p:timing>
+    <p:tnLst>
+      <p:par>
+        <p:cTn id="1" dur="indefinite" restart="never" nodeType="tmRoot">
+          <p:childTnLst>
+            <p:seq concurrent="1" nextAc="seek">
+              <p:cTn id="2" dur="indefinite" nodeType="mainSeq">
+                <p:childTnLst>
+                  <p:par>
+                    <p:cTn id="3" fill="hold">
+                      <p:stCondLst>
+                        <p:cond delay="indefinite"/>
+                      </p:stCondLst>
+                      <p:childTnLst>
+                        <p:par>
+                          <p:cTn id="4" fill="hold">
+                            <p:stCondLst>
+                              <p:cond delay="0"/>
+                            </p:stCondLst>
+                            <p:childTnLst>
+                              <p:par>
+                                <p:cTn id="5" presetID="10" presetClass="entr" presetSubtype="0" fill="hold" grpId="0" nodeType="clickEffect">
+                                  <p:stCondLst>
+                                    <p:cond delay="0"/>
+                                  </p:stCondLst>
+                                  <p:childTnLst>
+                                    <p:set>
+                                      <p:cBhvr>
+                                        <p:cTn id="6" dur="1" fill="hold">
+                                          <p:stCondLst>
+                                            <p:cond delay="0"/>
+                                          </p:stCondLst>
+                                        </p:cTn>
+                                        <p:tgtEl>
+                                          <p:spTgt spid="4"/>
+                                        </p:tgtEl>
+                                        <p:attrNameLst>
+                                          <p:attrName>style.visibility</p:attrName>
+                                        </p:attrNameLst>
+                                      </p:cBhvr>
+                                      <p:to>
+                                        <p:strVal val="visible"/>
+                                      </p:to>
+                                    </p:set>
+                                    <p:animEffect transition="in" filter="fade">
+                                      <p:cBhvr>
+                                        <p:cTn id="7" dur="500"/>
+                                        <p:tgtEl>
+                                          <p:spTgt spid="4"/>
+                                        </p:tgtEl>
+                                      </p:cBhvr>
+                                    </p:animEffect>
+                                  </p:childTnLst>
+                                </p:cTn>
+                              </p:par>
+                            </p:childTnLst>
+                          </p:cTn>
+                        </p:par>
+                      </p:childTnLst>
+                    </p:cTn>
+                  </p:par>
+                </p:childTnLst>
+              </p:cTn>
+              <p:prevCondLst>
+                <p:cond evt="onPrev" delay="0">
+                  <p:tgtEl>
+                    <p:sldTgt/>
+                  </p:tgtEl>
+                </p:cond>
+              </p:prevCondLst>
+              <p:nextCondLst>
+                <p:cond evt="onNext" delay="0">
+                  <p:tgtEl>
+                    <p:sldTgt/>
+                  </p:tgtEl>
+                </p:cond>
+              </p:nextCondLst>
+            </p:seq>
+          </p:childTnLst>
+        </p:cTn>
+      </p:par>
+    </p:tnLst>
+    <p:bldLst>
+      <p:bldP spid="4" grpId="0"/>
+    </p:bldLst>
+  </p:timing>
+</p:sld>
+</file>
+
 <file path=ppt/slides/slide18.xml><?xml version="1.0" encoding="utf-8"?>
 <p:sld xmlns:a="http://schemas.openxmlformats.org/drawingml/2006/main" xmlns:r="http://schemas.openxmlformats.org/officeDocument/2006/relationships" xmlns:p="http://schemas.openxmlformats.org/presentationml/2006/main">
   <p:cSld>
@@ -6280,7 +6411,7 @@
                 <a:latin typeface="배달의민족 주아" pitchFamily="18" charset="-127"/>
                 <a:ea typeface="배달의민족 주아" pitchFamily="18" charset="-127"/>
               </a:rPr>
-              <a:t>margin : 25px;</a:t>
+              <a:t>margin : 25px 50px;</a:t>
             </a:r>
             <a:endParaRPr lang="ko-KR" altLang="en-US" sz="4000" dirty="0">
               <a:latin typeface="배달의민족 주아" pitchFamily="18" charset="-127"/>
@@ -6485,14 +6616,44 @@
           </a:lstStyle>
           <a:p>
             <a:r>
-              <a:rPr lang="ko-KR" altLang="en-US" sz="4000" dirty="0" err="1" smtClean="0">
+              <a:rPr lang="ko-KR" altLang="en-US" sz="4000" dirty="0" smtClean="0">
                 <a:solidFill>
                   <a:schemeClr val="accent5"/>
                 </a:solidFill>
                 <a:latin typeface="배달의민족 주아" pitchFamily="18" charset="-127"/>
                 <a:ea typeface="배달의민족 주아" pitchFamily="18" charset="-127"/>
               </a:rPr>
-              <a:t>모든방향</a:t>
+              <a:t>위아래 </a:t>
+            </a:r>
+            <a:r>
+              <a:rPr lang="en-US" altLang="ko-KR" sz="4000" dirty="0" smtClean="0">
+                <a:solidFill>
+                  <a:schemeClr val="accent5"/>
+                </a:solidFill>
+                <a:latin typeface="배달의민족 주아" pitchFamily="18" charset="-127"/>
+                <a:ea typeface="배달의민족 주아" pitchFamily="18" charset="-127"/>
+              </a:rPr>
+              <a:t>25px, </a:t>
+            </a:r>
+            <a:r>
+              <a:rPr lang="ko-KR" altLang="en-US" sz="4000" dirty="0" smtClean="0">
+                <a:solidFill>
+                  <a:schemeClr val="accent5"/>
+                </a:solidFill>
+                <a:latin typeface="배달의민족 주아" pitchFamily="18" charset="-127"/>
+                <a:ea typeface="배달의민족 주아" pitchFamily="18" charset="-127"/>
+              </a:rPr>
+              <a:t>좌우 </a:t>
+            </a:r>
+            <a:r>
+              <a:rPr lang="en-US" altLang="ko-KR" sz="4000" dirty="0" smtClean="0">
+                <a:solidFill>
+                  <a:schemeClr val="accent5"/>
+                </a:solidFill>
+                <a:latin typeface="배달의민족 주아" pitchFamily="18" charset="-127"/>
+                <a:ea typeface="배달의민족 주아" pitchFamily="18" charset="-127"/>
+              </a:rPr>
+              <a:t>50px</a:t>
             </a:r>
             <a:endParaRPr lang="ko-KR" altLang="en-US" sz="4000" dirty="0">
               <a:solidFill>
@@ -6507,7 +6668,7 @@
     </p:spTree>
     <p:extLst>
       <p:ext uri="{BB962C8B-B14F-4D97-AF65-F5344CB8AC3E}">
-        <p14:creationId xmlns:p14="http://schemas.microsoft.com/office/powerpoint/2010/main" val="459441250"/>
+        <p14:creationId xmlns:p14="http://schemas.microsoft.com/office/powerpoint/2010/main" val="2344478876"/>
       </p:ext>
     </p:extLst>
   </p:cSld>
@@ -6632,19 +6793,24 @@
         </p:nvSpPr>
         <p:spPr/>
         <p:txBody>
-          <a:bodyPr>
-            <a:normAutofit/>
-          </a:bodyPr>
+          <a:bodyPr/>
           <a:lstStyle/>
           <a:p>
             <a:r>
-              <a:rPr lang="en-US" altLang="ko-KR" sz="4000" dirty="0" smtClean="0">
-                <a:latin typeface="배달의민족 주아" pitchFamily="18" charset="-127"/>
-                <a:ea typeface="배달의민족 주아" pitchFamily="18" charset="-127"/>
-              </a:rPr>
-              <a:t>margin : 25px 50px;</a:t>
-            </a:r>
-            <a:endParaRPr lang="ko-KR" altLang="en-US" sz="4000" dirty="0">
+              <a:rPr lang="en-US" altLang="ko-KR" dirty="0" smtClean="0">
+                <a:latin typeface="배달의민족 주아" pitchFamily="18" charset="-127"/>
+                <a:ea typeface="배달의민족 주아" pitchFamily="18" charset="-127"/>
+              </a:rPr>
+              <a:t>border </a:t>
+            </a:r>
+            <a:r>
+              <a:rPr lang="ko-KR" altLang="en-US" dirty="0" smtClean="0">
+                <a:latin typeface="배달의민족 주아" pitchFamily="18" charset="-127"/>
+                <a:ea typeface="배달의민족 주아" pitchFamily="18" charset="-127"/>
+              </a:rPr>
+              <a:t>적용방법</a:t>
+            </a:r>
+            <a:endParaRPr lang="ko-KR" altLang="en-US" dirty="0">
               <a:latin typeface="배달의민족 주아" pitchFamily="18" charset="-127"/>
               <a:ea typeface="배달의민족 주아" pitchFamily="18" charset="-127"/>
             </a:endParaRPr>
@@ -6808,98 +6974,10 @@
           </a:p>
         </p:txBody>
       </p:sp>
-      <p:sp>
-        <p:nvSpPr>
-          <p:cNvPr id="4" name="제목 1"/>
-          <p:cNvSpPr txBox="1">
-            <a:spLocks/>
-          </p:cNvSpPr>
-          <p:nvPr/>
-        </p:nvSpPr>
-        <p:spPr>
-          <a:xfrm>
-            <a:off x="685800" y="3501008"/>
-            <a:ext cx="7772400" cy="1470025"/>
-          </a:xfrm>
-          <a:prstGeom prst="rect">
-            <a:avLst/>
-          </a:prstGeom>
-        </p:spPr>
-        <p:txBody>
-          <a:bodyPr vert="horz" lIns="91440" tIns="45720" rIns="91440" bIns="45720" rtlCol="0" anchor="ctr">
-            <a:normAutofit/>
-          </a:bodyPr>
-          <a:lstStyle>
-            <a:lvl1pPr algn="ctr" defTabSz="914400" rtl="0" eaLnBrk="1" latinLnBrk="1" hangingPunct="1">
-              <a:spcBef>
-                <a:spcPct val="0"/>
-              </a:spcBef>
-              <a:buNone/>
-              <a:defRPr sz="4400" kern="1200">
-                <a:solidFill>
-                  <a:schemeClr val="tx1"/>
-                </a:solidFill>
-                <a:latin typeface="+mj-lt"/>
-                <a:ea typeface="+mj-ea"/>
-                <a:cs typeface="+mj-cs"/>
-              </a:defRPr>
-            </a:lvl1pPr>
-          </a:lstStyle>
-          <a:p>
-            <a:r>
-              <a:rPr lang="ko-KR" altLang="en-US" sz="4000" dirty="0" smtClean="0">
-                <a:solidFill>
-                  <a:schemeClr val="accent5"/>
-                </a:solidFill>
-                <a:latin typeface="배달의민족 주아" pitchFamily="18" charset="-127"/>
-                <a:ea typeface="배달의민족 주아" pitchFamily="18" charset="-127"/>
-              </a:rPr>
-              <a:t>위아래 </a:t>
-            </a:r>
-            <a:r>
-              <a:rPr lang="en-US" altLang="ko-KR" sz="4000" dirty="0" smtClean="0">
-                <a:solidFill>
-                  <a:schemeClr val="accent5"/>
-                </a:solidFill>
-                <a:latin typeface="배달의민족 주아" pitchFamily="18" charset="-127"/>
-                <a:ea typeface="배달의민족 주아" pitchFamily="18" charset="-127"/>
-              </a:rPr>
-              <a:t>25px, </a:t>
-            </a:r>
-            <a:r>
-              <a:rPr lang="ko-KR" altLang="en-US" sz="4000" dirty="0" smtClean="0">
-                <a:solidFill>
-                  <a:schemeClr val="accent5"/>
-                </a:solidFill>
-                <a:latin typeface="배달의민족 주아" pitchFamily="18" charset="-127"/>
-                <a:ea typeface="배달의민족 주아" pitchFamily="18" charset="-127"/>
-              </a:rPr>
-              <a:t>좌우 </a:t>
-            </a:r>
-            <a:r>
-              <a:rPr lang="en-US" altLang="ko-KR" sz="4000" dirty="0" smtClean="0">
-                <a:solidFill>
-                  <a:schemeClr val="accent5"/>
-                </a:solidFill>
-                <a:latin typeface="배달의민족 주아" pitchFamily="18" charset="-127"/>
-                <a:ea typeface="배달의민족 주아" pitchFamily="18" charset="-127"/>
-              </a:rPr>
-              <a:t>50px</a:t>
-            </a:r>
-            <a:endParaRPr lang="ko-KR" altLang="en-US" sz="4000" dirty="0">
-              <a:solidFill>
-                <a:schemeClr val="accent5"/>
-              </a:solidFill>
-              <a:latin typeface="배달의민족 주아" pitchFamily="18" charset="-127"/>
-              <a:ea typeface="배달의민족 주아" pitchFamily="18" charset="-127"/>
-            </a:endParaRPr>
-          </a:p>
-        </p:txBody>
-      </p:sp>
     </p:spTree>
     <p:extLst>
       <p:ext uri="{BB962C8B-B14F-4D97-AF65-F5344CB8AC3E}">
-        <p14:creationId xmlns:p14="http://schemas.microsoft.com/office/powerpoint/2010/main" val="2344478876"/>
+        <p14:creationId xmlns:p14="http://schemas.microsoft.com/office/powerpoint/2010/main" val="1363984446"/>
       </p:ext>
     </p:extLst>
   </p:cSld>
@@ -6909,88 +6987,9 @@
   <p:timing>
     <p:tnLst>
       <p:par>
-        <p:cTn id="1" dur="indefinite" restart="never" nodeType="tmRoot">
-          <p:childTnLst>
-            <p:seq concurrent="1" nextAc="seek">
-              <p:cTn id="2" dur="indefinite" nodeType="mainSeq">
-                <p:childTnLst>
-                  <p:par>
-                    <p:cTn id="3" fill="hold">
-                      <p:stCondLst>
-                        <p:cond delay="indefinite"/>
-                      </p:stCondLst>
-                      <p:childTnLst>
-                        <p:par>
-                          <p:cTn id="4" fill="hold">
-                            <p:stCondLst>
-                              <p:cond delay="0"/>
-                            </p:stCondLst>
-                            <p:childTnLst>
-                              <p:par>
-                                <p:cTn id="5" presetID="10" presetClass="entr" presetSubtype="0" fill="hold" grpId="0" nodeType="clickEffect">
-                                  <p:stCondLst>
-                                    <p:cond delay="0"/>
-                                  </p:stCondLst>
-                                  <p:childTnLst>
-                                    <p:set>
-                                      <p:cBhvr>
-                                        <p:cTn id="6" dur="1" fill="hold">
-                                          <p:stCondLst>
-                                            <p:cond delay="0"/>
-                                          </p:stCondLst>
-                                        </p:cTn>
-                                        <p:tgtEl>
-                                          <p:spTgt spid="4"/>
-                                        </p:tgtEl>
-                                        <p:attrNameLst>
-                                          <p:attrName>style.visibility</p:attrName>
-                                        </p:attrNameLst>
-                                      </p:cBhvr>
-                                      <p:to>
-                                        <p:strVal val="visible"/>
-                                      </p:to>
-                                    </p:set>
-                                    <p:animEffect transition="in" filter="fade">
-                                      <p:cBhvr>
-                                        <p:cTn id="7" dur="500"/>
-                                        <p:tgtEl>
-                                          <p:spTgt spid="4"/>
-                                        </p:tgtEl>
-                                      </p:cBhvr>
-                                    </p:animEffect>
-                                  </p:childTnLst>
-                                </p:cTn>
-                              </p:par>
-                            </p:childTnLst>
-                          </p:cTn>
-                        </p:par>
-                      </p:childTnLst>
-                    </p:cTn>
-                  </p:par>
-                </p:childTnLst>
-              </p:cTn>
-              <p:prevCondLst>
-                <p:cond evt="onPrev" delay="0">
-                  <p:tgtEl>
-                    <p:sldTgt/>
-                  </p:tgtEl>
-                </p:cond>
-              </p:prevCondLst>
-              <p:nextCondLst>
-                <p:cond evt="onNext" delay="0">
-                  <p:tgtEl>
-                    <p:sldTgt/>
-                  </p:tgtEl>
-                </p:cond>
-              </p:nextCondLst>
-            </p:seq>
-          </p:childTnLst>
-        </p:cTn>
+        <p:cTn id="1" dur="indefinite" restart="never" nodeType="tmRoot"/>
       </p:par>
     </p:tnLst>
-    <p:bldLst>
-      <p:bldP spid="4" grpId="0"/>
-    </p:bldLst>
   </p:timing>
 </p:sld>
 </file>
@@ -7039,14 +7038,28 @@
                 <a:latin typeface="배달의민족 주아" pitchFamily="18" charset="-127"/>
                 <a:ea typeface="배달의민족 주아" pitchFamily="18" charset="-127"/>
               </a:rPr>
-              <a:t>박스모델</a:t>
+              <a:t>잠깐</a:t>
             </a:r>
             <a:r>
               <a:rPr lang="en-US" altLang="ko-KR" dirty="0" smtClean="0">
                 <a:latin typeface="배달의민족 주아" pitchFamily="18" charset="-127"/>
                 <a:ea typeface="배달의민족 주아" pitchFamily="18" charset="-127"/>
               </a:rPr>
-              <a:t>(box model)?</a:t>
+              <a:t>, </a:t>
+            </a:r>
+            <a:r>
+              <a:rPr lang="ko-KR" altLang="en-US" dirty="0" smtClean="0">
+                <a:latin typeface="배달의민족 주아" pitchFamily="18" charset="-127"/>
+                <a:ea typeface="배달의민족 주아" pitchFamily="18" charset="-127"/>
+              </a:rPr>
+              <a:t>가운데 정렬 방법</a:t>
+            </a:r>
+            <a:r>
+              <a:rPr lang="en-US" altLang="ko-KR" dirty="0" smtClean="0">
+                <a:latin typeface="배달의민족 주아" pitchFamily="18" charset="-127"/>
+                <a:ea typeface="배달의민족 주아" pitchFamily="18" charset="-127"/>
+              </a:rPr>
+              <a:t>?</a:t>
             </a:r>
             <a:endParaRPr lang="ko-KR" altLang="en-US" dirty="0">
               <a:latin typeface="배달의민족 주아" pitchFamily="18" charset="-127"/>
@@ -7215,7 +7228,7 @@
     </p:spTree>
     <p:extLst>
       <p:ext uri="{BB962C8B-B14F-4D97-AF65-F5344CB8AC3E}">
-        <p14:creationId xmlns:p14="http://schemas.microsoft.com/office/powerpoint/2010/main" val="3853246724"/>
+        <p14:creationId xmlns:p14="http://schemas.microsoft.com/office/powerpoint/2010/main" val="174280556"/>
       </p:ext>
     </p:extLst>
   </p:cSld>
@@ -7233,236 +7246,6 @@
 </file>
 
 <file path=ppt/slides/slide20.xml><?xml version="1.0" encoding="utf-8"?>
-<p:sld xmlns:a="http://schemas.openxmlformats.org/drawingml/2006/main" xmlns:r="http://schemas.openxmlformats.org/officeDocument/2006/relationships" xmlns:p="http://schemas.openxmlformats.org/presentationml/2006/main">
-  <p:cSld>
-    <p:spTree>
-      <p:nvGrpSpPr>
-        <p:cNvPr id="1" name=""/>
-        <p:cNvGrpSpPr/>
-        <p:nvPr/>
-      </p:nvGrpSpPr>
-      <p:grpSpPr>
-        <a:xfrm>
-          <a:off x="0" y="0"/>
-          <a:ext cx="0" cy="0"/>
-          <a:chOff x="0" y="0"/>
-          <a:chExt cx="0" cy="0"/>
-        </a:xfrm>
-      </p:grpSpPr>
-      <p:sp>
-        <p:nvSpPr>
-          <p:cNvPr id="2" name="제목 1"/>
-          <p:cNvSpPr>
-            <a:spLocks noGrp="1"/>
-          </p:cNvSpPr>
-          <p:nvPr>
-            <p:ph type="ctrTitle"/>
-          </p:nvPr>
-        </p:nvSpPr>
-        <p:spPr/>
-        <p:txBody>
-          <a:bodyPr/>
-          <a:lstStyle/>
-          <a:p>
-            <a:r>
-              <a:rPr lang="en-US" altLang="ko-KR" dirty="0" smtClean="0">
-                <a:latin typeface="배달의민족 주아" pitchFamily="18" charset="-127"/>
-                <a:ea typeface="배달의민족 주아" pitchFamily="18" charset="-127"/>
-              </a:rPr>
-              <a:t>border </a:t>
-            </a:r>
-            <a:r>
-              <a:rPr lang="ko-KR" altLang="en-US" dirty="0" smtClean="0">
-                <a:latin typeface="배달의민족 주아" pitchFamily="18" charset="-127"/>
-                <a:ea typeface="배달의민족 주아" pitchFamily="18" charset="-127"/>
-              </a:rPr>
-              <a:t>적용방법</a:t>
-            </a:r>
-            <a:endParaRPr lang="ko-KR" altLang="en-US" dirty="0">
-              <a:latin typeface="배달의민족 주아" pitchFamily="18" charset="-127"/>
-              <a:ea typeface="배달의민족 주아" pitchFamily="18" charset="-127"/>
-            </a:endParaRPr>
-          </a:p>
-        </p:txBody>
-      </p:sp>
-      <p:sp>
-        <p:nvSpPr>
-          <p:cNvPr id="3" name="TextBox 2"/>
-          <p:cNvSpPr txBox="1"/>
-          <p:nvPr/>
-        </p:nvSpPr>
-        <p:spPr>
-          <a:xfrm>
-            <a:off x="6948264" y="6093296"/>
-            <a:ext cx="1838965" cy="369332"/>
-          </a:xfrm>
-          <a:prstGeom prst="rect">
-            <a:avLst/>
-          </a:prstGeom>
-          <a:noFill/>
-        </p:spPr>
-        <p:txBody>
-          <a:bodyPr wrap="none" rtlCol="0">
-            <a:spAutoFit/>
-          </a:bodyPr>
-          <a:lstStyle>
-            <a:defPPr>
-              <a:defRPr lang="ko-KR"/>
-            </a:defPPr>
-            <a:lvl1pPr marL="0" algn="l" defTabSz="914400" rtl="0" eaLnBrk="1" latinLnBrk="1" hangingPunct="1">
-              <a:defRPr sz="1800" kern="1200">
-                <a:solidFill>
-                  <a:schemeClr val="tx1"/>
-                </a:solidFill>
-                <a:latin typeface="+mn-lt"/>
-                <a:ea typeface="+mn-ea"/>
-                <a:cs typeface="+mn-cs"/>
-              </a:defRPr>
-            </a:lvl1pPr>
-            <a:lvl2pPr marL="457200" algn="l" defTabSz="914400" rtl="0" eaLnBrk="1" latinLnBrk="1" hangingPunct="1">
-              <a:defRPr sz="1800" kern="1200">
-                <a:solidFill>
-                  <a:schemeClr val="tx1"/>
-                </a:solidFill>
-                <a:latin typeface="+mn-lt"/>
-                <a:ea typeface="+mn-ea"/>
-                <a:cs typeface="+mn-cs"/>
-              </a:defRPr>
-            </a:lvl2pPr>
-            <a:lvl3pPr marL="914400" algn="l" defTabSz="914400" rtl="0" eaLnBrk="1" latinLnBrk="1" hangingPunct="1">
-              <a:defRPr sz="1800" kern="1200">
-                <a:solidFill>
-                  <a:schemeClr val="tx1"/>
-                </a:solidFill>
-                <a:latin typeface="+mn-lt"/>
-                <a:ea typeface="+mn-ea"/>
-                <a:cs typeface="+mn-cs"/>
-              </a:defRPr>
-            </a:lvl3pPr>
-            <a:lvl4pPr marL="1371600" algn="l" defTabSz="914400" rtl="0" eaLnBrk="1" latinLnBrk="1" hangingPunct="1">
-              <a:defRPr sz="1800" kern="1200">
-                <a:solidFill>
-                  <a:schemeClr val="tx1"/>
-                </a:solidFill>
-                <a:latin typeface="+mn-lt"/>
-                <a:ea typeface="+mn-ea"/>
-                <a:cs typeface="+mn-cs"/>
-              </a:defRPr>
-            </a:lvl4pPr>
-            <a:lvl5pPr marL="1828800" algn="l" defTabSz="914400" rtl="0" eaLnBrk="1" latinLnBrk="1" hangingPunct="1">
-              <a:defRPr sz="1800" kern="1200">
-                <a:solidFill>
-                  <a:schemeClr val="tx1"/>
-                </a:solidFill>
-                <a:latin typeface="+mn-lt"/>
-                <a:ea typeface="+mn-ea"/>
-                <a:cs typeface="+mn-cs"/>
-              </a:defRPr>
-            </a:lvl5pPr>
-            <a:lvl6pPr marL="2286000" algn="l" defTabSz="914400" rtl="0" eaLnBrk="1" latinLnBrk="1" hangingPunct="1">
-              <a:defRPr sz="1800" kern="1200">
-                <a:solidFill>
-                  <a:schemeClr val="tx1"/>
-                </a:solidFill>
-                <a:latin typeface="+mn-lt"/>
-                <a:ea typeface="+mn-ea"/>
-                <a:cs typeface="+mn-cs"/>
-              </a:defRPr>
-            </a:lvl6pPr>
-            <a:lvl7pPr marL="2743200" algn="l" defTabSz="914400" rtl="0" eaLnBrk="1" latinLnBrk="1" hangingPunct="1">
-              <a:defRPr sz="1800" kern="1200">
-                <a:solidFill>
-                  <a:schemeClr val="tx1"/>
-                </a:solidFill>
-                <a:latin typeface="+mn-lt"/>
-                <a:ea typeface="+mn-ea"/>
-                <a:cs typeface="+mn-cs"/>
-              </a:defRPr>
-            </a:lvl7pPr>
-            <a:lvl8pPr marL="3200400" algn="l" defTabSz="914400" rtl="0" eaLnBrk="1" latinLnBrk="1" hangingPunct="1">
-              <a:defRPr sz="1800" kern="1200">
-                <a:solidFill>
-                  <a:schemeClr val="tx1"/>
-                </a:solidFill>
-                <a:latin typeface="+mn-lt"/>
-                <a:ea typeface="+mn-ea"/>
-                <a:cs typeface="+mn-cs"/>
-              </a:defRPr>
-            </a:lvl8pPr>
-            <a:lvl9pPr marL="3657600" algn="l" defTabSz="914400" rtl="0" eaLnBrk="1" latinLnBrk="1" hangingPunct="1">
-              <a:defRPr sz="1800" kern="1200">
-                <a:solidFill>
-                  <a:schemeClr val="tx1"/>
-                </a:solidFill>
-                <a:latin typeface="+mn-lt"/>
-                <a:ea typeface="+mn-ea"/>
-                <a:cs typeface="+mn-cs"/>
-              </a:defRPr>
-            </a:lvl9pPr>
-          </a:lstStyle>
-          <a:p>
-            <a:r>
-              <a:rPr lang="en-US" altLang="ko-KR" dirty="0" smtClean="0">
-                <a:solidFill>
-                  <a:schemeClr val="accent5"/>
-                </a:solidFill>
-                <a:latin typeface="배달의민족 도현" pitchFamily="50" charset="-127"/>
-                <a:ea typeface="배달의민족 도현" pitchFamily="50" charset="-127"/>
-              </a:rPr>
-              <a:t>S</a:t>
-            </a:r>
-            <a:r>
-              <a:rPr lang="en-US" altLang="ko-KR" dirty="0" smtClean="0">
-                <a:latin typeface="배달의민족 도현" pitchFamily="50" charset="-127"/>
-                <a:ea typeface="배달의민족 도현" pitchFamily="50" charset="-127"/>
-              </a:rPr>
-              <a:t>TART</a:t>
-            </a:r>
-            <a:r>
-              <a:rPr lang="en-US" altLang="ko-KR" dirty="0" smtClean="0">
-                <a:solidFill>
-                  <a:schemeClr val="accent5"/>
-                </a:solidFill>
-                <a:latin typeface="배달의민족 도현" pitchFamily="50" charset="-127"/>
-                <a:ea typeface="배달의민족 도현" pitchFamily="50" charset="-127"/>
-              </a:rPr>
-              <a:t>C</a:t>
-            </a:r>
-            <a:r>
-              <a:rPr lang="en-US" altLang="ko-KR" dirty="0" smtClean="0">
-                <a:latin typeface="배달의민족 도현" pitchFamily="50" charset="-127"/>
-                <a:ea typeface="배달의민족 도현" pitchFamily="50" charset="-127"/>
-              </a:rPr>
-              <a:t>ODING</a:t>
-            </a:r>
-            <a:endParaRPr lang="ko-KR" altLang="en-US" dirty="0">
-              <a:latin typeface="배달의민족 도현" pitchFamily="50" charset="-127"/>
-              <a:ea typeface="배달의민족 도현" pitchFamily="50" charset="-127"/>
-            </a:endParaRPr>
-          </a:p>
-        </p:txBody>
-      </p:sp>
-    </p:spTree>
-    <p:extLst>
-      <p:ext uri="{BB962C8B-B14F-4D97-AF65-F5344CB8AC3E}">
-        <p14:creationId xmlns:p14="http://schemas.microsoft.com/office/powerpoint/2010/main" val="1363984446"/>
-      </p:ext>
-    </p:extLst>
-  </p:cSld>
-  <p:clrMapOvr>
-    <a:masterClrMapping/>
-  </p:clrMapOvr>
-  <p:timing>
-    <p:tnLst>
-      <p:par>
-        <p:cTn id="1" dur="indefinite" restart="never" nodeType="tmRoot"/>
-      </p:par>
-    </p:tnLst>
-  </p:timing>
-</p:sld>
-</file>
-
-<file path=ppt/slides/slide21.xml><?xml version="1.0" encoding="utf-8"?>
 <p:sld xmlns:a="http://schemas.openxmlformats.org/drawingml/2006/main" xmlns:r="http://schemas.openxmlformats.org/officeDocument/2006/relationships" xmlns:p="http://schemas.openxmlformats.org/presentationml/2006/main">
   <p:cSld>
     <p:spTree>
@@ -7882,7 +7665,7 @@
 </p:sld>
 </file>
 
-<file path=ppt/slides/slide22.xml><?xml version="1.0" encoding="utf-8"?>
+<file path=ppt/slides/slide21.xml><?xml version="1.0" encoding="utf-8"?>
 <p:sld xmlns:a="http://schemas.openxmlformats.org/drawingml/2006/main" xmlns:r="http://schemas.openxmlformats.org/officeDocument/2006/relationships" xmlns:p="http://schemas.openxmlformats.org/presentationml/2006/main">
   <p:cSld>
     <p:spTree>
@@ -8105,7 +7888,7 @@
 </p:sld>
 </file>
 
-<file path=ppt/slides/slide23.xml><?xml version="1.0" encoding="utf-8"?>
+<file path=ppt/slides/slide22.xml><?xml version="1.0" encoding="utf-8"?>
 <p:sld xmlns:a="http://schemas.openxmlformats.org/drawingml/2006/main" xmlns:r="http://schemas.openxmlformats.org/officeDocument/2006/relationships" xmlns:p="http://schemas.openxmlformats.org/presentationml/2006/main">
   <p:cSld>
     <p:spTree>
@@ -8397,7 +8180,7 @@
 </p:sld>
 </file>
 
-<file path=ppt/slides/slide24.xml><?xml version="1.0" encoding="utf-8"?>
+<file path=ppt/slides/slide23.xml><?xml version="1.0" encoding="utf-8"?>
 <p:sld xmlns:a="http://schemas.openxmlformats.org/drawingml/2006/main" xmlns:r="http://schemas.openxmlformats.org/officeDocument/2006/relationships" xmlns:p="http://schemas.openxmlformats.org/presentationml/2006/main">
   <p:cSld>
     <p:spTree>
@@ -8662,7 +8445,193 @@
       </p:grpSpPr>
       <p:sp>
         <p:nvSpPr>
-          <p:cNvPr id="4" name="제목 1"/>
+          <p:cNvPr id="2" name="제목 1"/>
+          <p:cNvSpPr>
+            <a:spLocks noGrp="1"/>
+          </p:cNvSpPr>
+          <p:nvPr>
+            <p:ph type="ctrTitle"/>
+          </p:nvPr>
+        </p:nvSpPr>
+        <p:spPr/>
+        <p:txBody>
+          <a:bodyPr/>
+          <a:lstStyle/>
+          <a:p>
+            <a:r>
+              <a:rPr lang="en-US" altLang="ko-KR" dirty="0" smtClean="0">
+                <a:latin typeface="배달의민족 주아" pitchFamily="18" charset="-127"/>
+                <a:ea typeface="배달의민족 주아" pitchFamily="18" charset="-127"/>
+              </a:rPr>
+              <a:t>text-align : center</a:t>
+            </a:r>
+            <a:endParaRPr lang="ko-KR" altLang="en-US" dirty="0">
+              <a:latin typeface="배달의민족 주아" pitchFamily="18" charset="-127"/>
+              <a:ea typeface="배달의민족 주아" pitchFamily="18" charset="-127"/>
+            </a:endParaRPr>
+          </a:p>
+        </p:txBody>
+      </p:sp>
+      <p:sp>
+        <p:nvSpPr>
+          <p:cNvPr id="3" name="TextBox 2"/>
+          <p:cNvSpPr txBox="1"/>
+          <p:nvPr/>
+        </p:nvSpPr>
+        <p:spPr>
+          <a:xfrm>
+            <a:off x="6948264" y="6093296"/>
+            <a:ext cx="1838965" cy="369332"/>
+          </a:xfrm>
+          <a:prstGeom prst="rect">
+            <a:avLst/>
+          </a:prstGeom>
+          <a:noFill/>
+        </p:spPr>
+        <p:txBody>
+          <a:bodyPr wrap="none" rtlCol="0">
+            <a:spAutoFit/>
+          </a:bodyPr>
+          <a:lstStyle>
+            <a:defPPr>
+              <a:defRPr lang="ko-KR"/>
+            </a:defPPr>
+            <a:lvl1pPr marL="0" algn="l" defTabSz="914400" rtl="0" eaLnBrk="1" latinLnBrk="1" hangingPunct="1">
+              <a:defRPr sz="1800" kern="1200">
+                <a:solidFill>
+                  <a:schemeClr val="tx1"/>
+                </a:solidFill>
+                <a:latin typeface="+mn-lt"/>
+                <a:ea typeface="+mn-ea"/>
+                <a:cs typeface="+mn-cs"/>
+              </a:defRPr>
+            </a:lvl1pPr>
+            <a:lvl2pPr marL="457200" algn="l" defTabSz="914400" rtl="0" eaLnBrk="1" latinLnBrk="1" hangingPunct="1">
+              <a:defRPr sz="1800" kern="1200">
+                <a:solidFill>
+                  <a:schemeClr val="tx1"/>
+                </a:solidFill>
+                <a:latin typeface="+mn-lt"/>
+                <a:ea typeface="+mn-ea"/>
+                <a:cs typeface="+mn-cs"/>
+              </a:defRPr>
+            </a:lvl2pPr>
+            <a:lvl3pPr marL="914400" algn="l" defTabSz="914400" rtl="0" eaLnBrk="1" latinLnBrk="1" hangingPunct="1">
+              <a:defRPr sz="1800" kern="1200">
+                <a:solidFill>
+                  <a:schemeClr val="tx1"/>
+                </a:solidFill>
+                <a:latin typeface="+mn-lt"/>
+                <a:ea typeface="+mn-ea"/>
+                <a:cs typeface="+mn-cs"/>
+              </a:defRPr>
+            </a:lvl3pPr>
+            <a:lvl4pPr marL="1371600" algn="l" defTabSz="914400" rtl="0" eaLnBrk="1" latinLnBrk="1" hangingPunct="1">
+              <a:defRPr sz="1800" kern="1200">
+                <a:solidFill>
+                  <a:schemeClr val="tx1"/>
+                </a:solidFill>
+                <a:latin typeface="+mn-lt"/>
+                <a:ea typeface="+mn-ea"/>
+                <a:cs typeface="+mn-cs"/>
+              </a:defRPr>
+            </a:lvl4pPr>
+            <a:lvl5pPr marL="1828800" algn="l" defTabSz="914400" rtl="0" eaLnBrk="1" latinLnBrk="1" hangingPunct="1">
+              <a:defRPr sz="1800" kern="1200">
+                <a:solidFill>
+                  <a:schemeClr val="tx1"/>
+                </a:solidFill>
+                <a:latin typeface="+mn-lt"/>
+                <a:ea typeface="+mn-ea"/>
+                <a:cs typeface="+mn-cs"/>
+              </a:defRPr>
+            </a:lvl5pPr>
+            <a:lvl6pPr marL="2286000" algn="l" defTabSz="914400" rtl="0" eaLnBrk="1" latinLnBrk="1" hangingPunct="1">
+              <a:defRPr sz="1800" kern="1200">
+                <a:solidFill>
+                  <a:schemeClr val="tx1"/>
+                </a:solidFill>
+                <a:latin typeface="+mn-lt"/>
+                <a:ea typeface="+mn-ea"/>
+                <a:cs typeface="+mn-cs"/>
+              </a:defRPr>
+            </a:lvl6pPr>
+            <a:lvl7pPr marL="2743200" algn="l" defTabSz="914400" rtl="0" eaLnBrk="1" latinLnBrk="1" hangingPunct="1">
+              <a:defRPr sz="1800" kern="1200">
+                <a:solidFill>
+                  <a:schemeClr val="tx1"/>
+                </a:solidFill>
+                <a:latin typeface="+mn-lt"/>
+                <a:ea typeface="+mn-ea"/>
+                <a:cs typeface="+mn-cs"/>
+              </a:defRPr>
+            </a:lvl7pPr>
+            <a:lvl8pPr marL="3200400" algn="l" defTabSz="914400" rtl="0" eaLnBrk="1" latinLnBrk="1" hangingPunct="1">
+              <a:defRPr sz="1800" kern="1200">
+                <a:solidFill>
+                  <a:schemeClr val="tx1"/>
+                </a:solidFill>
+                <a:latin typeface="+mn-lt"/>
+                <a:ea typeface="+mn-ea"/>
+                <a:cs typeface="+mn-cs"/>
+              </a:defRPr>
+            </a:lvl8pPr>
+            <a:lvl9pPr marL="3657600" algn="l" defTabSz="914400" rtl="0" eaLnBrk="1" latinLnBrk="1" hangingPunct="1">
+              <a:defRPr sz="1800" kern="1200">
+                <a:solidFill>
+                  <a:schemeClr val="tx1"/>
+                </a:solidFill>
+                <a:latin typeface="+mn-lt"/>
+                <a:ea typeface="+mn-ea"/>
+                <a:cs typeface="+mn-cs"/>
+              </a:defRPr>
+            </a:lvl9pPr>
+          </a:lstStyle>
+          <a:p>
+            <a:r>
+              <a:rPr lang="en-US" altLang="ko-KR" dirty="0" smtClean="0">
+                <a:solidFill>
+                  <a:schemeClr val="accent5"/>
+                </a:solidFill>
+                <a:latin typeface="배달의민족 도현" pitchFamily="50" charset="-127"/>
+                <a:ea typeface="배달의민족 도현" pitchFamily="50" charset="-127"/>
+              </a:rPr>
+              <a:t>S</a:t>
+            </a:r>
+            <a:r>
+              <a:rPr lang="en-US" altLang="ko-KR" dirty="0" smtClean="0">
+                <a:latin typeface="배달의민족 도현" pitchFamily="50" charset="-127"/>
+                <a:ea typeface="배달의민족 도현" pitchFamily="50" charset="-127"/>
+              </a:rPr>
+              <a:t>TART</a:t>
+            </a:r>
+            <a:r>
+              <a:rPr lang="en-US" altLang="ko-KR" dirty="0" smtClean="0">
+                <a:solidFill>
+                  <a:schemeClr val="accent5"/>
+                </a:solidFill>
+                <a:latin typeface="배달의민족 도현" pitchFamily="50" charset="-127"/>
+                <a:ea typeface="배달의민족 도현" pitchFamily="50" charset="-127"/>
+              </a:rPr>
+              <a:t>C</a:t>
+            </a:r>
+            <a:r>
+              <a:rPr lang="en-US" altLang="ko-KR" dirty="0" smtClean="0">
+                <a:latin typeface="배달의민족 도현" pitchFamily="50" charset="-127"/>
+                <a:ea typeface="배달의민족 도현" pitchFamily="50" charset="-127"/>
+              </a:rPr>
+              <a:t>ODING</a:t>
+            </a:r>
+            <a:endParaRPr lang="ko-KR" altLang="en-US" dirty="0">
+              <a:latin typeface="배달의민족 도현" pitchFamily="50" charset="-127"/>
+              <a:ea typeface="배달의민족 도현" pitchFamily="50" charset="-127"/>
+            </a:endParaRPr>
+          </a:p>
+        </p:txBody>
+      </p:sp>
+      <p:sp>
+        <p:nvSpPr>
+          <p:cNvPr id="5" name="제목 1"/>
           <p:cNvSpPr txBox="1">
             <a:spLocks/>
           </p:cNvSpPr>
@@ -8670,7 +8639,7 @@
         </p:nvSpPr>
         <p:spPr>
           <a:xfrm>
-            <a:off x="683568" y="1916832"/>
+            <a:off x="685800" y="3356992"/>
             <a:ext cx="7772400" cy="1470025"/>
           </a:xfrm>
           <a:prstGeom prst="rect">
@@ -8699,59 +8668,184 @@
           </a:lstStyle>
           <a:p>
             <a:r>
+              <a:rPr lang="en-US" altLang="ko-KR" sz="3600" dirty="0" smtClean="0">
+                <a:solidFill>
+                  <a:schemeClr val="accent5"/>
+                </a:solidFill>
+                <a:latin typeface="배달의민족 주아" pitchFamily="18" charset="-127"/>
+                <a:ea typeface="배달의민족 주아" pitchFamily="18" charset="-127"/>
+              </a:rPr>
+              <a:t>*block</a:t>
+            </a:r>
+            <a:r>
+              <a:rPr lang="ko-KR" altLang="en-US" sz="3600" dirty="0" err="1" smtClean="0">
+                <a:solidFill>
+                  <a:schemeClr val="accent5"/>
+                </a:solidFill>
+                <a:latin typeface="배달의민족 주아" pitchFamily="18" charset="-127"/>
+                <a:ea typeface="배달의민족 주아" pitchFamily="18" charset="-127"/>
+              </a:rPr>
+              <a:t>요소안의</a:t>
+            </a:r>
+            <a:r>
               <a:rPr lang="ko-KR" altLang="en-US" sz="3600" dirty="0" smtClean="0">
-                <a:latin typeface="배달의민족 주아" pitchFamily="18" charset="-127"/>
-                <a:ea typeface="배달의민족 주아" pitchFamily="18" charset="-127"/>
-              </a:rPr>
-              <a:t>모든 </a:t>
+                <a:solidFill>
+                  <a:schemeClr val="accent5"/>
+                </a:solidFill>
+                <a:latin typeface="배달의민족 주아" pitchFamily="18" charset="-127"/>
+                <a:ea typeface="배달의민족 주아" pitchFamily="18" charset="-127"/>
+              </a:rPr>
+              <a:t> </a:t>
             </a:r>
             <a:r>
               <a:rPr lang="en-US" altLang="ko-KR" sz="3600" dirty="0" smtClean="0">
-                <a:latin typeface="배달의민족 주아" pitchFamily="18" charset="-127"/>
-                <a:ea typeface="배달의민족 주아" pitchFamily="18" charset="-127"/>
-              </a:rPr>
-              <a:t>HTML </a:t>
+                <a:solidFill>
+                  <a:schemeClr val="accent5"/>
+                </a:solidFill>
+                <a:latin typeface="배달의민족 주아" pitchFamily="18" charset="-127"/>
+                <a:ea typeface="배달의민족 주아" pitchFamily="18" charset="-127"/>
+              </a:rPr>
+              <a:t>inline</a:t>
             </a:r>
             <a:r>
               <a:rPr lang="ko-KR" altLang="en-US" sz="3600" dirty="0" smtClean="0">
-                <a:latin typeface="배달의민족 주아" pitchFamily="18" charset="-127"/>
-                <a:ea typeface="배달의민족 주아" pitchFamily="18" charset="-127"/>
-              </a:rPr>
-              <a:t>태그는 </a:t>
-            </a:r>
-            <a:endParaRPr lang="en-US" altLang="ko-KR" sz="3600" dirty="0" smtClean="0">
+                <a:solidFill>
+                  <a:schemeClr val="accent5"/>
+                </a:solidFill>
+                <a:latin typeface="배달의민족 주아" pitchFamily="18" charset="-127"/>
+                <a:ea typeface="배달의민족 주아" pitchFamily="18" charset="-127"/>
+              </a:rPr>
+              <a:t>요소를 정렬</a:t>
+            </a:r>
+            <a:endParaRPr lang="ko-KR" altLang="en-US" sz="3600" dirty="0">
+              <a:solidFill>
+                <a:schemeClr val="accent5"/>
+              </a:solidFill>
               <a:latin typeface="배달의민족 주아" pitchFamily="18" charset="-127"/>
               <a:ea typeface="배달의민족 주아" pitchFamily="18" charset="-127"/>
             </a:endParaRPr>
           </a:p>
-          <a:p>
-            <a:r>
-              <a:rPr lang="en-US" altLang="ko-KR" sz="3600" dirty="0" smtClean="0">
-                <a:latin typeface="배달의민족 주아" pitchFamily="18" charset="-127"/>
-                <a:ea typeface="배달의민족 주아" pitchFamily="18" charset="-127"/>
-              </a:rPr>
-              <a:t>Box </a:t>
-            </a:r>
-            <a:r>
-              <a:rPr lang="ko-KR" altLang="en-US" sz="3600" dirty="0" smtClean="0">
-                <a:latin typeface="배달의민족 주아" pitchFamily="18" charset="-127"/>
-                <a:ea typeface="배달의민족 주아" pitchFamily="18" charset="-127"/>
-              </a:rPr>
-              <a:t>형태로 구성되어 있다</a:t>
-            </a:r>
-            <a:r>
-              <a:rPr lang="en-US" altLang="ko-KR" sz="3600" dirty="0" smtClean="0">
-                <a:latin typeface="배달의민족 주아" pitchFamily="18" charset="-127"/>
-                <a:ea typeface="배달의민족 주아" pitchFamily="18" charset="-127"/>
-              </a:rPr>
-              <a:t>.</a:t>
-            </a:r>
-          </a:p>
-        </p:txBody>
-      </p:sp>
-      <p:sp>
-        <p:nvSpPr>
-          <p:cNvPr id="5" name="TextBox 2"/>
+        </p:txBody>
+      </p:sp>
+    </p:spTree>
+    <p:extLst>
+      <p:ext uri="{BB962C8B-B14F-4D97-AF65-F5344CB8AC3E}">
+        <p14:creationId xmlns:p14="http://schemas.microsoft.com/office/powerpoint/2010/main" val="2845485869"/>
+      </p:ext>
+    </p:extLst>
+  </p:cSld>
+  <p:clrMapOvr>
+    <a:masterClrMapping/>
+  </p:clrMapOvr>
+  <p:timing>
+    <p:tnLst>
+      <p:par>
+        <p:cTn id="1" dur="indefinite" restart="never" nodeType="tmRoot">
+          <p:childTnLst>
+            <p:seq concurrent="1" nextAc="seek">
+              <p:cTn id="2" dur="indefinite" nodeType="mainSeq">
+                <p:childTnLst>
+                  <p:par>
+                    <p:cTn id="3" fill="hold">
+                      <p:stCondLst>
+                        <p:cond delay="indefinite"/>
+                      </p:stCondLst>
+                      <p:childTnLst>
+                        <p:par>
+                          <p:cTn id="4" fill="hold">
+                            <p:stCondLst>
+                              <p:cond delay="0"/>
+                            </p:stCondLst>
+                            <p:childTnLst>
+                              <p:par>
+                                <p:cTn id="5" presetID="10" presetClass="entr" presetSubtype="0" fill="hold" grpId="0" nodeType="clickEffect">
+                                  <p:stCondLst>
+                                    <p:cond delay="0"/>
+                                  </p:stCondLst>
+                                  <p:childTnLst>
+                                    <p:set>
+                                      <p:cBhvr>
+                                        <p:cTn id="6" dur="1" fill="hold">
+                                          <p:stCondLst>
+                                            <p:cond delay="0"/>
+                                          </p:stCondLst>
+                                        </p:cTn>
+                                        <p:tgtEl>
+                                          <p:spTgt spid="5"/>
+                                        </p:tgtEl>
+                                        <p:attrNameLst>
+                                          <p:attrName>style.visibility</p:attrName>
+                                        </p:attrNameLst>
+                                      </p:cBhvr>
+                                      <p:to>
+                                        <p:strVal val="visible"/>
+                                      </p:to>
+                                    </p:set>
+                                    <p:animEffect transition="in" filter="fade">
+                                      <p:cBhvr>
+                                        <p:cTn id="7" dur="500"/>
+                                        <p:tgtEl>
+                                          <p:spTgt spid="5"/>
+                                        </p:tgtEl>
+                                      </p:cBhvr>
+                                    </p:animEffect>
+                                  </p:childTnLst>
+                                </p:cTn>
+                              </p:par>
+                            </p:childTnLst>
+                          </p:cTn>
+                        </p:par>
+                      </p:childTnLst>
+                    </p:cTn>
+                  </p:par>
+                </p:childTnLst>
+              </p:cTn>
+              <p:prevCondLst>
+                <p:cond evt="onPrev" delay="0">
+                  <p:tgtEl>
+                    <p:sldTgt/>
+                  </p:tgtEl>
+                </p:cond>
+              </p:prevCondLst>
+              <p:nextCondLst>
+                <p:cond evt="onNext" delay="0">
+                  <p:tgtEl>
+                    <p:sldTgt/>
+                  </p:tgtEl>
+                </p:cond>
+              </p:nextCondLst>
+            </p:seq>
+          </p:childTnLst>
+        </p:cTn>
+      </p:par>
+    </p:tnLst>
+    <p:bldLst>
+      <p:bldP spid="5" grpId="0"/>
+    </p:bldLst>
+  </p:timing>
+</p:sld>
+</file>
+
+<file path=ppt/slides/slide4.xml><?xml version="1.0" encoding="utf-8"?>
+<p:sld xmlns:a="http://schemas.openxmlformats.org/drawingml/2006/main" xmlns:r="http://schemas.openxmlformats.org/officeDocument/2006/relationships" xmlns:p="http://schemas.openxmlformats.org/presentationml/2006/main">
+  <p:cSld>
+    <p:spTree>
+      <p:nvGrpSpPr>
+        <p:cNvPr id="1" name=""/>
+        <p:cNvGrpSpPr/>
+        <p:nvPr/>
+      </p:nvGrpSpPr>
+      <p:grpSpPr>
+        <a:xfrm>
+          <a:off x="0" y="0"/>
+          <a:ext cx="0" cy="0"/>
+          <a:chOff x="0" y="0"/>
+          <a:chExt cx="0" cy="0"/>
+        </a:xfrm>
+      </p:grpSpPr>
+      <p:sp>
+        <p:nvSpPr>
+          <p:cNvPr id="3" name="TextBox 2"/>
           <p:cNvSpPr txBox="1"/>
           <p:nvPr/>
         </p:nvSpPr>
@@ -8902,6 +8996,978 @@
             <a:endParaRPr lang="ko-KR" altLang="en-US" dirty="0">
               <a:latin typeface="배달의민족 도현" pitchFamily="50" charset="-127"/>
               <a:ea typeface="배달의민족 도현" pitchFamily="50" charset="-127"/>
+            </a:endParaRPr>
+          </a:p>
+        </p:txBody>
+      </p:sp>
+      <p:pic>
+        <p:nvPicPr>
+          <p:cNvPr id="2050" name="Picture 2"/>
+          <p:cNvPicPr>
+            <a:picLocks noChangeAspect="1" noChangeArrowheads="1"/>
+          </p:cNvPicPr>
+          <p:nvPr/>
+        </p:nvPicPr>
+        <p:blipFill>
+          <a:blip r:embed="rId2">
+            <a:extLst>
+              <a:ext uri="{28A0092B-C50C-407E-A947-70E740481C1C}">
+                <a14:useLocalDpi xmlns:a14="http://schemas.microsoft.com/office/drawing/2010/main" val="0"/>
+              </a:ext>
+            </a:extLst>
+          </a:blip>
+          <a:srcRect/>
+          <a:stretch>
+            <a:fillRect/>
+          </a:stretch>
+        </p:blipFill>
+        <p:spPr bwMode="auto">
+          <a:xfrm>
+            <a:off x="409925" y="2276872"/>
+            <a:ext cx="8463701" cy="3353912"/>
+          </a:xfrm>
+          <a:prstGeom prst="rect">
+            <a:avLst/>
+          </a:prstGeom>
+          <a:ln>
+            <a:noFill/>
+          </a:ln>
+          <a:effectLst>
+            <a:outerShdw blurRad="190500" algn="tl" rotWithShape="0">
+              <a:srgbClr val="000000">
+                <a:alpha val="70000"/>
+              </a:srgbClr>
+            </a:outerShdw>
+          </a:effectLst>
+          <a:extLst>
+            <a:ext uri="{909E8E84-426E-40DD-AFC4-6F175D3DCCD1}">
+              <a14:hiddenFill xmlns:a14="http://schemas.microsoft.com/office/drawing/2010/main">
+                <a:solidFill>
+                  <a:schemeClr val="accent1"/>
+                </a:solidFill>
+              </a14:hiddenFill>
+            </a:ext>
+            <a:ext uri="{91240B29-F687-4F45-9708-019B960494DF}">
+              <a14:hiddenLine xmlns:a14="http://schemas.microsoft.com/office/drawing/2010/main" w="9525">
+                <a:solidFill>
+                  <a:schemeClr val="tx1"/>
+                </a:solidFill>
+                <a:miter lim="800000"/>
+                <a:headEnd/>
+                <a:tailEnd/>
+              </a14:hiddenLine>
+            </a:ext>
+            <a:ext uri="{AF507438-7753-43E0-B8FC-AC1667EBCBE1}">
+              <a14:hiddenEffects xmlns:a14="http://schemas.microsoft.com/office/drawing/2010/main">
+                <a:effectLst>
+                  <a:outerShdw dist="35921" dir="2700000" algn="ctr" rotWithShape="0">
+                    <a:schemeClr val="bg2"/>
+                  </a:outerShdw>
+                </a:effectLst>
+              </a14:hiddenEffects>
+            </a:ext>
+          </a:extLst>
+        </p:spPr>
+      </p:pic>
+      <p:sp>
+        <p:nvSpPr>
+          <p:cNvPr id="8" name="제목 1"/>
+          <p:cNvSpPr txBox="1">
+            <a:spLocks/>
+          </p:cNvSpPr>
+          <p:nvPr/>
+        </p:nvSpPr>
+        <p:spPr>
+          <a:xfrm>
+            <a:off x="755576" y="476672"/>
+            <a:ext cx="7772400" cy="1470025"/>
+          </a:xfrm>
+          <a:prstGeom prst="rect">
+            <a:avLst/>
+          </a:prstGeom>
+        </p:spPr>
+        <p:txBody>
+          <a:bodyPr vert="horz" lIns="91440" tIns="45720" rIns="91440" bIns="45720" rtlCol="0" anchor="ctr">
+            <a:normAutofit/>
+          </a:bodyPr>
+          <a:lstStyle>
+            <a:lvl1pPr algn="ctr" defTabSz="914400" rtl="0" eaLnBrk="1" latinLnBrk="1" hangingPunct="1">
+              <a:spcBef>
+                <a:spcPct val="0"/>
+              </a:spcBef>
+              <a:buNone/>
+              <a:defRPr sz="4400" kern="1200">
+                <a:solidFill>
+                  <a:schemeClr val="tx1"/>
+                </a:solidFill>
+                <a:latin typeface="+mj-lt"/>
+                <a:ea typeface="+mj-ea"/>
+                <a:cs typeface="+mj-cs"/>
+              </a:defRPr>
+            </a:lvl1pPr>
+          </a:lstStyle>
+          <a:p>
+            <a:r>
+              <a:rPr lang="en-US" altLang="ko-KR" sz="3600" dirty="0" smtClean="0">
+                <a:latin typeface="배달의민족 주아" pitchFamily="18" charset="-127"/>
+                <a:ea typeface="배달의민족 주아" pitchFamily="18" charset="-127"/>
+              </a:rPr>
+              <a:t>inline</a:t>
+            </a:r>
+            <a:r>
+              <a:rPr lang="ko-KR" altLang="en-US" sz="3600" dirty="0" smtClean="0">
+                <a:latin typeface="배달의민족 주아" pitchFamily="18" charset="-127"/>
+                <a:ea typeface="배달의민족 주아" pitchFamily="18" charset="-127"/>
+              </a:rPr>
+              <a:t>요소를 가운데 정렬</a:t>
+            </a:r>
+            <a:endParaRPr lang="en-US" altLang="ko-KR" sz="3600" dirty="0" smtClean="0">
+              <a:latin typeface="배달의민족 주아" pitchFamily="18" charset="-127"/>
+              <a:ea typeface="배달의민족 주아" pitchFamily="18" charset="-127"/>
+            </a:endParaRPr>
+          </a:p>
+          <a:p>
+            <a:r>
+              <a:rPr lang="en-US" altLang="ko-KR" sz="3600" dirty="0" smtClean="0">
+                <a:solidFill>
+                  <a:schemeClr val="accent5"/>
+                </a:solidFill>
+                <a:latin typeface="배달의민족 주아" pitchFamily="18" charset="-127"/>
+                <a:ea typeface="배달의민족 주아" pitchFamily="18" charset="-127"/>
+              </a:rPr>
+              <a:t>=&gt; block</a:t>
+            </a:r>
+            <a:r>
+              <a:rPr lang="ko-KR" altLang="en-US" sz="3600" dirty="0" smtClean="0">
+                <a:solidFill>
+                  <a:schemeClr val="accent5"/>
+                </a:solidFill>
+                <a:latin typeface="배달의민족 주아" pitchFamily="18" charset="-127"/>
+                <a:ea typeface="배달의민족 주아" pitchFamily="18" charset="-127"/>
+              </a:rPr>
+              <a:t>요소로 묶고 </a:t>
+            </a:r>
+            <a:r>
+              <a:rPr lang="en-US" altLang="ko-KR" sz="3600" dirty="0" smtClean="0">
+                <a:solidFill>
+                  <a:schemeClr val="accent5"/>
+                </a:solidFill>
+                <a:latin typeface="배달의민족 주아" pitchFamily="18" charset="-127"/>
+                <a:ea typeface="배달의민족 주아" pitchFamily="18" charset="-127"/>
+              </a:rPr>
+              <a:t>text-align: center</a:t>
+            </a:r>
+            <a:endParaRPr lang="ko-KR" altLang="en-US" sz="3600" dirty="0">
+              <a:solidFill>
+                <a:schemeClr val="accent5"/>
+              </a:solidFill>
+              <a:latin typeface="배달의민족 주아" pitchFamily="18" charset="-127"/>
+              <a:ea typeface="배달의민족 주아" pitchFamily="18" charset="-127"/>
+            </a:endParaRPr>
+          </a:p>
+        </p:txBody>
+      </p:sp>
+    </p:spTree>
+    <p:extLst>
+      <p:ext uri="{BB962C8B-B14F-4D97-AF65-F5344CB8AC3E}">
+        <p14:creationId xmlns:p14="http://schemas.microsoft.com/office/powerpoint/2010/main" val="3536799985"/>
+      </p:ext>
+    </p:extLst>
+  </p:cSld>
+  <p:clrMapOvr>
+    <a:masterClrMapping/>
+  </p:clrMapOvr>
+  <p:timing>
+    <p:tnLst>
+      <p:par>
+        <p:cTn id="1" dur="indefinite" restart="never" nodeType="tmRoot">
+          <p:childTnLst>
+            <p:seq concurrent="1" nextAc="seek">
+              <p:cTn id="2" dur="indefinite" nodeType="mainSeq">
+                <p:childTnLst>
+                  <p:par>
+                    <p:cTn id="3" fill="hold">
+                      <p:stCondLst>
+                        <p:cond delay="indefinite"/>
+                      </p:stCondLst>
+                      <p:childTnLst>
+                        <p:par>
+                          <p:cTn id="4" fill="hold">
+                            <p:stCondLst>
+                              <p:cond delay="0"/>
+                            </p:stCondLst>
+                            <p:childTnLst>
+                              <p:par>
+                                <p:cTn id="5" presetID="10" presetClass="entr" presetSubtype="0" fill="hold" grpId="0" nodeType="clickEffect">
+                                  <p:stCondLst>
+                                    <p:cond delay="0"/>
+                                  </p:stCondLst>
+                                  <p:childTnLst>
+                                    <p:set>
+                                      <p:cBhvr>
+                                        <p:cTn id="6" dur="1" fill="hold">
+                                          <p:stCondLst>
+                                            <p:cond delay="0"/>
+                                          </p:stCondLst>
+                                        </p:cTn>
+                                        <p:tgtEl>
+                                          <p:spTgt spid="8"/>
+                                        </p:tgtEl>
+                                        <p:attrNameLst>
+                                          <p:attrName>style.visibility</p:attrName>
+                                        </p:attrNameLst>
+                                      </p:cBhvr>
+                                      <p:to>
+                                        <p:strVal val="visible"/>
+                                      </p:to>
+                                    </p:set>
+                                    <p:animEffect transition="in" filter="fade">
+                                      <p:cBhvr>
+                                        <p:cTn id="7" dur="500"/>
+                                        <p:tgtEl>
+                                          <p:spTgt spid="8"/>
+                                        </p:tgtEl>
+                                      </p:cBhvr>
+                                    </p:animEffect>
+                                  </p:childTnLst>
+                                </p:cTn>
+                              </p:par>
+                            </p:childTnLst>
+                          </p:cTn>
+                        </p:par>
+                      </p:childTnLst>
+                    </p:cTn>
+                  </p:par>
+                  <p:par>
+                    <p:cTn id="8" fill="hold">
+                      <p:stCondLst>
+                        <p:cond delay="indefinite"/>
+                      </p:stCondLst>
+                      <p:childTnLst>
+                        <p:par>
+                          <p:cTn id="9" fill="hold">
+                            <p:stCondLst>
+                              <p:cond delay="0"/>
+                            </p:stCondLst>
+                            <p:childTnLst>
+                              <p:par>
+                                <p:cTn id="10" presetID="10" presetClass="entr" presetSubtype="0" fill="hold" nodeType="clickEffect">
+                                  <p:stCondLst>
+                                    <p:cond delay="0"/>
+                                  </p:stCondLst>
+                                  <p:childTnLst>
+                                    <p:set>
+                                      <p:cBhvr>
+                                        <p:cTn id="11" dur="1" fill="hold">
+                                          <p:stCondLst>
+                                            <p:cond delay="0"/>
+                                          </p:stCondLst>
+                                        </p:cTn>
+                                        <p:tgtEl>
+                                          <p:spTgt spid="2050"/>
+                                        </p:tgtEl>
+                                        <p:attrNameLst>
+                                          <p:attrName>style.visibility</p:attrName>
+                                        </p:attrNameLst>
+                                      </p:cBhvr>
+                                      <p:to>
+                                        <p:strVal val="visible"/>
+                                      </p:to>
+                                    </p:set>
+                                    <p:animEffect transition="in" filter="fade">
+                                      <p:cBhvr>
+                                        <p:cTn id="12" dur="500"/>
+                                        <p:tgtEl>
+                                          <p:spTgt spid="2050"/>
+                                        </p:tgtEl>
+                                      </p:cBhvr>
+                                    </p:animEffect>
+                                  </p:childTnLst>
+                                </p:cTn>
+                              </p:par>
+                            </p:childTnLst>
+                          </p:cTn>
+                        </p:par>
+                      </p:childTnLst>
+                    </p:cTn>
+                  </p:par>
+                </p:childTnLst>
+              </p:cTn>
+              <p:prevCondLst>
+                <p:cond evt="onPrev" delay="0">
+                  <p:tgtEl>
+                    <p:sldTgt/>
+                  </p:tgtEl>
+                </p:cond>
+              </p:prevCondLst>
+              <p:nextCondLst>
+                <p:cond evt="onNext" delay="0">
+                  <p:tgtEl>
+                    <p:sldTgt/>
+                  </p:tgtEl>
+                </p:cond>
+              </p:nextCondLst>
+            </p:seq>
+          </p:childTnLst>
+        </p:cTn>
+      </p:par>
+    </p:tnLst>
+    <p:bldLst>
+      <p:bldP spid="8" grpId="0"/>
+    </p:bldLst>
+  </p:timing>
+</p:sld>
+</file>
+
+<file path=ppt/slides/slide5.xml><?xml version="1.0" encoding="utf-8"?>
+<p:sld xmlns:a="http://schemas.openxmlformats.org/drawingml/2006/main" xmlns:r="http://schemas.openxmlformats.org/officeDocument/2006/relationships" xmlns:p="http://schemas.openxmlformats.org/presentationml/2006/main">
+  <p:cSld>
+    <p:spTree>
+      <p:nvGrpSpPr>
+        <p:cNvPr id="1" name=""/>
+        <p:cNvGrpSpPr/>
+        <p:nvPr/>
+      </p:nvGrpSpPr>
+      <p:grpSpPr>
+        <a:xfrm>
+          <a:off x="0" y="0"/>
+          <a:ext cx="0" cy="0"/>
+          <a:chOff x="0" y="0"/>
+          <a:chExt cx="0" cy="0"/>
+        </a:xfrm>
+      </p:grpSpPr>
+      <p:sp>
+        <p:nvSpPr>
+          <p:cNvPr id="2" name="제목 1"/>
+          <p:cNvSpPr>
+            <a:spLocks noGrp="1"/>
+          </p:cNvSpPr>
+          <p:nvPr>
+            <p:ph type="ctrTitle"/>
+          </p:nvPr>
+        </p:nvSpPr>
+        <p:spPr/>
+        <p:txBody>
+          <a:bodyPr/>
+          <a:lstStyle/>
+          <a:p>
+            <a:r>
+              <a:rPr lang="en-US" altLang="ko-KR" dirty="0">
+                <a:latin typeface="배달의민족 주아" pitchFamily="18" charset="-127"/>
+                <a:ea typeface="배달의민족 주아" pitchFamily="18" charset="-127"/>
+              </a:rPr>
+              <a:t> </a:t>
+            </a:r>
+            <a:r>
+              <a:rPr lang="ko-KR" altLang="en-US" dirty="0" smtClean="0">
+                <a:latin typeface="배달의민족 주아" pitchFamily="18" charset="-127"/>
+                <a:ea typeface="배달의민족 주아" pitchFamily="18" charset="-127"/>
+              </a:rPr>
+              <a:t>박스모델</a:t>
+            </a:r>
+            <a:r>
+              <a:rPr lang="en-US" altLang="ko-KR" dirty="0" smtClean="0">
+                <a:latin typeface="배달의민족 주아" pitchFamily="18" charset="-127"/>
+                <a:ea typeface="배달의민족 주아" pitchFamily="18" charset="-127"/>
+              </a:rPr>
+              <a:t>(box model)?</a:t>
+            </a:r>
+            <a:endParaRPr lang="ko-KR" altLang="en-US" dirty="0">
+              <a:latin typeface="배달의민족 주아" pitchFamily="18" charset="-127"/>
+              <a:ea typeface="배달의민족 주아" pitchFamily="18" charset="-127"/>
+            </a:endParaRPr>
+          </a:p>
+        </p:txBody>
+      </p:sp>
+      <p:sp>
+        <p:nvSpPr>
+          <p:cNvPr id="3" name="TextBox 2"/>
+          <p:cNvSpPr txBox="1"/>
+          <p:nvPr/>
+        </p:nvSpPr>
+        <p:spPr>
+          <a:xfrm>
+            <a:off x="6948264" y="6093296"/>
+            <a:ext cx="1838965" cy="369332"/>
+          </a:xfrm>
+          <a:prstGeom prst="rect">
+            <a:avLst/>
+          </a:prstGeom>
+          <a:noFill/>
+        </p:spPr>
+        <p:txBody>
+          <a:bodyPr wrap="none" rtlCol="0">
+            <a:spAutoFit/>
+          </a:bodyPr>
+          <a:lstStyle>
+            <a:defPPr>
+              <a:defRPr lang="ko-KR"/>
+            </a:defPPr>
+            <a:lvl1pPr marL="0" algn="l" defTabSz="914400" rtl="0" eaLnBrk="1" latinLnBrk="1" hangingPunct="1">
+              <a:defRPr sz="1800" kern="1200">
+                <a:solidFill>
+                  <a:schemeClr val="tx1"/>
+                </a:solidFill>
+                <a:latin typeface="+mn-lt"/>
+                <a:ea typeface="+mn-ea"/>
+                <a:cs typeface="+mn-cs"/>
+              </a:defRPr>
+            </a:lvl1pPr>
+            <a:lvl2pPr marL="457200" algn="l" defTabSz="914400" rtl="0" eaLnBrk="1" latinLnBrk="1" hangingPunct="1">
+              <a:defRPr sz="1800" kern="1200">
+                <a:solidFill>
+                  <a:schemeClr val="tx1"/>
+                </a:solidFill>
+                <a:latin typeface="+mn-lt"/>
+                <a:ea typeface="+mn-ea"/>
+                <a:cs typeface="+mn-cs"/>
+              </a:defRPr>
+            </a:lvl2pPr>
+            <a:lvl3pPr marL="914400" algn="l" defTabSz="914400" rtl="0" eaLnBrk="1" latinLnBrk="1" hangingPunct="1">
+              <a:defRPr sz="1800" kern="1200">
+                <a:solidFill>
+                  <a:schemeClr val="tx1"/>
+                </a:solidFill>
+                <a:latin typeface="+mn-lt"/>
+                <a:ea typeface="+mn-ea"/>
+                <a:cs typeface="+mn-cs"/>
+              </a:defRPr>
+            </a:lvl3pPr>
+            <a:lvl4pPr marL="1371600" algn="l" defTabSz="914400" rtl="0" eaLnBrk="1" latinLnBrk="1" hangingPunct="1">
+              <a:defRPr sz="1800" kern="1200">
+                <a:solidFill>
+                  <a:schemeClr val="tx1"/>
+                </a:solidFill>
+                <a:latin typeface="+mn-lt"/>
+                <a:ea typeface="+mn-ea"/>
+                <a:cs typeface="+mn-cs"/>
+              </a:defRPr>
+            </a:lvl4pPr>
+            <a:lvl5pPr marL="1828800" algn="l" defTabSz="914400" rtl="0" eaLnBrk="1" latinLnBrk="1" hangingPunct="1">
+              <a:defRPr sz="1800" kern="1200">
+                <a:solidFill>
+                  <a:schemeClr val="tx1"/>
+                </a:solidFill>
+                <a:latin typeface="+mn-lt"/>
+                <a:ea typeface="+mn-ea"/>
+                <a:cs typeface="+mn-cs"/>
+              </a:defRPr>
+            </a:lvl5pPr>
+            <a:lvl6pPr marL="2286000" algn="l" defTabSz="914400" rtl="0" eaLnBrk="1" latinLnBrk="1" hangingPunct="1">
+              <a:defRPr sz="1800" kern="1200">
+                <a:solidFill>
+                  <a:schemeClr val="tx1"/>
+                </a:solidFill>
+                <a:latin typeface="+mn-lt"/>
+                <a:ea typeface="+mn-ea"/>
+                <a:cs typeface="+mn-cs"/>
+              </a:defRPr>
+            </a:lvl6pPr>
+            <a:lvl7pPr marL="2743200" algn="l" defTabSz="914400" rtl="0" eaLnBrk="1" latinLnBrk="1" hangingPunct="1">
+              <a:defRPr sz="1800" kern="1200">
+                <a:solidFill>
+                  <a:schemeClr val="tx1"/>
+                </a:solidFill>
+                <a:latin typeface="+mn-lt"/>
+                <a:ea typeface="+mn-ea"/>
+                <a:cs typeface="+mn-cs"/>
+              </a:defRPr>
+            </a:lvl7pPr>
+            <a:lvl8pPr marL="3200400" algn="l" defTabSz="914400" rtl="0" eaLnBrk="1" latinLnBrk="1" hangingPunct="1">
+              <a:defRPr sz="1800" kern="1200">
+                <a:solidFill>
+                  <a:schemeClr val="tx1"/>
+                </a:solidFill>
+                <a:latin typeface="+mn-lt"/>
+                <a:ea typeface="+mn-ea"/>
+                <a:cs typeface="+mn-cs"/>
+              </a:defRPr>
+            </a:lvl8pPr>
+            <a:lvl9pPr marL="3657600" algn="l" defTabSz="914400" rtl="0" eaLnBrk="1" latinLnBrk="1" hangingPunct="1">
+              <a:defRPr sz="1800" kern="1200">
+                <a:solidFill>
+                  <a:schemeClr val="tx1"/>
+                </a:solidFill>
+                <a:latin typeface="+mn-lt"/>
+                <a:ea typeface="+mn-ea"/>
+                <a:cs typeface="+mn-cs"/>
+              </a:defRPr>
+            </a:lvl9pPr>
+          </a:lstStyle>
+          <a:p>
+            <a:r>
+              <a:rPr lang="en-US" altLang="ko-KR" dirty="0" smtClean="0">
+                <a:solidFill>
+                  <a:schemeClr val="accent5"/>
+                </a:solidFill>
+                <a:latin typeface="배달의민족 도현" pitchFamily="50" charset="-127"/>
+                <a:ea typeface="배달의민족 도현" pitchFamily="50" charset="-127"/>
+              </a:rPr>
+              <a:t>S</a:t>
+            </a:r>
+            <a:r>
+              <a:rPr lang="en-US" altLang="ko-KR" dirty="0" smtClean="0">
+                <a:latin typeface="배달의민족 도현" pitchFamily="50" charset="-127"/>
+                <a:ea typeface="배달의민족 도현" pitchFamily="50" charset="-127"/>
+              </a:rPr>
+              <a:t>TART</a:t>
+            </a:r>
+            <a:r>
+              <a:rPr lang="en-US" altLang="ko-KR" dirty="0" smtClean="0">
+                <a:solidFill>
+                  <a:schemeClr val="accent5"/>
+                </a:solidFill>
+                <a:latin typeface="배달의민족 도현" pitchFamily="50" charset="-127"/>
+                <a:ea typeface="배달의민족 도현" pitchFamily="50" charset="-127"/>
+              </a:rPr>
+              <a:t>C</a:t>
+            </a:r>
+            <a:r>
+              <a:rPr lang="en-US" altLang="ko-KR" dirty="0" smtClean="0">
+                <a:latin typeface="배달의민족 도현" pitchFamily="50" charset="-127"/>
+                <a:ea typeface="배달의민족 도현" pitchFamily="50" charset="-127"/>
+              </a:rPr>
+              <a:t>ODING</a:t>
+            </a:r>
+            <a:endParaRPr lang="ko-KR" altLang="en-US" dirty="0">
+              <a:latin typeface="배달의민족 도현" pitchFamily="50" charset="-127"/>
+              <a:ea typeface="배달의민족 도현" pitchFamily="50" charset="-127"/>
+            </a:endParaRPr>
+          </a:p>
+        </p:txBody>
+      </p:sp>
+    </p:spTree>
+    <p:extLst>
+      <p:ext uri="{BB962C8B-B14F-4D97-AF65-F5344CB8AC3E}">
+        <p14:creationId xmlns:p14="http://schemas.microsoft.com/office/powerpoint/2010/main" val="3853246724"/>
+      </p:ext>
+    </p:extLst>
+  </p:cSld>
+  <p:clrMapOvr>
+    <a:masterClrMapping/>
+  </p:clrMapOvr>
+  <p:timing>
+    <p:tnLst>
+      <p:par>
+        <p:cTn id="1" dur="indefinite" restart="never" nodeType="tmRoot"/>
+      </p:par>
+    </p:tnLst>
+  </p:timing>
+</p:sld>
+</file>
+
+<file path=ppt/slides/slide6.xml><?xml version="1.0" encoding="utf-8"?>
+<p:sld xmlns:a="http://schemas.openxmlformats.org/drawingml/2006/main" xmlns:r="http://schemas.openxmlformats.org/officeDocument/2006/relationships" xmlns:p="http://schemas.openxmlformats.org/presentationml/2006/main">
+  <p:cSld>
+    <p:spTree>
+      <p:nvGrpSpPr>
+        <p:cNvPr id="1" name=""/>
+        <p:cNvGrpSpPr/>
+        <p:nvPr/>
+      </p:nvGrpSpPr>
+      <p:grpSpPr>
+        <a:xfrm>
+          <a:off x="0" y="0"/>
+          <a:ext cx="0" cy="0"/>
+          <a:chOff x="0" y="0"/>
+          <a:chExt cx="0" cy="0"/>
+        </a:xfrm>
+      </p:grpSpPr>
+      <p:sp>
+        <p:nvSpPr>
+          <p:cNvPr id="4" name="제목 1"/>
+          <p:cNvSpPr txBox="1">
+            <a:spLocks/>
+          </p:cNvSpPr>
+          <p:nvPr/>
+        </p:nvSpPr>
+        <p:spPr>
+          <a:xfrm>
+            <a:off x="683568" y="1916832"/>
+            <a:ext cx="7772400" cy="1470025"/>
+          </a:xfrm>
+          <a:prstGeom prst="rect">
+            <a:avLst/>
+          </a:prstGeom>
+        </p:spPr>
+        <p:txBody>
+          <a:bodyPr vert="horz" lIns="91440" tIns="45720" rIns="91440" bIns="45720" rtlCol="0" anchor="ctr">
+            <a:normAutofit/>
+          </a:bodyPr>
+          <a:lstStyle>
+            <a:lvl1pPr algn="ctr" defTabSz="914400" rtl="0" eaLnBrk="1" latinLnBrk="1" hangingPunct="1">
+              <a:spcBef>
+                <a:spcPct val="0"/>
+              </a:spcBef>
+              <a:buNone/>
+              <a:defRPr sz="4400" kern="1200">
+                <a:solidFill>
+                  <a:schemeClr val="tx1"/>
+                </a:solidFill>
+                <a:latin typeface="+mj-lt"/>
+                <a:ea typeface="+mj-ea"/>
+                <a:cs typeface="+mj-cs"/>
+              </a:defRPr>
+            </a:lvl1pPr>
+          </a:lstStyle>
+          <a:p>
+            <a:r>
+              <a:rPr lang="ko-KR" altLang="en-US" sz="3600" dirty="0" smtClean="0">
+                <a:latin typeface="배달의민족 주아" pitchFamily="18" charset="-127"/>
+                <a:ea typeface="배달의민족 주아" pitchFamily="18" charset="-127"/>
+              </a:rPr>
+              <a:t>모든 </a:t>
+            </a:r>
+            <a:r>
+              <a:rPr lang="en-US" altLang="ko-KR" sz="3600" dirty="0" smtClean="0">
+                <a:latin typeface="배달의민족 주아" pitchFamily="18" charset="-127"/>
+                <a:ea typeface="배달의민족 주아" pitchFamily="18" charset="-127"/>
+              </a:rPr>
+              <a:t>HTML </a:t>
+            </a:r>
+            <a:r>
+              <a:rPr lang="ko-KR" altLang="en-US" sz="3600" dirty="0" smtClean="0">
+                <a:latin typeface="배달의민족 주아" pitchFamily="18" charset="-127"/>
+                <a:ea typeface="배달의민족 주아" pitchFamily="18" charset="-127"/>
+              </a:rPr>
+              <a:t>태그는 </a:t>
+            </a:r>
+            <a:endParaRPr lang="en-US" altLang="ko-KR" sz="3600" dirty="0" smtClean="0">
+              <a:latin typeface="배달의민족 주아" pitchFamily="18" charset="-127"/>
+              <a:ea typeface="배달의민족 주아" pitchFamily="18" charset="-127"/>
+            </a:endParaRPr>
+          </a:p>
+          <a:p>
+            <a:r>
+              <a:rPr lang="en-US" altLang="ko-KR" sz="3600" dirty="0" smtClean="0">
+                <a:latin typeface="배달의민족 주아" pitchFamily="18" charset="-127"/>
+                <a:ea typeface="배달의민족 주아" pitchFamily="18" charset="-127"/>
+              </a:rPr>
+              <a:t>Box </a:t>
+            </a:r>
+            <a:r>
+              <a:rPr lang="ko-KR" altLang="en-US" sz="3600" dirty="0" smtClean="0">
+                <a:latin typeface="배달의민족 주아" pitchFamily="18" charset="-127"/>
+                <a:ea typeface="배달의민족 주아" pitchFamily="18" charset="-127"/>
+              </a:rPr>
+              <a:t>형태로 구성되어 있다</a:t>
+            </a:r>
+            <a:r>
+              <a:rPr lang="en-US" altLang="ko-KR" sz="3600" dirty="0" smtClean="0">
+                <a:latin typeface="배달의민족 주아" pitchFamily="18" charset="-127"/>
+                <a:ea typeface="배달의민족 주아" pitchFamily="18" charset="-127"/>
+              </a:rPr>
+              <a:t>.</a:t>
+            </a:r>
+          </a:p>
+        </p:txBody>
+      </p:sp>
+      <p:sp>
+        <p:nvSpPr>
+          <p:cNvPr id="5" name="TextBox 2"/>
+          <p:cNvSpPr txBox="1"/>
+          <p:nvPr/>
+        </p:nvSpPr>
+        <p:spPr>
+          <a:xfrm>
+            <a:off x="6948264" y="6093296"/>
+            <a:ext cx="1838965" cy="369332"/>
+          </a:xfrm>
+          <a:prstGeom prst="rect">
+            <a:avLst/>
+          </a:prstGeom>
+          <a:noFill/>
+        </p:spPr>
+        <p:txBody>
+          <a:bodyPr wrap="none" rtlCol="0">
+            <a:spAutoFit/>
+          </a:bodyPr>
+          <a:lstStyle>
+            <a:defPPr>
+              <a:defRPr lang="ko-KR"/>
+            </a:defPPr>
+            <a:lvl1pPr marL="0" algn="l" defTabSz="914400" rtl="0" eaLnBrk="1" latinLnBrk="1" hangingPunct="1">
+              <a:defRPr sz="1800" kern="1200">
+                <a:solidFill>
+                  <a:schemeClr val="tx1"/>
+                </a:solidFill>
+                <a:latin typeface="+mn-lt"/>
+                <a:ea typeface="+mn-ea"/>
+                <a:cs typeface="+mn-cs"/>
+              </a:defRPr>
+            </a:lvl1pPr>
+            <a:lvl2pPr marL="457200" algn="l" defTabSz="914400" rtl="0" eaLnBrk="1" latinLnBrk="1" hangingPunct="1">
+              <a:defRPr sz="1800" kern="1200">
+                <a:solidFill>
+                  <a:schemeClr val="tx1"/>
+                </a:solidFill>
+                <a:latin typeface="+mn-lt"/>
+                <a:ea typeface="+mn-ea"/>
+                <a:cs typeface="+mn-cs"/>
+              </a:defRPr>
+            </a:lvl2pPr>
+            <a:lvl3pPr marL="914400" algn="l" defTabSz="914400" rtl="0" eaLnBrk="1" latinLnBrk="1" hangingPunct="1">
+              <a:defRPr sz="1800" kern="1200">
+                <a:solidFill>
+                  <a:schemeClr val="tx1"/>
+                </a:solidFill>
+                <a:latin typeface="+mn-lt"/>
+                <a:ea typeface="+mn-ea"/>
+                <a:cs typeface="+mn-cs"/>
+              </a:defRPr>
+            </a:lvl3pPr>
+            <a:lvl4pPr marL="1371600" algn="l" defTabSz="914400" rtl="0" eaLnBrk="1" latinLnBrk="1" hangingPunct="1">
+              <a:defRPr sz="1800" kern="1200">
+                <a:solidFill>
+                  <a:schemeClr val="tx1"/>
+                </a:solidFill>
+                <a:latin typeface="+mn-lt"/>
+                <a:ea typeface="+mn-ea"/>
+                <a:cs typeface="+mn-cs"/>
+              </a:defRPr>
+            </a:lvl4pPr>
+            <a:lvl5pPr marL="1828800" algn="l" defTabSz="914400" rtl="0" eaLnBrk="1" latinLnBrk="1" hangingPunct="1">
+              <a:defRPr sz="1800" kern="1200">
+                <a:solidFill>
+                  <a:schemeClr val="tx1"/>
+                </a:solidFill>
+                <a:latin typeface="+mn-lt"/>
+                <a:ea typeface="+mn-ea"/>
+                <a:cs typeface="+mn-cs"/>
+              </a:defRPr>
+            </a:lvl5pPr>
+            <a:lvl6pPr marL="2286000" algn="l" defTabSz="914400" rtl="0" eaLnBrk="1" latinLnBrk="1" hangingPunct="1">
+              <a:defRPr sz="1800" kern="1200">
+                <a:solidFill>
+                  <a:schemeClr val="tx1"/>
+                </a:solidFill>
+                <a:latin typeface="+mn-lt"/>
+                <a:ea typeface="+mn-ea"/>
+                <a:cs typeface="+mn-cs"/>
+              </a:defRPr>
+            </a:lvl6pPr>
+            <a:lvl7pPr marL="2743200" algn="l" defTabSz="914400" rtl="0" eaLnBrk="1" latinLnBrk="1" hangingPunct="1">
+              <a:defRPr sz="1800" kern="1200">
+                <a:solidFill>
+                  <a:schemeClr val="tx1"/>
+                </a:solidFill>
+                <a:latin typeface="+mn-lt"/>
+                <a:ea typeface="+mn-ea"/>
+                <a:cs typeface="+mn-cs"/>
+              </a:defRPr>
+            </a:lvl7pPr>
+            <a:lvl8pPr marL="3200400" algn="l" defTabSz="914400" rtl="0" eaLnBrk="1" latinLnBrk="1" hangingPunct="1">
+              <a:defRPr sz="1800" kern="1200">
+                <a:solidFill>
+                  <a:schemeClr val="tx1"/>
+                </a:solidFill>
+                <a:latin typeface="+mn-lt"/>
+                <a:ea typeface="+mn-ea"/>
+                <a:cs typeface="+mn-cs"/>
+              </a:defRPr>
+            </a:lvl8pPr>
+            <a:lvl9pPr marL="3657600" algn="l" defTabSz="914400" rtl="0" eaLnBrk="1" latinLnBrk="1" hangingPunct="1">
+              <a:defRPr sz="1800" kern="1200">
+                <a:solidFill>
+                  <a:schemeClr val="tx1"/>
+                </a:solidFill>
+                <a:latin typeface="+mn-lt"/>
+                <a:ea typeface="+mn-ea"/>
+                <a:cs typeface="+mn-cs"/>
+              </a:defRPr>
+            </a:lvl9pPr>
+          </a:lstStyle>
+          <a:p>
+            <a:r>
+              <a:rPr lang="en-US" altLang="ko-KR" dirty="0" smtClean="0">
+                <a:solidFill>
+                  <a:schemeClr val="accent5"/>
+                </a:solidFill>
+                <a:latin typeface="배달의민족 도현" pitchFamily="50" charset="-127"/>
+                <a:ea typeface="배달의민족 도현" pitchFamily="50" charset="-127"/>
+              </a:rPr>
+              <a:t>S</a:t>
+            </a:r>
+            <a:r>
+              <a:rPr lang="en-US" altLang="ko-KR" dirty="0" smtClean="0">
+                <a:latin typeface="배달의민족 도현" pitchFamily="50" charset="-127"/>
+                <a:ea typeface="배달의민족 도현" pitchFamily="50" charset="-127"/>
+              </a:rPr>
+              <a:t>TART</a:t>
+            </a:r>
+            <a:r>
+              <a:rPr lang="en-US" altLang="ko-KR" dirty="0" smtClean="0">
+                <a:solidFill>
+                  <a:schemeClr val="accent5"/>
+                </a:solidFill>
+                <a:latin typeface="배달의민족 도현" pitchFamily="50" charset="-127"/>
+                <a:ea typeface="배달의민족 도현" pitchFamily="50" charset="-127"/>
+              </a:rPr>
+              <a:t>C</a:t>
+            </a:r>
+            <a:r>
+              <a:rPr lang="en-US" altLang="ko-KR" dirty="0" smtClean="0">
+                <a:latin typeface="배달의민족 도현" pitchFamily="50" charset="-127"/>
+                <a:ea typeface="배달의민족 도현" pitchFamily="50" charset="-127"/>
+              </a:rPr>
+              <a:t>ODING</a:t>
+            </a:r>
+            <a:endParaRPr lang="ko-KR" altLang="en-US" dirty="0">
+              <a:latin typeface="배달의민족 도현" pitchFamily="50" charset="-127"/>
+              <a:ea typeface="배달의민족 도현" pitchFamily="50" charset="-127"/>
+            </a:endParaRPr>
+          </a:p>
+        </p:txBody>
+      </p:sp>
+      <p:sp>
+        <p:nvSpPr>
+          <p:cNvPr id="2" name="타원 1"/>
+          <p:cNvSpPr/>
+          <p:nvPr/>
+        </p:nvSpPr>
+        <p:spPr>
+          <a:xfrm>
+            <a:off x="1547664" y="3861048"/>
+            <a:ext cx="1368152" cy="1368152"/>
+          </a:xfrm>
+          <a:prstGeom prst="ellipse">
+            <a:avLst/>
+          </a:prstGeom>
+        </p:spPr>
+        <p:style>
+          <a:lnRef idx="2">
+            <a:schemeClr val="accent1">
+              <a:shade val="50000"/>
+            </a:schemeClr>
+          </a:lnRef>
+          <a:fillRef idx="1">
+            <a:schemeClr val="accent1"/>
+          </a:fillRef>
+          <a:effectRef idx="0">
+            <a:schemeClr val="accent1"/>
+          </a:effectRef>
+          <a:fontRef idx="minor">
+            <a:schemeClr val="lt1"/>
+          </a:fontRef>
+        </p:style>
+        <p:txBody>
+          <a:bodyPr rtlCol="0" anchor="ctr"/>
+          <a:lstStyle/>
+          <a:p>
+            <a:pPr algn="ctr"/>
+            <a:r>
+              <a:rPr lang="ko-KR" altLang="en-US" sz="2400" dirty="0" smtClean="0">
+                <a:latin typeface="배달의민족 주아" pitchFamily="18" charset="-127"/>
+                <a:ea typeface="배달의민족 주아" pitchFamily="18" charset="-127"/>
+              </a:rPr>
+              <a:t>크</a:t>
+            </a:r>
+            <a:r>
+              <a:rPr lang="ko-KR" altLang="en-US" sz="2400" dirty="0">
+                <a:latin typeface="배달의민족 주아" pitchFamily="18" charset="-127"/>
+                <a:ea typeface="배달의민족 주아" pitchFamily="18" charset="-127"/>
+              </a:rPr>
+              <a:t>기</a:t>
+            </a:r>
+          </a:p>
+        </p:txBody>
+      </p:sp>
+      <p:sp>
+        <p:nvSpPr>
+          <p:cNvPr id="6" name="타원 5"/>
+          <p:cNvSpPr/>
+          <p:nvPr/>
+        </p:nvSpPr>
+        <p:spPr>
+          <a:xfrm>
+            <a:off x="3885692" y="3861048"/>
+            <a:ext cx="1368152" cy="1368152"/>
+          </a:xfrm>
+          <a:prstGeom prst="ellipse">
+            <a:avLst/>
+          </a:prstGeom>
+        </p:spPr>
+        <p:style>
+          <a:lnRef idx="2">
+            <a:schemeClr val="accent1">
+              <a:shade val="50000"/>
+            </a:schemeClr>
+          </a:lnRef>
+          <a:fillRef idx="1">
+            <a:schemeClr val="accent1"/>
+          </a:fillRef>
+          <a:effectRef idx="0">
+            <a:schemeClr val="accent1"/>
+          </a:effectRef>
+          <a:fontRef idx="minor">
+            <a:schemeClr val="lt1"/>
+          </a:fontRef>
+        </p:style>
+        <p:txBody>
+          <a:bodyPr rtlCol="0" anchor="ctr"/>
+          <a:lstStyle/>
+          <a:p>
+            <a:pPr algn="ctr"/>
+            <a:r>
+              <a:rPr lang="ko-KR" altLang="en-US" sz="2400" dirty="0" smtClean="0">
+                <a:latin typeface="배달의민족 주아" pitchFamily="18" charset="-127"/>
+                <a:ea typeface="배달의민족 주아" pitchFamily="18" charset="-127"/>
+              </a:rPr>
+              <a:t>여백</a:t>
+            </a:r>
+            <a:endParaRPr lang="ko-KR" altLang="en-US" sz="2400" dirty="0">
+              <a:latin typeface="배달의민족 주아" pitchFamily="18" charset="-127"/>
+              <a:ea typeface="배달의민족 주아" pitchFamily="18" charset="-127"/>
+            </a:endParaRPr>
+          </a:p>
+        </p:txBody>
+      </p:sp>
+      <p:sp>
+        <p:nvSpPr>
+          <p:cNvPr id="7" name="타원 6"/>
+          <p:cNvSpPr/>
+          <p:nvPr/>
+        </p:nvSpPr>
+        <p:spPr>
+          <a:xfrm>
+            <a:off x="6156176" y="3861048"/>
+            <a:ext cx="1368152" cy="1368152"/>
+          </a:xfrm>
+          <a:prstGeom prst="ellipse">
+            <a:avLst/>
+          </a:prstGeom>
+        </p:spPr>
+        <p:style>
+          <a:lnRef idx="2">
+            <a:schemeClr val="accent1">
+              <a:shade val="50000"/>
+            </a:schemeClr>
+          </a:lnRef>
+          <a:fillRef idx="1">
+            <a:schemeClr val="accent1"/>
+          </a:fillRef>
+          <a:effectRef idx="0">
+            <a:schemeClr val="accent1"/>
+          </a:effectRef>
+          <a:fontRef idx="minor">
+            <a:schemeClr val="lt1"/>
+          </a:fontRef>
+        </p:style>
+        <p:txBody>
+          <a:bodyPr rtlCol="0" anchor="ctr"/>
+          <a:lstStyle/>
+          <a:p>
+            <a:pPr algn="ctr"/>
+            <a:r>
+              <a:rPr lang="ko-KR" altLang="en-US" sz="2400" dirty="0" smtClean="0">
+                <a:latin typeface="배달의민족 주아" pitchFamily="18" charset="-127"/>
+                <a:ea typeface="배달의민족 주아" pitchFamily="18" charset="-127"/>
+              </a:rPr>
+              <a:t>테두리</a:t>
+            </a:r>
+            <a:endParaRPr lang="ko-KR" altLang="en-US" sz="2400" dirty="0">
+              <a:latin typeface="배달의민족 주아" pitchFamily="18" charset="-127"/>
+              <a:ea typeface="배달의민족 주아" pitchFamily="18" charset="-127"/>
             </a:endParaRPr>
           </a:p>
         </p:txBody>
@@ -9005,1172 +10071,6 @@
 </p:sld>
 </file>
 
-<file path=ppt/slides/slide4.xml><?xml version="1.0" encoding="utf-8"?>
-<p:sld xmlns:a="http://schemas.openxmlformats.org/drawingml/2006/main" xmlns:r="http://schemas.openxmlformats.org/officeDocument/2006/relationships" xmlns:p="http://schemas.openxmlformats.org/presentationml/2006/main">
-  <p:cSld>
-    <p:spTree>
-      <p:nvGrpSpPr>
-        <p:cNvPr id="1" name=""/>
-        <p:cNvGrpSpPr/>
-        <p:nvPr/>
-      </p:nvGrpSpPr>
-      <p:grpSpPr>
-        <a:xfrm>
-          <a:off x="0" y="0"/>
-          <a:ext cx="0" cy="0"/>
-          <a:chOff x="0" y="0"/>
-          <a:chExt cx="0" cy="0"/>
-        </a:xfrm>
-      </p:grpSpPr>
-      <p:sp>
-        <p:nvSpPr>
-          <p:cNvPr id="8" name="TextBox 7"/>
-          <p:cNvSpPr txBox="1"/>
-          <p:nvPr/>
-        </p:nvSpPr>
-        <p:spPr>
-          <a:xfrm>
-            <a:off x="2267744" y="1585823"/>
-            <a:ext cx="4392488" cy="3139321"/>
-          </a:xfrm>
-          <a:prstGeom prst="rect">
-            <a:avLst/>
-          </a:prstGeom>
-          <a:solidFill>
-            <a:schemeClr val="accent5">
-              <a:lumMod val="75000"/>
-            </a:schemeClr>
-          </a:solidFill>
-        </p:spPr>
-        <p:txBody>
-          <a:bodyPr wrap="square" rtlCol="0">
-            <a:spAutoFit/>
-          </a:bodyPr>
-          <a:lstStyle/>
-          <a:p>
-            <a:pPr algn="ctr"/>
-            <a:r>
-              <a:rPr lang="en-US" altLang="ko-KR" dirty="0" smtClean="0">
-                <a:latin typeface="배달의민족 주아" pitchFamily="18" charset="-127"/>
-                <a:ea typeface="배달의민족 주아" pitchFamily="18" charset="-127"/>
-              </a:rPr>
-              <a:t>margin  </a:t>
-            </a:r>
-            <a:r>
-              <a:rPr lang="ko-KR" altLang="en-US" dirty="0" smtClean="0">
-                <a:latin typeface="배달의민족 주아" pitchFamily="18" charset="-127"/>
-                <a:ea typeface="배달의민족 주아" pitchFamily="18" charset="-127"/>
-              </a:rPr>
-              <a:t>영역</a:t>
-            </a:r>
-            <a:endParaRPr lang="en-US" altLang="ko-KR" dirty="0" smtClean="0">
-              <a:latin typeface="배달의민족 주아" pitchFamily="18" charset="-127"/>
-              <a:ea typeface="배달의민족 주아" pitchFamily="18" charset="-127"/>
-            </a:endParaRPr>
-          </a:p>
-          <a:p>
-            <a:pPr algn="ctr"/>
-            <a:endParaRPr lang="en-US" altLang="ko-KR" dirty="0">
-              <a:latin typeface="배달의민족 주아" pitchFamily="18" charset="-127"/>
-              <a:ea typeface="배달의민족 주아" pitchFamily="18" charset="-127"/>
-            </a:endParaRPr>
-          </a:p>
-          <a:p>
-            <a:pPr algn="ctr"/>
-            <a:endParaRPr lang="en-US" altLang="ko-KR" dirty="0" smtClean="0">
-              <a:latin typeface="배달의민족 주아" pitchFamily="18" charset="-127"/>
-              <a:ea typeface="배달의민족 주아" pitchFamily="18" charset="-127"/>
-            </a:endParaRPr>
-          </a:p>
-          <a:p>
-            <a:pPr algn="ctr"/>
-            <a:endParaRPr lang="en-US" altLang="ko-KR" dirty="0">
-              <a:latin typeface="배달의민족 주아" pitchFamily="18" charset="-127"/>
-              <a:ea typeface="배달의민족 주아" pitchFamily="18" charset="-127"/>
-            </a:endParaRPr>
-          </a:p>
-          <a:p>
-            <a:pPr algn="ctr"/>
-            <a:endParaRPr lang="en-US" altLang="ko-KR" dirty="0" smtClean="0">
-              <a:latin typeface="배달의민족 주아" pitchFamily="18" charset="-127"/>
-              <a:ea typeface="배달의민족 주아" pitchFamily="18" charset="-127"/>
-            </a:endParaRPr>
-          </a:p>
-          <a:p>
-            <a:pPr algn="ctr"/>
-            <a:endParaRPr lang="en-US" altLang="ko-KR" dirty="0">
-              <a:latin typeface="배달의민족 주아" pitchFamily="18" charset="-127"/>
-              <a:ea typeface="배달의민족 주아" pitchFamily="18" charset="-127"/>
-            </a:endParaRPr>
-          </a:p>
-          <a:p>
-            <a:pPr algn="ctr"/>
-            <a:endParaRPr lang="en-US" altLang="ko-KR" dirty="0" smtClean="0">
-              <a:latin typeface="배달의민족 주아" pitchFamily="18" charset="-127"/>
-              <a:ea typeface="배달의민족 주아" pitchFamily="18" charset="-127"/>
-            </a:endParaRPr>
-          </a:p>
-          <a:p>
-            <a:pPr algn="ctr"/>
-            <a:endParaRPr lang="en-US" altLang="ko-KR" dirty="0" smtClean="0">
-              <a:latin typeface="배달의민족 주아" pitchFamily="18" charset="-127"/>
-              <a:ea typeface="배달의민족 주아" pitchFamily="18" charset="-127"/>
-            </a:endParaRPr>
-          </a:p>
-          <a:p>
-            <a:pPr algn="ctr"/>
-            <a:endParaRPr lang="en-US" altLang="ko-KR" dirty="0">
-              <a:latin typeface="배달의민족 주아" pitchFamily="18" charset="-127"/>
-              <a:ea typeface="배달의민족 주아" pitchFamily="18" charset="-127"/>
-            </a:endParaRPr>
-          </a:p>
-          <a:p>
-            <a:pPr algn="ctr"/>
-            <a:endParaRPr lang="en-US" altLang="ko-KR" dirty="0" smtClean="0">
-              <a:latin typeface="배달의민족 주아" pitchFamily="18" charset="-127"/>
-              <a:ea typeface="배달의민족 주아" pitchFamily="18" charset="-127"/>
-            </a:endParaRPr>
-          </a:p>
-          <a:p>
-            <a:pPr algn="ctr"/>
-            <a:endParaRPr lang="en-US" altLang="ko-KR" dirty="0">
-              <a:latin typeface="배달의민족 주아" pitchFamily="18" charset="-127"/>
-              <a:ea typeface="배달의민족 주아" pitchFamily="18" charset="-127"/>
-            </a:endParaRPr>
-          </a:p>
-        </p:txBody>
-      </p:sp>
-      <p:sp>
-        <p:nvSpPr>
-          <p:cNvPr id="7" name="TextBox 6"/>
-          <p:cNvSpPr txBox="1"/>
-          <p:nvPr/>
-        </p:nvSpPr>
-        <p:spPr>
-          <a:xfrm>
-            <a:off x="2591780" y="2129601"/>
-            <a:ext cx="3744416" cy="2031325"/>
-          </a:xfrm>
-          <a:prstGeom prst="rect">
-            <a:avLst/>
-          </a:prstGeom>
-          <a:solidFill>
-            <a:schemeClr val="accent5">
-              <a:lumMod val="60000"/>
-              <a:lumOff val="40000"/>
-            </a:schemeClr>
-          </a:solidFill>
-        </p:spPr>
-        <p:txBody>
-          <a:bodyPr wrap="square" rtlCol="0">
-            <a:spAutoFit/>
-          </a:bodyPr>
-          <a:lstStyle/>
-          <a:p>
-            <a:pPr algn="ctr"/>
-            <a:r>
-              <a:rPr lang="en-US" altLang="ko-KR" dirty="0" smtClean="0">
-                <a:latin typeface="배달의민족 주아" pitchFamily="18" charset="-127"/>
-                <a:ea typeface="배달의민족 주아" pitchFamily="18" charset="-127"/>
-              </a:rPr>
-              <a:t>border </a:t>
-            </a:r>
-            <a:r>
-              <a:rPr lang="ko-KR" altLang="en-US" dirty="0" smtClean="0">
-                <a:latin typeface="배달의민족 주아" pitchFamily="18" charset="-127"/>
-                <a:ea typeface="배달의민족 주아" pitchFamily="18" charset="-127"/>
-              </a:rPr>
-              <a:t>영역</a:t>
-            </a:r>
-            <a:endParaRPr lang="en-US" altLang="ko-KR" dirty="0" smtClean="0">
-              <a:latin typeface="배달의민족 주아" pitchFamily="18" charset="-127"/>
-              <a:ea typeface="배달의민족 주아" pitchFamily="18" charset="-127"/>
-            </a:endParaRPr>
-          </a:p>
-          <a:p>
-            <a:pPr algn="ctr"/>
-            <a:endParaRPr lang="en-US" altLang="ko-KR" dirty="0">
-              <a:latin typeface="배달의민족 주아" pitchFamily="18" charset="-127"/>
-              <a:ea typeface="배달의민족 주아" pitchFamily="18" charset="-127"/>
-            </a:endParaRPr>
-          </a:p>
-          <a:p>
-            <a:pPr algn="ctr"/>
-            <a:endParaRPr lang="en-US" altLang="ko-KR" dirty="0" smtClean="0">
-              <a:latin typeface="배달의민족 주아" pitchFamily="18" charset="-127"/>
-              <a:ea typeface="배달의민족 주아" pitchFamily="18" charset="-127"/>
-            </a:endParaRPr>
-          </a:p>
-          <a:p>
-            <a:pPr algn="ctr"/>
-            <a:endParaRPr lang="en-US" altLang="ko-KR" dirty="0">
-              <a:latin typeface="배달의민족 주아" pitchFamily="18" charset="-127"/>
-              <a:ea typeface="배달의민족 주아" pitchFamily="18" charset="-127"/>
-            </a:endParaRPr>
-          </a:p>
-          <a:p>
-            <a:pPr algn="ctr"/>
-            <a:endParaRPr lang="en-US" altLang="ko-KR" dirty="0" smtClean="0">
-              <a:latin typeface="배달의민족 주아" pitchFamily="18" charset="-127"/>
-              <a:ea typeface="배달의민족 주아" pitchFamily="18" charset="-127"/>
-            </a:endParaRPr>
-          </a:p>
-          <a:p>
-            <a:pPr algn="ctr"/>
-            <a:endParaRPr lang="en-US" altLang="ko-KR" dirty="0">
-              <a:latin typeface="배달의민족 주아" pitchFamily="18" charset="-127"/>
-              <a:ea typeface="배달의민족 주아" pitchFamily="18" charset="-127"/>
-            </a:endParaRPr>
-          </a:p>
-          <a:p>
-            <a:pPr algn="ctr"/>
-            <a:endParaRPr lang="en-US" altLang="ko-KR" dirty="0" smtClean="0">
-              <a:latin typeface="배달의민족 주아" pitchFamily="18" charset="-127"/>
-              <a:ea typeface="배달의민족 주아" pitchFamily="18" charset="-127"/>
-            </a:endParaRPr>
-          </a:p>
-        </p:txBody>
-      </p:sp>
-      <p:sp>
-        <p:nvSpPr>
-          <p:cNvPr id="6" name="TextBox 5"/>
-          <p:cNvSpPr txBox="1"/>
-          <p:nvPr/>
-        </p:nvSpPr>
-        <p:spPr>
-          <a:xfrm>
-            <a:off x="2915816" y="2593935"/>
-            <a:ext cx="3096344" cy="1200329"/>
-          </a:xfrm>
-          <a:prstGeom prst="rect">
-            <a:avLst/>
-          </a:prstGeom>
-          <a:solidFill>
-            <a:schemeClr val="accent5">
-              <a:lumMod val="40000"/>
-              <a:lumOff val="60000"/>
-            </a:schemeClr>
-          </a:solidFill>
-        </p:spPr>
-        <p:txBody>
-          <a:bodyPr wrap="square" rtlCol="0">
-            <a:spAutoFit/>
-          </a:bodyPr>
-          <a:lstStyle/>
-          <a:p>
-            <a:pPr algn="ctr"/>
-            <a:r>
-              <a:rPr lang="en-US" altLang="ko-KR" dirty="0" smtClean="0">
-                <a:latin typeface="배달의민족 주아" pitchFamily="18" charset="-127"/>
-                <a:ea typeface="배달의민족 주아" pitchFamily="18" charset="-127"/>
-              </a:rPr>
-              <a:t>Padding </a:t>
-            </a:r>
-            <a:r>
-              <a:rPr lang="ko-KR" altLang="en-US" dirty="0" smtClean="0">
-                <a:latin typeface="배달의민족 주아" pitchFamily="18" charset="-127"/>
-                <a:ea typeface="배달의민족 주아" pitchFamily="18" charset="-127"/>
-              </a:rPr>
-              <a:t>영역</a:t>
-            </a:r>
-            <a:endParaRPr lang="en-US" altLang="ko-KR" dirty="0" smtClean="0">
-              <a:latin typeface="배달의민족 주아" pitchFamily="18" charset="-127"/>
-              <a:ea typeface="배달의민족 주아" pitchFamily="18" charset="-127"/>
-            </a:endParaRPr>
-          </a:p>
-          <a:p>
-            <a:pPr algn="ctr"/>
-            <a:endParaRPr lang="en-US" altLang="ko-KR" dirty="0">
-              <a:latin typeface="배달의민족 주아" pitchFamily="18" charset="-127"/>
-              <a:ea typeface="배달의민족 주아" pitchFamily="18" charset="-127"/>
-            </a:endParaRPr>
-          </a:p>
-          <a:p>
-            <a:pPr algn="ctr"/>
-            <a:endParaRPr lang="en-US" altLang="ko-KR" dirty="0" smtClean="0">
-              <a:latin typeface="배달의민족 주아" pitchFamily="18" charset="-127"/>
-              <a:ea typeface="배달의민족 주아" pitchFamily="18" charset="-127"/>
-            </a:endParaRPr>
-          </a:p>
-          <a:p>
-            <a:pPr algn="ctr"/>
-            <a:endParaRPr lang="ko-KR" altLang="en-US" dirty="0">
-              <a:latin typeface="배달의민족 주아" pitchFamily="18" charset="-127"/>
-              <a:ea typeface="배달의민족 주아" pitchFamily="18" charset="-127"/>
-            </a:endParaRPr>
-          </a:p>
-        </p:txBody>
-      </p:sp>
-      <p:sp>
-        <p:nvSpPr>
-          <p:cNvPr id="3" name="TextBox 2"/>
-          <p:cNvSpPr txBox="1"/>
-          <p:nvPr/>
-        </p:nvSpPr>
-        <p:spPr>
-          <a:xfrm>
-            <a:off x="6948264" y="6093296"/>
-            <a:ext cx="1838965" cy="369332"/>
-          </a:xfrm>
-          <a:prstGeom prst="rect">
-            <a:avLst/>
-          </a:prstGeom>
-          <a:noFill/>
-        </p:spPr>
-        <p:txBody>
-          <a:bodyPr wrap="none" rtlCol="0">
-            <a:spAutoFit/>
-          </a:bodyPr>
-          <a:lstStyle>
-            <a:defPPr>
-              <a:defRPr lang="ko-KR"/>
-            </a:defPPr>
-            <a:lvl1pPr marL="0" algn="l" defTabSz="914400" rtl="0" eaLnBrk="1" latinLnBrk="1" hangingPunct="1">
-              <a:defRPr sz="1800" kern="1200">
-                <a:solidFill>
-                  <a:schemeClr val="tx1"/>
-                </a:solidFill>
-                <a:latin typeface="+mn-lt"/>
-                <a:ea typeface="+mn-ea"/>
-                <a:cs typeface="+mn-cs"/>
-              </a:defRPr>
-            </a:lvl1pPr>
-            <a:lvl2pPr marL="457200" algn="l" defTabSz="914400" rtl="0" eaLnBrk="1" latinLnBrk="1" hangingPunct="1">
-              <a:defRPr sz="1800" kern="1200">
-                <a:solidFill>
-                  <a:schemeClr val="tx1"/>
-                </a:solidFill>
-                <a:latin typeface="+mn-lt"/>
-                <a:ea typeface="+mn-ea"/>
-                <a:cs typeface="+mn-cs"/>
-              </a:defRPr>
-            </a:lvl2pPr>
-            <a:lvl3pPr marL="914400" algn="l" defTabSz="914400" rtl="0" eaLnBrk="1" latinLnBrk="1" hangingPunct="1">
-              <a:defRPr sz="1800" kern="1200">
-                <a:solidFill>
-                  <a:schemeClr val="tx1"/>
-                </a:solidFill>
-                <a:latin typeface="+mn-lt"/>
-                <a:ea typeface="+mn-ea"/>
-                <a:cs typeface="+mn-cs"/>
-              </a:defRPr>
-            </a:lvl3pPr>
-            <a:lvl4pPr marL="1371600" algn="l" defTabSz="914400" rtl="0" eaLnBrk="1" latinLnBrk="1" hangingPunct="1">
-              <a:defRPr sz="1800" kern="1200">
-                <a:solidFill>
-                  <a:schemeClr val="tx1"/>
-                </a:solidFill>
-                <a:latin typeface="+mn-lt"/>
-                <a:ea typeface="+mn-ea"/>
-                <a:cs typeface="+mn-cs"/>
-              </a:defRPr>
-            </a:lvl4pPr>
-            <a:lvl5pPr marL="1828800" algn="l" defTabSz="914400" rtl="0" eaLnBrk="1" latinLnBrk="1" hangingPunct="1">
-              <a:defRPr sz="1800" kern="1200">
-                <a:solidFill>
-                  <a:schemeClr val="tx1"/>
-                </a:solidFill>
-                <a:latin typeface="+mn-lt"/>
-                <a:ea typeface="+mn-ea"/>
-                <a:cs typeface="+mn-cs"/>
-              </a:defRPr>
-            </a:lvl5pPr>
-            <a:lvl6pPr marL="2286000" algn="l" defTabSz="914400" rtl="0" eaLnBrk="1" latinLnBrk="1" hangingPunct="1">
-              <a:defRPr sz="1800" kern="1200">
-                <a:solidFill>
-                  <a:schemeClr val="tx1"/>
-                </a:solidFill>
-                <a:latin typeface="+mn-lt"/>
-                <a:ea typeface="+mn-ea"/>
-                <a:cs typeface="+mn-cs"/>
-              </a:defRPr>
-            </a:lvl6pPr>
-            <a:lvl7pPr marL="2743200" algn="l" defTabSz="914400" rtl="0" eaLnBrk="1" latinLnBrk="1" hangingPunct="1">
-              <a:defRPr sz="1800" kern="1200">
-                <a:solidFill>
-                  <a:schemeClr val="tx1"/>
-                </a:solidFill>
-                <a:latin typeface="+mn-lt"/>
-                <a:ea typeface="+mn-ea"/>
-                <a:cs typeface="+mn-cs"/>
-              </a:defRPr>
-            </a:lvl7pPr>
-            <a:lvl8pPr marL="3200400" algn="l" defTabSz="914400" rtl="0" eaLnBrk="1" latinLnBrk="1" hangingPunct="1">
-              <a:defRPr sz="1800" kern="1200">
-                <a:solidFill>
-                  <a:schemeClr val="tx1"/>
-                </a:solidFill>
-                <a:latin typeface="+mn-lt"/>
-                <a:ea typeface="+mn-ea"/>
-                <a:cs typeface="+mn-cs"/>
-              </a:defRPr>
-            </a:lvl8pPr>
-            <a:lvl9pPr marL="3657600" algn="l" defTabSz="914400" rtl="0" eaLnBrk="1" latinLnBrk="1" hangingPunct="1">
-              <a:defRPr sz="1800" kern="1200">
-                <a:solidFill>
-                  <a:schemeClr val="tx1"/>
-                </a:solidFill>
-                <a:latin typeface="+mn-lt"/>
-                <a:ea typeface="+mn-ea"/>
-                <a:cs typeface="+mn-cs"/>
-              </a:defRPr>
-            </a:lvl9pPr>
-          </a:lstStyle>
-          <a:p>
-            <a:r>
-              <a:rPr lang="en-US" altLang="ko-KR" dirty="0" smtClean="0">
-                <a:solidFill>
-                  <a:schemeClr val="accent5"/>
-                </a:solidFill>
-                <a:latin typeface="배달의민족 도현" pitchFamily="50" charset="-127"/>
-                <a:ea typeface="배달의민족 도현" pitchFamily="50" charset="-127"/>
-              </a:rPr>
-              <a:t>S</a:t>
-            </a:r>
-            <a:r>
-              <a:rPr lang="en-US" altLang="ko-KR" dirty="0" smtClean="0">
-                <a:latin typeface="배달의민족 도현" pitchFamily="50" charset="-127"/>
-                <a:ea typeface="배달의민족 도현" pitchFamily="50" charset="-127"/>
-              </a:rPr>
-              <a:t>TART</a:t>
-            </a:r>
-            <a:r>
-              <a:rPr lang="en-US" altLang="ko-KR" dirty="0" smtClean="0">
-                <a:solidFill>
-                  <a:schemeClr val="accent5"/>
-                </a:solidFill>
-                <a:latin typeface="배달의민족 도현" pitchFamily="50" charset="-127"/>
-                <a:ea typeface="배달의민족 도현" pitchFamily="50" charset="-127"/>
-              </a:rPr>
-              <a:t>C</a:t>
-            </a:r>
-            <a:r>
-              <a:rPr lang="en-US" altLang="ko-KR" dirty="0" smtClean="0">
-                <a:latin typeface="배달의민족 도현" pitchFamily="50" charset="-127"/>
-                <a:ea typeface="배달의민족 도현" pitchFamily="50" charset="-127"/>
-              </a:rPr>
-              <a:t>ODING</a:t>
-            </a:r>
-            <a:endParaRPr lang="ko-KR" altLang="en-US" dirty="0">
-              <a:latin typeface="배달의민족 도현" pitchFamily="50" charset="-127"/>
-              <a:ea typeface="배달의민족 도현" pitchFamily="50" charset="-127"/>
-            </a:endParaRPr>
-          </a:p>
-        </p:txBody>
-      </p:sp>
-      <p:sp>
-        <p:nvSpPr>
-          <p:cNvPr id="5" name="TextBox 4"/>
-          <p:cNvSpPr txBox="1"/>
-          <p:nvPr/>
-        </p:nvSpPr>
-        <p:spPr>
-          <a:xfrm>
-            <a:off x="3275856" y="3145264"/>
-            <a:ext cx="2376264" cy="369332"/>
-          </a:xfrm>
-          <a:prstGeom prst="rect">
-            <a:avLst/>
-          </a:prstGeom>
-          <a:solidFill>
-            <a:schemeClr val="accent5">
-              <a:lumMod val="20000"/>
-              <a:lumOff val="80000"/>
-            </a:schemeClr>
-          </a:solidFill>
-        </p:spPr>
-        <p:txBody>
-          <a:bodyPr wrap="square" rtlCol="0">
-            <a:spAutoFit/>
-          </a:bodyPr>
-          <a:lstStyle/>
-          <a:p>
-            <a:pPr algn="ctr"/>
-            <a:r>
-              <a:rPr lang="en-US" altLang="ko-KR" dirty="0" smtClean="0">
-                <a:latin typeface="배달의민족 주아" pitchFamily="18" charset="-127"/>
-                <a:ea typeface="배달의민족 주아" pitchFamily="18" charset="-127"/>
-              </a:rPr>
-              <a:t>Content </a:t>
-            </a:r>
-            <a:r>
-              <a:rPr lang="ko-KR" altLang="en-US" dirty="0" smtClean="0">
-                <a:latin typeface="배달의민족 주아" pitchFamily="18" charset="-127"/>
-                <a:ea typeface="배달의민족 주아" pitchFamily="18" charset="-127"/>
-              </a:rPr>
-              <a:t>영역</a:t>
-            </a:r>
-            <a:endParaRPr lang="ko-KR" altLang="en-US" dirty="0">
-              <a:latin typeface="배달의민족 주아" pitchFamily="18" charset="-127"/>
-              <a:ea typeface="배달의민족 주아" pitchFamily="18" charset="-127"/>
-            </a:endParaRPr>
-          </a:p>
-        </p:txBody>
-      </p:sp>
-    </p:spTree>
-    <p:extLst>
-      <p:ext uri="{BB962C8B-B14F-4D97-AF65-F5344CB8AC3E}">
-        <p14:creationId xmlns:p14="http://schemas.microsoft.com/office/powerpoint/2010/main" val="3705268487"/>
-      </p:ext>
-    </p:extLst>
-  </p:cSld>
-  <p:clrMapOvr>
-    <a:masterClrMapping/>
-  </p:clrMapOvr>
-  <p:timing>
-    <p:tnLst>
-      <p:par>
-        <p:cTn id="1" dur="indefinite" restart="never" nodeType="tmRoot"/>
-      </p:par>
-    </p:tnLst>
-  </p:timing>
-</p:sld>
-</file>
-
-<file path=ppt/slides/slide5.xml><?xml version="1.0" encoding="utf-8"?>
-<p:sld xmlns:a="http://schemas.openxmlformats.org/drawingml/2006/main" xmlns:r="http://schemas.openxmlformats.org/officeDocument/2006/relationships" xmlns:p="http://schemas.openxmlformats.org/presentationml/2006/main">
-  <p:cSld>
-    <p:spTree>
-      <p:nvGrpSpPr>
-        <p:cNvPr id="1" name=""/>
-        <p:cNvGrpSpPr/>
-        <p:nvPr/>
-      </p:nvGrpSpPr>
-      <p:grpSpPr>
-        <a:xfrm>
-          <a:off x="0" y="0"/>
-          <a:ext cx="0" cy="0"/>
-          <a:chOff x="0" y="0"/>
-          <a:chExt cx="0" cy="0"/>
-        </a:xfrm>
-      </p:grpSpPr>
-      <p:sp>
-        <p:nvSpPr>
-          <p:cNvPr id="2" name="제목 1"/>
-          <p:cNvSpPr>
-            <a:spLocks noGrp="1"/>
-          </p:cNvSpPr>
-          <p:nvPr>
-            <p:ph type="ctrTitle"/>
-          </p:nvPr>
-        </p:nvSpPr>
-        <p:spPr/>
-        <p:txBody>
-          <a:bodyPr/>
-          <a:lstStyle/>
-          <a:p>
-            <a:r>
-              <a:rPr lang="en-US" altLang="ko-KR" dirty="0" smtClean="0">
-                <a:latin typeface="배달의민족 주아" pitchFamily="18" charset="-127"/>
-                <a:ea typeface="배달의민족 주아" pitchFamily="18" charset="-127"/>
-              </a:rPr>
-              <a:t>Content </a:t>
-            </a:r>
-            <a:r>
-              <a:rPr lang="ko-KR" altLang="en-US" dirty="0" smtClean="0">
-                <a:latin typeface="배달의민족 주아" pitchFamily="18" charset="-127"/>
-                <a:ea typeface="배달의민족 주아" pitchFamily="18" charset="-127"/>
-              </a:rPr>
-              <a:t>영역</a:t>
-            </a:r>
-            <a:endParaRPr lang="ko-KR" altLang="en-US" dirty="0">
-              <a:latin typeface="배달의민족 주아" pitchFamily="18" charset="-127"/>
-              <a:ea typeface="배달의민족 주아" pitchFamily="18" charset="-127"/>
-            </a:endParaRPr>
-          </a:p>
-        </p:txBody>
-      </p:sp>
-      <p:sp>
-        <p:nvSpPr>
-          <p:cNvPr id="3" name="TextBox 2"/>
-          <p:cNvSpPr txBox="1"/>
-          <p:nvPr/>
-        </p:nvSpPr>
-        <p:spPr>
-          <a:xfrm>
-            <a:off x="6948264" y="6093296"/>
-            <a:ext cx="1838965" cy="369332"/>
-          </a:xfrm>
-          <a:prstGeom prst="rect">
-            <a:avLst/>
-          </a:prstGeom>
-          <a:noFill/>
-        </p:spPr>
-        <p:txBody>
-          <a:bodyPr wrap="none" rtlCol="0">
-            <a:spAutoFit/>
-          </a:bodyPr>
-          <a:lstStyle>
-            <a:defPPr>
-              <a:defRPr lang="ko-KR"/>
-            </a:defPPr>
-            <a:lvl1pPr marL="0" algn="l" defTabSz="914400" rtl="0" eaLnBrk="1" latinLnBrk="1" hangingPunct="1">
-              <a:defRPr sz="1800" kern="1200">
-                <a:solidFill>
-                  <a:schemeClr val="tx1"/>
-                </a:solidFill>
-                <a:latin typeface="+mn-lt"/>
-                <a:ea typeface="+mn-ea"/>
-                <a:cs typeface="+mn-cs"/>
-              </a:defRPr>
-            </a:lvl1pPr>
-            <a:lvl2pPr marL="457200" algn="l" defTabSz="914400" rtl="0" eaLnBrk="1" latinLnBrk="1" hangingPunct="1">
-              <a:defRPr sz="1800" kern="1200">
-                <a:solidFill>
-                  <a:schemeClr val="tx1"/>
-                </a:solidFill>
-                <a:latin typeface="+mn-lt"/>
-                <a:ea typeface="+mn-ea"/>
-                <a:cs typeface="+mn-cs"/>
-              </a:defRPr>
-            </a:lvl2pPr>
-            <a:lvl3pPr marL="914400" algn="l" defTabSz="914400" rtl="0" eaLnBrk="1" latinLnBrk="1" hangingPunct="1">
-              <a:defRPr sz="1800" kern="1200">
-                <a:solidFill>
-                  <a:schemeClr val="tx1"/>
-                </a:solidFill>
-                <a:latin typeface="+mn-lt"/>
-                <a:ea typeface="+mn-ea"/>
-                <a:cs typeface="+mn-cs"/>
-              </a:defRPr>
-            </a:lvl3pPr>
-            <a:lvl4pPr marL="1371600" algn="l" defTabSz="914400" rtl="0" eaLnBrk="1" latinLnBrk="1" hangingPunct="1">
-              <a:defRPr sz="1800" kern="1200">
-                <a:solidFill>
-                  <a:schemeClr val="tx1"/>
-                </a:solidFill>
-                <a:latin typeface="+mn-lt"/>
-                <a:ea typeface="+mn-ea"/>
-                <a:cs typeface="+mn-cs"/>
-              </a:defRPr>
-            </a:lvl4pPr>
-            <a:lvl5pPr marL="1828800" algn="l" defTabSz="914400" rtl="0" eaLnBrk="1" latinLnBrk="1" hangingPunct="1">
-              <a:defRPr sz="1800" kern="1200">
-                <a:solidFill>
-                  <a:schemeClr val="tx1"/>
-                </a:solidFill>
-                <a:latin typeface="+mn-lt"/>
-                <a:ea typeface="+mn-ea"/>
-                <a:cs typeface="+mn-cs"/>
-              </a:defRPr>
-            </a:lvl5pPr>
-            <a:lvl6pPr marL="2286000" algn="l" defTabSz="914400" rtl="0" eaLnBrk="1" latinLnBrk="1" hangingPunct="1">
-              <a:defRPr sz="1800" kern="1200">
-                <a:solidFill>
-                  <a:schemeClr val="tx1"/>
-                </a:solidFill>
-                <a:latin typeface="+mn-lt"/>
-                <a:ea typeface="+mn-ea"/>
-                <a:cs typeface="+mn-cs"/>
-              </a:defRPr>
-            </a:lvl6pPr>
-            <a:lvl7pPr marL="2743200" algn="l" defTabSz="914400" rtl="0" eaLnBrk="1" latinLnBrk="1" hangingPunct="1">
-              <a:defRPr sz="1800" kern="1200">
-                <a:solidFill>
-                  <a:schemeClr val="tx1"/>
-                </a:solidFill>
-                <a:latin typeface="+mn-lt"/>
-                <a:ea typeface="+mn-ea"/>
-                <a:cs typeface="+mn-cs"/>
-              </a:defRPr>
-            </a:lvl7pPr>
-            <a:lvl8pPr marL="3200400" algn="l" defTabSz="914400" rtl="0" eaLnBrk="1" latinLnBrk="1" hangingPunct="1">
-              <a:defRPr sz="1800" kern="1200">
-                <a:solidFill>
-                  <a:schemeClr val="tx1"/>
-                </a:solidFill>
-                <a:latin typeface="+mn-lt"/>
-                <a:ea typeface="+mn-ea"/>
-                <a:cs typeface="+mn-cs"/>
-              </a:defRPr>
-            </a:lvl8pPr>
-            <a:lvl9pPr marL="3657600" algn="l" defTabSz="914400" rtl="0" eaLnBrk="1" latinLnBrk="1" hangingPunct="1">
-              <a:defRPr sz="1800" kern="1200">
-                <a:solidFill>
-                  <a:schemeClr val="tx1"/>
-                </a:solidFill>
-                <a:latin typeface="+mn-lt"/>
-                <a:ea typeface="+mn-ea"/>
-                <a:cs typeface="+mn-cs"/>
-              </a:defRPr>
-            </a:lvl9pPr>
-          </a:lstStyle>
-          <a:p>
-            <a:r>
-              <a:rPr lang="en-US" altLang="ko-KR" dirty="0" smtClean="0">
-                <a:solidFill>
-                  <a:schemeClr val="accent5"/>
-                </a:solidFill>
-                <a:latin typeface="배달의민족 도현" pitchFamily="50" charset="-127"/>
-                <a:ea typeface="배달의민족 도현" pitchFamily="50" charset="-127"/>
-              </a:rPr>
-              <a:t>S</a:t>
-            </a:r>
-            <a:r>
-              <a:rPr lang="en-US" altLang="ko-KR" dirty="0" smtClean="0">
-                <a:latin typeface="배달의민족 도현" pitchFamily="50" charset="-127"/>
-                <a:ea typeface="배달의민족 도현" pitchFamily="50" charset="-127"/>
-              </a:rPr>
-              <a:t>TART</a:t>
-            </a:r>
-            <a:r>
-              <a:rPr lang="en-US" altLang="ko-KR" dirty="0" smtClean="0">
-                <a:solidFill>
-                  <a:schemeClr val="accent5"/>
-                </a:solidFill>
-                <a:latin typeface="배달의민족 도현" pitchFamily="50" charset="-127"/>
-                <a:ea typeface="배달의민족 도현" pitchFamily="50" charset="-127"/>
-              </a:rPr>
-              <a:t>C</a:t>
-            </a:r>
-            <a:r>
-              <a:rPr lang="en-US" altLang="ko-KR" dirty="0" smtClean="0">
-                <a:latin typeface="배달의민족 도현" pitchFamily="50" charset="-127"/>
-                <a:ea typeface="배달의민족 도현" pitchFamily="50" charset="-127"/>
-              </a:rPr>
-              <a:t>ODING</a:t>
-            </a:r>
-            <a:endParaRPr lang="ko-KR" altLang="en-US" dirty="0">
-              <a:latin typeface="배달의민족 도현" pitchFamily="50" charset="-127"/>
-              <a:ea typeface="배달의민족 도현" pitchFamily="50" charset="-127"/>
-            </a:endParaRPr>
-          </a:p>
-        </p:txBody>
-      </p:sp>
-    </p:spTree>
-    <p:extLst>
-      <p:ext uri="{BB962C8B-B14F-4D97-AF65-F5344CB8AC3E}">
-        <p14:creationId xmlns:p14="http://schemas.microsoft.com/office/powerpoint/2010/main" val="3178951524"/>
-      </p:ext>
-    </p:extLst>
-  </p:cSld>
-  <p:clrMapOvr>
-    <a:masterClrMapping/>
-  </p:clrMapOvr>
-  <p:timing>
-    <p:tnLst>
-      <p:par>
-        <p:cTn id="1" dur="indefinite" restart="never" nodeType="tmRoot"/>
-      </p:par>
-    </p:tnLst>
-  </p:timing>
-</p:sld>
-</file>
-
-<file path=ppt/slides/slide6.xml><?xml version="1.0" encoding="utf-8"?>
-<p:sld xmlns:a="http://schemas.openxmlformats.org/drawingml/2006/main" xmlns:r="http://schemas.openxmlformats.org/officeDocument/2006/relationships" xmlns:p="http://schemas.openxmlformats.org/presentationml/2006/main">
-  <p:cSld>
-    <p:spTree>
-      <p:nvGrpSpPr>
-        <p:cNvPr id="1" name=""/>
-        <p:cNvGrpSpPr/>
-        <p:nvPr/>
-      </p:nvGrpSpPr>
-      <p:grpSpPr>
-        <a:xfrm>
-          <a:off x="0" y="0"/>
-          <a:ext cx="0" cy="0"/>
-          <a:chOff x="0" y="0"/>
-          <a:chExt cx="0" cy="0"/>
-        </a:xfrm>
-      </p:grpSpPr>
-      <p:sp>
-        <p:nvSpPr>
-          <p:cNvPr id="5" name="TextBox 2"/>
-          <p:cNvSpPr txBox="1"/>
-          <p:nvPr/>
-        </p:nvSpPr>
-        <p:spPr>
-          <a:xfrm>
-            <a:off x="6948264" y="6093296"/>
-            <a:ext cx="1838965" cy="369332"/>
-          </a:xfrm>
-          <a:prstGeom prst="rect">
-            <a:avLst/>
-          </a:prstGeom>
-          <a:noFill/>
-        </p:spPr>
-        <p:txBody>
-          <a:bodyPr wrap="none" rtlCol="0">
-            <a:spAutoFit/>
-          </a:bodyPr>
-          <a:lstStyle>
-            <a:defPPr>
-              <a:defRPr lang="ko-KR"/>
-            </a:defPPr>
-            <a:lvl1pPr marL="0" algn="l" defTabSz="914400" rtl="0" eaLnBrk="1" latinLnBrk="1" hangingPunct="1">
-              <a:defRPr sz="1800" kern="1200">
-                <a:solidFill>
-                  <a:schemeClr val="tx1"/>
-                </a:solidFill>
-                <a:latin typeface="+mn-lt"/>
-                <a:ea typeface="+mn-ea"/>
-                <a:cs typeface="+mn-cs"/>
-              </a:defRPr>
-            </a:lvl1pPr>
-            <a:lvl2pPr marL="457200" algn="l" defTabSz="914400" rtl="0" eaLnBrk="1" latinLnBrk="1" hangingPunct="1">
-              <a:defRPr sz="1800" kern="1200">
-                <a:solidFill>
-                  <a:schemeClr val="tx1"/>
-                </a:solidFill>
-                <a:latin typeface="+mn-lt"/>
-                <a:ea typeface="+mn-ea"/>
-                <a:cs typeface="+mn-cs"/>
-              </a:defRPr>
-            </a:lvl2pPr>
-            <a:lvl3pPr marL="914400" algn="l" defTabSz="914400" rtl="0" eaLnBrk="1" latinLnBrk="1" hangingPunct="1">
-              <a:defRPr sz="1800" kern="1200">
-                <a:solidFill>
-                  <a:schemeClr val="tx1"/>
-                </a:solidFill>
-                <a:latin typeface="+mn-lt"/>
-                <a:ea typeface="+mn-ea"/>
-                <a:cs typeface="+mn-cs"/>
-              </a:defRPr>
-            </a:lvl3pPr>
-            <a:lvl4pPr marL="1371600" algn="l" defTabSz="914400" rtl="0" eaLnBrk="1" latinLnBrk="1" hangingPunct="1">
-              <a:defRPr sz="1800" kern="1200">
-                <a:solidFill>
-                  <a:schemeClr val="tx1"/>
-                </a:solidFill>
-                <a:latin typeface="+mn-lt"/>
-                <a:ea typeface="+mn-ea"/>
-                <a:cs typeface="+mn-cs"/>
-              </a:defRPr>
-            </a:lvl4pPr>
-            <a:lvl5pPr marL="1828800" algn="l" defTabSz="914400" rtl="0" eaLnBrk="1" latinLnBrk="1" hangingPunct="1">
-              <a:defRPr sz="1800" kern="1200">
-                <a:solidFill>
-                  <a:schemeClr val="tx1"/>
-                </a:solidFill>
-                <a:latin typeface="+mn-lt"/>
-                <a:ea typeface="+mn-ea"/>
-                <a:cs typeface="+mn-cs"/>
-              </a:defRPr>
-            </a:lvl5pPr>
-            <a:lvl6pPr marL="2286000" algn="l" defTabSz="914400" rtl="0" eaLnBrk="1" latinLnBrk="1" hangingPunct="1">
-              <a:defRPr sz="1800" kern="1200">
-                <a:solidFill>
-                  <a:schemeClr val="tx1"/>
-                </a:solidFill>
-                <a:latin typeface="+mn-lt"/>
-                <a:ea typeface="+mn-ea"/>
-                <a:cs typeface="+mn-cs"/>
-              </a:defRPr>
-            </a:lvl6pPr>
-            <a:lvl7pPr marL="2743200" algn="l" defTabSz="914400" rtl="0" eaLnBrk="1" latinLnBrk="1" hangingPunct="1">
-              <a:defRPr sz="1800" kern="1200">
-                <a:solidFill>
-                  <a:schemeClr val="tx1"/>
-                </a:solidFill>
-                <a:latin typeface="+mn-lt"/>
-                <a:ea typeface="+mn-ea"/>
-                <a:cs typeface="+mn-cs"/>
-              </a:defRPr>
-            </a:lvl7pPr>
-            <a:lvl8pPr marL="3200400" algn="l" defTabSz="914400" rtl="0" eaLnBrk="1" latinLnBrk="1" hangingPunct="1">
-              <a:defRPr sz="1800" kern="1200">
-                <a:solidFill>
-                  <a:schemeClr val="tx1"/>
-                </a:solidFill>
-                <a:latin typeface="+mn-lt"/>
-                <a:ea typeface="+mn-ea"/>
-                <a:cs typeface="+mn-cs"/>
-              </a:defRPr>
-            </a:lvl8pPr>
-            <a:lvl9pPr marL="3657600" algn="l" defTabSz="914400" rtl="0" eaLnBrk="1" latinLnBrk="1" hangingPunct="1">
-              <a:defRPr sz="1800" kern="1200">
-                <a:solidFill>
-                  <a:schemeClr val="tx1"/>
-                </a:solidFill>
-                <a:latin typeface="+mn-lt"/>
-                <a:ea typeface="+mn-ea"/>
-                <a:cs typeface="+mn-cs"/>
-              </a:defRPr>
-            </a:lvl9pPr>
-          </a:lstStyle>
-          <a:p>
-            <a:r>
-              <a:rPr lang="en-US" altLang="ko-KR" dirty="0" smtClean="0">
-                <a:solidFill>
-                  <a:schemeClr val="accent5"/>
-                </a:solidFill>
-                <a:latin typeface="배달의민족 도현" pitchFamily="50" charset="-127"/>
-                <a:ea typeface="배달의민족 도현" pitchFamily="50" charset="-127"/>
-              </a:rPr>
-              <a:t>S</a:t>
-            </a:r>
-            <a:r>
-              <a:rPr lang="en-US" altLang="ko-KR" dirty="0" smtClean="0">
-                <a:latin typeface="배달의민족 도현" pitchFamily="50" charset="-127"/>
-                <a:ea typeface="배달의민족 도현" pitchFamily="50" charset="-127"/>
-              </a:rPr>
-              <a:t>TART</a:t>
-            </a:r>
-            <a:r>
-              <a:rPr lang="en-US" altLang="ko-KR" dirty="0" smtClean="0">
-                <a:solidFill>
-                  <a:schemeClr val="accent5"/>
-                </a:solidFill>
-                <a:latin typeface="배달의민족 도현" pitchFamily="50" charset="-127"/>
-                <a:ea typeface="배달의민족 도현" pitchFamily="50" charset="-127"/>
-              </a:rPr>
-              <a:t>C</a:t>
-            </a:r>
-            <a:r>
-              <a:rPr lang="en-US" altLang="ko-KR" dirty="0" smtClean="0">
-                <a:latin typeface="배달의민족 도현" pitchFamily="50" charset="-127"/>
-                <a:ea typeface="배달의민족 도현" pitchFamily="50" charset="-127"/>
-              </a:rPr>
-              <a:t>ODING</a:t>
-            </a:r>
-            <a:endParaRPr lang="ko-KR" altLang="en-US" dirty="0">
-              <a:latin typeface="배달의민족 도현" pitchFamily="50" charset="-127"/>
-              <a:ea typeface="배달의민족 도현" pitchFamily="50" charset="-127"/>
-            </a:endParaRPr>
-          </a:p>
-        </p:txBody>
-      </p:sp>
-      <p:sp>
-        <p:nvSpPr>
-          <p:cNvPr id="10" name="제목 1"/>
-          <p:cNvSpPr txBox="1">
-            <a:spLocks/>
-          </p:cNvSpPr>
-          <p:nvPr/>
-        </p:nvSpPr>
-        <p:spPr>
-          <a:xfrm>
-            <a:off x="755576" y="3573016"/>
-            <a:ext cx="7344816" cy="1080120"/>
-          </a:xfrm>
-          <a:prstGeom prst="rect">
-            <a:avLst/>
-          </a:prstGeom>
-        </p:spPr>
-        <p:txBody>
-          <a:bodyPr vert="horz" lIns="91440" tIns="45720" rIns="91440" bIns="45720" rtlCol="0" anchor="ctr">
-            <a:normAutofit/>
-          </a:bodyPr>
-          <a:lstStyle>
-            <a:lvl1pPr algn="ctr" defTabSz="914400" rtl="0" eaLnBrk="1" latinLnBrk="1" hangingPunct="1">
-              <a:spcBef>
-                <a:spcPct val="0"/>
-              </a:spcBef>
-              <a:buNone/>
-              <a:defRPr sz="4400" kern="1200">
-                <a:solidFill>
-                  <a:schemeClr val="tx1"/>
-                </a:solidFill>
-                <a:latin typeface="+mj-lt"/>
-                <a:ea typeface="+mj-ea"/>
-                <a:cs typeface="+mj-cs"/>
-              </a:defRPr>
-            </a:lvl1pPr>
-          </a:lstStyle>
-          <a:p>
-            <a:r>
-              <a:rPr lang="ko-KR" altLang="en-US" sz="2800" dirty="0" smtClean="0">
-                <a:latin typeface="배달의민족 주아" pitchFamily="18" charset="-127"/>
-                <a:ea typeface="배달의민족 주아" pitchFamily="18" charset="-127"/>
-              </a:rPr>
-              <a:t>텍스트나 </a:t>
-            </a:r>
-            <a:r>
-              <a:rPr lang="ko-KR" altLang="en-US" sz="2800" dirty="0" err="1" smtClean="0">
-                <a:latin typeface="배달의민족 주아" pitchFamily="18" charset="-127"/>
-                <a:ea typeface="배달의민족 주아" pitchFamily="18" charset="-127"/>
-              </a:rPr>
-              <a:t>이미지등의</a:t>
-            </a:r>
-            <a:r>
-              <a:rPr lang="ko-KR" altLang="en-US" sz="2800" dirty="0" smtClean="0">
-                <a:latin typeface="배달의민족 주아" pitchFamily="18" charset="-127"/>
-                <a:ea typeface="배달의민족 주아" pitchFamily="18" charset="-127"/>
-              </a:rPr>
-              <a:t> 실제 내용이 위치하는 영역 </a:t>
-            </a:r>
-            <a:endParaRPr lang="en-US" altLang="ko-KR" sz="2800" dirty="0" smtClean="0">
-              <a:latin typeface="배달의민족 주아" pitchFamily="18" charset="-127"/>
-              <a:ea typeface="배달의민족 주아" pitchFamily="18" charset="-127"/>
-            </a:endParaRPr>
-          </a:p>
-          <a:p>
-            <a:r>
-              <a:rPr lang="en-US" altLang="ko-KR" sz="2800" dirty="0" smtClean="0">
-                <a:solidFill>
-                  <a:schemeClr val="accent5"/>
-                </a:solidFill>
-                <a:latin typeface="배달의민족 주아" pitchFamily="18" charset="-127"/>
-                <a:ea typeface="배달의민족 주아" pitchFamily="18" charset="-127"/>
-              </a:rPr>
-              <a:t>width, height </a:t>
-            </a:r>
-            <a:r>
-              <a:rPr lang="ko-KR" altLang="en-US" sz="2800" dirty="0" smtClean="0">
-                <a:latin typeface="배달의민족 주아" pitchFamily="18" charset="-127"/>
-                <a:ea typeface="배달의민족 주아" pitchFamily="18" charset="-127"/>
-              </a:rPr>
-              <a:t>속성을 갖고 있다</a:t>
-            </a:r>
-            <a:r>
-              <a:rPr lang="en-US" altLang="ko-KR" sz="2800" dirty="0" smtClean="0">
-                <a:latin typeface="배달의민족 주아" pitchFamily="18" charset="-127"/>
-                <a:ea typeface="배달의민족 주아" pitchFamily="18" charset="-127"/>
-              </a:rPr>
-              <a:t>.</a:t>
-            </a:r>
-          </a:p>
-        </p:txBody>
-      </p:sp>
-      <p:sp>
-        <p:nvSpPr>
-          <p:cNvPr id="11" name="TextBox 10"/>
-          <p:cNvSpPr txBox="1"/>
-          <p:nvPr/>
-        </p:nvSpPr>
-        <p:spPr>
-          <a:xfrm>
-            <a:off x="3239852" y="2780928"/>
-            <a:ext cx="2376264" cy="369332"/>
-          </a:xfrm>
-          <a:prstGeom prst="rect">
-            <a:avLst/>
-          </a:prstGeom>
-          <a:solidFill>
-            <a:schemeClr val="accent5">
-              <a:lumMod val="20000"/>
-              <a:lumOff val="80000"/>
-            </a:schemeClr>
-          </a:solidFill>
-        </p:spPr>
-        <p:txBody>
-          <a:bodyPr wrap="square" rtlCol="0">
-            <a:spAutoFit/>
-          </a:bodyPr>
-          <a:lstStyle/>
-          <a:p>
-            <a:pPr algn="ctr"/>
-            <a:r>
-              <a:rPr lang="en-US" altLang="ko-KR" dirty="0" smtClean="0">
-                <a:latin typeface="배달의민족 주아" pitchFamily="18" charset="-127"/>
-                <a:ea typeface="배달의민족 주아" pitchFamily="18" charset="-127"/>
-              </a:rPr>
-              <a:t>Content </a:t>
-            </a:r>
-            <a:r>
-              <a:rPr lang="ko-KR" altLang="en-US" dirty="0" smtClean="0">
-                <a:latin typeface="배달의민족 주아" pitchFamily="18" charset="-127"/>
-                <a:ea typeface="배달의민족 주아" pitchFamily="18" charset="-127"/>
-              </a:rPr>
-              <a:t>영역</a:t>
-            </a:r>
-            <a:endParaRPr lang="ko-KR" altLang="en-US" dirty="0">
-              <a:latin typeface="배달의민족 주아" pitchFamily="18" charset="-127"/>
-              <a:ea typeface="배달의민족 주아" pitchFamily="18" charset="-127"/>
-            </a:endParaRPr>
-          </a:p>
-        </p:txBody>
-      </p:sp>
-    </p:spTree>
-    <p:extLst>
-      <p:ext uri="{BB962C8B-B14F-4D97-AF65-F5344CB8AC3E}">
-        <p14:creationId xmlns:p14="http://schemas.microsoft.com/office/powerpoint/2010/main" val="1499166669"/>
-      </p:ext>
-    </p:extLst>
-  </p:cSld>
-  <p:clrMapOvr>
-    <a:masterClrMapping/>
-  </p:clrMapOvr>
-  <p:timing>
-    <p:tnLst>
-      <p:par>
-        <p:cTn id="1" dur="indefinite" restart="never" nodeType="tmRoot">
-          <p:childTnLst>
-            <p:seq concurrent="1" nextAc="seek">
-              <p:cTn id="2" dur="indefinite" nodeType="mainSeq">
-                <p:childTnLst>
-                  <p:par>
-                    <p:cTn id="3" fill="hold">
-                      <p:stCondLst>
-                        <p:cond delay="indefinite"/>
-                      </p:stCondLst>
-                      <p:childTnLst>
-                        <p:par>
-                          <p:cTn id="4" fill="hold">
-                            <p:stCondLst>
-                              <p:cond delay="0"/>
-                            </p:stCondLst>
-                            <p:childTnLst>
-                              <p:par>
-                                <p:cTn id="5" presetID="10" presetClass="entr" presetSubtype="0" fill="hold" grpId="0" nodeType="clickEffect">
-                                  <p:stCondLst>
-                                    <p:cond delay="0"/>
-                                  </p:stCondLst>
-                                  <p:childTnLst>
-                                    <p:set>
-                                      <p:cBhvr>
-                                        <p:cTn id="6" dur="1" fill="hold">
-                                          <p:stCondLst>
-                                            <p:cond delay="0"/>
-                                          </p:stCondLst>
-                                        </p:cTn>
-                                        <p:tgtEl>
-                                          <p:spTgt spid="10"/>
-                                        </p:tgtEl>
-                                        <p:attrNameLst>
-                                          <p:attrName>style.visibility</p:attrName>
-                                        </p:attrNameLst>
-                                      </p:cBhvr>
-                                      <p:to>
-                                        <p:strVal val="visible"/>
-                                      </p:to>
-                                    </p:set>
-                                    <p:animEffect transition="in" filter="fade">
-                                      <p:cBhvr>
-                                        <p:cTn id="7" dur="500"/>
-                                        <p:tgtEl>
-                                          <p:spTgt spid="10"/>
-                                        </p:tgtEl>
-                                      </p:cBhvr>
-                                    </p:animEffect>
-                                  </p:childTnLst>
-                                </p:cTn>
-                              </p:par>
-                            </p:childTnLst>
-                          </p:cTn>
-                        </p:par>
-                      </p:childTnLst>
-                    </p:cTn>
-                  </p:par>
-                </p:childTnLst>
-              </p:cTn>
-              <p:prevCondLst>
-                <p:cond evt="onPrev" delay="0">
-                  <p:tgtEl>
-                    <p:sldTgt/>
-                  </p:tgtEl>
-                </p:cond>
-              </p:prevCondLst>
-              <p:nextCondLst>
-                <p:cond evt="onNext" delay="0">
-                  <p:tgtEl>
-                    <p:sldTgt/>
-                  </p:tgtEl>
-                </p:cond>
-              </p:nextCondLst>
-            </p:seq>
-          </p:childTnLst>
-        </p:cTn>
-      </p:par>
-    </p:tnLst>
-    <p:bldLst>
-      <p:bldP spid="10" grpId="0"/>
-    </p:bldLst>
-  </p:timing>
-</p:sld>
-</file>
-
 <file path=ppt/slides/slide7.xml><?xml version="1.0" encoding="utf-8"?>
 <p:sld xmlns:a="http://schemas.openxmlformats.org/drawingml/2006/main" xmlns:r="http://schemas.openxmlformats.org/officeDocument/2006/relationships" xmlns:p="http://schemas.openxmlformats.org/presentationml/2006/main">
   <p:cSld>
@@ -10190,24 +10090,246 @@
       </p:grpSpPr>
       <p:sp>
         <p:nvSpPr>
-          <p:cNvPr id="2" name="제목 1"/>
-          <p:cNvSpPr>
-            <a:spLocks noGrp="1"/>
-          </p:cNvSpPr>
-          <p:nvPr>
-            <p:ph type="ctrTitle"/>
-          </p:nvPr>
-        </p:nvSpPr>
-        <p:spPr/>
-        <p:txBody>
-          <a:bodyPr/>
+          <p:cNvPr id="8" name="TextBox 7"/>
+          <p:cNvSpPr txBox="1"/>
+          <p:nvPr/>
+        </p:nvSpPr>
+        <p:spPr>
+          <a:xfrm>
+            <a:off x="2267744" y="1585823"/>
+            <a:ext cx="4392488" cy="3139321"/>
+          </a:xfrm>
+          <a:prstGeom prst="rect">
+            <a:avLst/>
+          </a:prstGeom>
+          <a:solidFill>
+            <a:schemeClr val="accent5">
+              <a:lumMod val="75000"/>
+            </a:schemeClr>
+          </a:solidFill>
+        </p:spPr>
+        <p:txBody>
+          <a:bodyPr wrap="square" rtlCol="0">
+            <a:spAutoFit/>
+          </a:bodyPr>
           <a:lstStyle/>
           <a:p>
+            <a:pPr algn="ctr"/>
             <a:r>
               <a:rPr lang="en-US" altLang="ko-KR" dirty="0" smtClean="0">
                 <a:latin typeface="배달의민족 주아" pitchFamily="18" charset="-127"/>
                 <a:ea typeface="배달의민족 주아" pitchFamily="18" charset="-127"/>
               </a:rPr>
+              <a:t>margin  </a:t>
+            </a:r>
+            <a:r>
+              <a:rPr lang="ko-KR" altLang="en-US" dirty="0" smtClean="0">
+                <a:latin typeface="배달의민족 주아" pitchFamily="18" charset="-127"/>
+                <a:ea typeface="배달의민족 주아" pitchFamily="18" charset="-127"/>
+              </a:rPr>
+              <a:t>영역</a:t>
+            </a:r>
+            <a:endParaRPr lang="en-US" altLang="ko-KR" dirty="0" smtClean="0">
+              <a:latin typeface="배달의민족 주아" pitchFamily="18" charset="-127"/>
+              <a:ea typeface="배달의민족 주아" pitchFamily="18" charset="-127"/>
+            </a:endParaRPr>
+          </a:p>
+          <a:p>
+            <a:pPr algn="ctr"/>
+            <a:endParaRPr lang="en-US" altLang="ko-KR" dirty="0">
+              <a:latin typeface="배달의민족 주아" pitchFamily="18" charset="-127"/>
+              <a:ea typeface="배달의민족 주아" pitchFamily="18" charset="-127"/>
+            </a:endParaRPr>
+          </a:p>
+          <a:p>
+            <a:pPr algn="ctr"/>
+            <a:endParaRPr lang="en-US" altLang="ko-KR" dirty="0" smtClean="0">
+              <a:latin typeface="배달의민족 주아" pitchFamily="18" charset="-127"/>
+              <a:ea typeface="배달의민족 주아" pitchFamily="18" charset="-127"/>
+            </a:endParaRPr>
+          </a:p>
+          <a:p>
+            <a:pPr algn="ctr"/>
+            <a:endParaRPr lang="en-US" altLang="ko-KR" dirty="0">
+              <a:latin typeface="배달의민족 주아" pitchFamily="18" charset="-127"/>
+              <a:ea typeface="배달의민족 주아" pitchFamily="18" charset="-127"/>
+            </a:endParaRPr>
+          </a:p>
+          <a:p>
+            <a:pPr algn="ctr"/>
+            <a:endParaRPr lang="en-US" altLang="ko-KR" dirty="0" smtClean="0">
+              <a:latin typeface="배달의민족 주아" pitchFamily="18" charset="-127"/>
+              <a:ea typeface="배달의민족 주아" pitchFamily="18" charset="-127"/>
+            </a:endParaRPr>
+          </a:p>
+          <a:p>
+            <a:pPr algn="ctr"/>
+            <a:endParaRPr lang="en-US" altLang="ko-KR" dirty="0">
+              <a:latin typeface="배달의민족 주아" pitchFamily="18" charset="-127"/>
+              <a:ea typeface="배달의민족 주아" pitchFamily="18" charset="-127"/>
+            </a:endParaRPr>
+          </a:p>
+          <a:p>
+            <a:pPr algn="ctr"/>
+            <a:endParaRPr lang="en-US" altLang="ko-KR" dirty="0" smtClean="0">
+              <a:latin typeface="배달의민족 주아" pitchFamily="18" charset="-127"/>
+              <a:ea typeface="배달의민족 주아" pitchFamily="18" charset="-127"/>
+            </a:endParaRPr>
+          </a:p>
+          <a:p>
+            <a:pPr algn="ctr"/>
+            <a:endParaRPr lang="en-US" altLang="ko-KR" dirty="0" smtClean="0">
+              <a:latin typeface="배달의민족 주아" pitchFamily="18" charset="-127"/>
+              <a:ea typeface="배달의민족 주아" pitchFamily="18" charset="-127"/>
+            </a:endParaRPr>
+          </a:p>
+          <a:p>
+            <a:pPr algn="ctr"/>
+            <a:endParaRPr lang="en-US" altLang="ko-KR" dirty="0">
+              <a:latin typeface="배달의민족 주아" pitchFamily="18" charset="-127"/>
+              <a:ea typeface="배달의민족 주아" pitchFamily="18" charset="-127"/>
+            </a:endParaRPr>
+          </a:p>
+          <a:p>
+            <a:pPr algn="ctr"/>
+            <a:endParaRPr lang="en-US" altLang="ko-KR" dirty="0" smtClean="0">
+              <a:latin typeface="배달의민족 주아" pitchFamily="18" charset="-127"/>
+              <a:ea typeface="배달의민족 주아" pitchFamily="18" charset="-127"/>
+            </a:endParaRPr>
+          </a:p>
+          <a:p>
+            <a:pPr algn="ctr"/>
+            <a:endParaRPr lang="en-US" altLang="ko-KR" dirty="0">
+              <a:latin typeface="배달의민족 주아" pitchFamily="18" charset="-127"/>
+              <a:ea typeface="배달의민족 주아" pitchFamily="18" charset="-127"/>
+            </a:endParaRPr>
+          </a:p>
+        </p:txBody>
+      </p:sp>
+      <p:sp>
+        <p:nvSpPr>
+          <p:cNvPr id="7" name="TextBox 6"/>
+          <p:cNvSpPr txBox="1"/>
+          <p:nvPr/>
+        </p:nvSpPr>
+        <p:spPr>
+          <a:xfrm>
+            <a:off x="2591780" y="2129601"/>
+            <a:ext cx="3744416" cy="2031325"/>
+          </a:xfrm>
+          <a:prstGeom prst="rect">
+            <a:avLst/>
+          </a:prstGeom>
+          <a:solidFill>
+            <a:schemeClr val="accent5">
+              <a:lumMod val="60000"/>
+              <a:lumOff val="40000"/>
+            </a:schemeClr>
+          </a:solidFill>
+        </p:spPr>
+        <p:txBody>
+          <a:bodyPr wrap="square" rtlCol="0">
+            <a:spAutoFit/>
+          </a:bodyPr>
+          <a:lstStyle/>
+          <a:p>
+            <a:pPr algn="ctr"/>
+            <a:r>
+              <a:rPr lang="en-US" altLang="ko-KR" dirty="0" smtClean="0">
+                <a:latin typeface="배달의민족 주아" pitchFamily="18" charset="-127"/>
+                <a:ea typeface="배달의민족 주아" pitchFamily="18" charset="-127"/>
+              </a:rPr>
+              <a:t>border </a:t>
+            </a:r>
+            <a:r>
+              <a:rPr lang="ko-KR" altLang="en-US" dirty="0" smtClean="0">
+                <a:latin typeface="배달의민족 주아" pitchFamily="18" charset="-127"/>
+                <a:ea typeface="배달의민족 주아" pitchFamily="18" charset="-127"/>
+              </a:rPr>
+              <a:t>영역</a:t>
+            </a:r>
+            <a:endParaRPr lang="en-US" altLang="ko-KR" dirty="0" smtClean="0">
+              <a:latin typeface="배달의민족 주아" pitchFamily="18" charset="-127"/>
+              <a:ea typeface="배달의민족 주아" pitchFamily="18" charset="-127"/>
+            </a:endParaRPr>
+          </a:p>
+          <a:p>
+            <a:pPr algn="ctr"/>
+            <a:endParaRPr lang="en-US" altLang="ko-KR" dirty="0">
+              <a:latin typeface="배달의민족 주아" pitchFamily="18" charset="-127"/>
+              <a:ea typeface="배달의민족 주아" pitchFamily="18" charset="-127"/>
+            </a:endParaRPr>
+          </a:p>
+          <a:p>
+            <a:pPr algn="ctr"/>
+            <a:endParaRPr lang="en-US" altLang="ko-KR" dirty="0" smtClean="0">
+              <a:latin typeface="배달의민족 주아" pitchFamily="18" charset="-127"/>
+              <a:ea typeface="배달의민족 주아" pitchFamily="18" charset="-127"/>
+            </a:endParaRPr>
+          </a:p>
+          <a:p>
+            <a:pPr algn="ctr"/>
+            <a:endParaRPr lang="en-US" altLang="ko-KR" dirty="0">
+              <a:latin typeface="배달의민족 주아" pitchFamily="18" charset="-127"/>
+              <a:ea typeface="배달의민족 주아" pitchFamily="18" charset="-127"/>
+            </a:endParaRPr>
+          </a:p>
+          <a:p>
+            <a:pPr algn="ctr"/>
+            <a:endParaRPr lang="en-US" altLang="ko-KR" dirty="0" smtClean="0">
+              <a:latin typeface="배달의민족 주아" pitchFamily="18" charset="-127"/>
+              <a:ea typeface="배달의민족 주아" pitchFamily="18" charset="-127"/>
+            </a:endParaRPr>
+          </a:p>
+          <a:p>
+            <a:pPr algn="ctr"/>
+            <a:endParaRPr lang="en-US" altLang="ko-KR" dirty="0">
+              <a:latin typeface="배달의민족 주아" pitchFamily="18" charset="-127"/>
+              <a:ea typeface="배달의민족 주아" pitchFamily="18" charset="-127"/>
+            </a:endParaRPr>
+          </a:p>
+          <a:p>
+            <a:pPr algn="ctr"/>
+            <a:endParaRPr lang="en-US" altLang="ko-KR" dirty="0" smtClean="0">
+              <a:latin typeface="배달의민족 주아" pitchFamily="18" charset="-127"/>
+              <a:ea typeface="배달의민족 주아" pitchFamily="18" charset="-127"/>
+            </a:endParaRPr>
+          </a:p>
+        </p:txBody>
+      </p:sp>
+      <p:sp>
+        <p:nvSpPr>
+          <p:cNvPr id="6" name="TextBox 5"/>
+          <p:cNvSpPr txBox="1"/>
+          <p:nvPr/>
+        </p:nvSpPr>
+        <p:spPr>
+          <a:xfrm>
+            <a:off x="2915816" y="2593935"/>
+            <a:ext cx="3096344" cy="1200329"/>
+          </a:xfrm>
+          <a:prstGeom prst="rect">
+            <a:avLst/>
+          </a:prstGeom>
+          <a:solidFill>
+            <a:schemeClr val="accent5">
+              <a:lumMod val="40000"/>
+              <a:lumOff val="60000"/>
+            </a:schemeClr>
+          </a:solidFill>
+        </p:spPr>
+        <p:txBody>
+          <a:bodyPr wrap="square" rtlCol="0">
+            <a:spAutoFit/>
+          </a:bodyPr>
+          <a:lstStyle/>
+          <a:p>
+            <a:pPr algn="ctr"/>
+            <a:r>
+              <a:rPr lang="en-US" altLang="ko-KR" dirty="0" smtClean="0">
+                <a:latin typeface="배달의민족 주아" pitchFamily="18" charset="-127"/>
+                <a:ea typeface="배달의민족 주아" pitchFamily="18" charset="-127"/>
+              </a:rPr>
               <a:t>Padding </a:t>
             </a:r>
             <a:r>
@@ -10217,6 +10339,27 @@
               </a:rPr>
               <a:t>영역</a:t>
             </a:r>
+            <a:endParaRPr lang="en-US" altLang="ko-KR" dirty="0" smtClean="0">
+              <a:latin typeface="배달의민족 주아" pitchFamily="18" charset="-127"/>
+              <a:ea typeface="배달의민족 주아" pitchFamily="18" charset="-127"/>
+            </a:endParaRPr>
+          </a:p>
+          <a:p>
+            <a:pPr algn="ctr"/>
+            <a:endParaRPr lang="en-US" altLang="ko-KR" dirty="0">
+              <a:latin typeface="배달의민족 주아" pitchFamily="18" charset="-127"/>
+              <a:ea typeface="배달의민족 주아" pitchFamily="18" charset="-127"/>
+            </a:endParaRPr>
+          </a:p>
+          <a:p>
+            <a:pPr algn="ctr"/>
+            <a:endParaRPr lang="en-US" altLang="ko-KR" dirty="0" smtClean="0">
+              <a:latin typeface="배달의민족 주아" pitchFamily="18" charset="-127"/>
+              <a:ea typeface="배달의민족 주아" pitchFamily="18" charset="-127"/>
+            </a:endParaRPr>
+          </a:p>
+          <a:p>
+            <a:pPr algn="ctr"/>
             <a:endParaRPr lang="ko-KR" altLang="en-US" dirty="0">
               <a:latin typeface="배달의민족 주아" pitchFamily="18" charset="-127"/>
               <a:ea typeface="배달의민족 주아" pitchFamily="18" charset="-127"/>
@@ -10381,10 +10524,59 @@
           </a:p>
         </p:txBody>
       </p:sp>
+      <p:sp>
+        <p:nvSpPr>
+          <p:cNvPr id="5" name="TextBox 4"/>
+          <p:cNvSpPr txBox="1"/>
+          <p:nvPr/>
+        </p:nvSpPr>
+        <p:spPr>
+          <a:xfrm>
+            <a:off x="3275856" y="3145264"/>
+            <a:ext cx="2376264" cy="369332"/>
+          </a:xfrm>
+          <a:prstGeom prst="rect">
+            <a:avLst/>
+          </a:prstGeom>
+          <a:solidFill>
+            <a:schemeClr val="accent5">
+              <a:lumMod val="20000"/>
+              <a:lumOff val="80000"/>
+            </a:schemeClr>
+          </a:solidFill>
+        </p:spPr>
+        <p:txBody>
+          <a:bodyPr wrap="square" rtlCol="0">
+            <a:spAutoFit/>
+          </a:bodyPr>
+          <a:lstStyle/>
+          <a:p>
+            <a:pPr algn="ctr"/>
+            <a:r>
+              <a:rPr lang="en-US" altLang="ko-KR" dirty="0" smtClean="0">
+                <a:latin typeface="배달의민족 주아" pitchFamily="18" charset="-127"/>
+                <a:ea typeface="배달의민족 주아" pitchFamily="18" charset="-127"/>
+              </a:rPr>
+              <a:t>Content </a:t>
+            </a:r>
+            <a:r>
+              <a:rPr lang="ko-KR" altLang="en-US" dirty="0" smtClean="0">
+                <a:latin typeface="배달의민족 주아" pitchFamily="18" charset="-127"/>
+                <a:ea typeface="배달의민족 주아" pitchFamily="18" charset="-127"/>
+              </a:rPr>
+              <a:t>영역</a:t>
+            </a:r>
+            <a:endParaRPr lang="ko-KR" altLang="en-US" dirty="0">
+              <a:latin typeface="배달의민족 주아" pitchFamily="18" charset="-127"/>
+              <a:ea typeface="배달의민족 주아" pitchFamily="18" charset="-127"/>
+            </a:endParaRPr>
+          </a:p>
+        </p:txBody>
+      </p:sp>
     </p:spTree>
     <p:extLst>
       <p:ext uri="{BB962C8B-B14F-4D97-AF65-F5344CB8AC3E}">
-        <p14:creationId xmlns:p14="http://schemas.microsoft.com/office/powerpoint/2010/main" val="640116924"/>
+        <p14:creationId xmlns:p14="http://schemas.microsoft.com/office/powerpoint/2010/main" val="3705268487"/>
       </p:ext>
     </p:extLst>
   </p:cSld>
@@ -10585,7 +10777,7 @@
         </p:nvSpPr>
         <p:spPr>
           <a:xfrm>
-            <a:off x="755576" y="3717032"/>
+            <a:off x="755576" y="3573016"/>
             <a:ext cx="7344816" cy="1080120"/>
           </a:xfrm>
           <a:prstGeom prst="rect">
@@ -10594,7 +10786,7 @@
         </p:spPr>
         <p:txBody>
           <a:bodyPr vert="horz" lIns="91440" tIns="45720" rIns="91440" bIns="45720" rtlCol="0" anchor="ctr">
-            <a:normAutofit fontScale="70000" lnSpcReduction="20000"/>
+            <a:normAutofit/>
           </a:bodyPr>
           <a:lstStyle>
             <a:lvl1pPr algn="ctr" defTabSz="914400" rtl="0" eaLnBrk="1" latinLnBrk="1" hangingPunct="1">
@@ -10614,193 +10806,68 @@
           </a:lstStyle>
           <a:p>
             <a:r>
-              <a:rPr lang="ko-KR" altLang="en-US" sz="3600" dirty="0" smtClean="0">
-                <a:latin typeface="배달의민족 주아" pitchFamily="18" charset="-127"/>
-                <a:ea typeface="배달의민족 주아" pitchFamily="18" charset="-127"/>
-              </a:rPr>
-              <a:t>내부 여백 영역</a:t>
-            </a:r>
-            <a:r>
-              <a:rPr lang="en-US" altLang="ko-KR" sz="3600" dirty="0">
-                <a:latin typeface="배달의민족 주아" pitchFamily="18" charset="-127"/>
-                <a:ea typeface="배달의민족 주아" pitchFamily="18" charset="-127"/>
-              </a:rPr>
-              <a:t> </a:t>
-            </a:r>
-            <a:endParaRPr lang="en-US" altLang="ko-KR" sz="3600" dirty="0" smtClean="0">
+              <a:rPr lang="ko-KR" altLang="en-US" sz="2800" dirty="0" smtClean="0">
+                <a:latin typeface="배달의민족 주아" pitchFamily="18" charset="-127"/>
+                <a:ea typeface="배달의민족 주아" pitchFamily="18" charset="-127"/>
+              </a:rPr>
+              <a:t>텍스트나 </a:t>
+            </a:r>
+            <a:r>
+              <a:rPr lang="ko-KR" altLang="en-US" sz="2800" dirty="0" err="1" smtClean="0">
+                <a:latin typeface="배달의민족 주아" pitchFamily="18" charset="-127"/>
+                <a:ea typeface="배달의민족 주아" pitchFamily="18" charset="-127"/>
+              </a:rPr>
+              <a:t>이미지등의</a:t>
+            </a:r>
+            <a:r>
+              <a:rPr lang="ko-KR" altLang="en-US" sz="2800" dirty="0" smtClean="0">
+                <a:latin typeface="배달의민족 주아" pitchFamily="18" charset="-127"/>
+                <a:ea typeface="배달의민족 주아" pitchFamily="18" charset="-127"/>
+              </a:rPr>
+              <a:t> 실제 내용이 위치하는 영역 </a:t>
+            </a:r>
+            <a:endParaRPr lang="en-US" altLang="ko-KR" sz="2800" dirty="0" smtClean="0">
               <a:latin typeface="배달의민족 주아" pitchFamily="18" charset="-127"/>
               <a:ea typeface="배달의민족 주아" pitchFamily="18" charset="-127"/>
             </a:endParaRPr>
           </a:p>
           <a:p>
             <a:r>
-              <a:rPr lang="en-US" altLang="ko-KR" sz="3600" dirty="0" smtClean="0">
-                <a:latin typeface="배달의민족 주아" pitchFamily="18" charset="-127"/>
-                <a:ea typeface="배달의민족 주아" pitchFamily="18" charset="-127"/>
-              </a:rPr>
-              <a:t>content</a:t>
-            </a:r>
-            <a:r>
-              <a:rPr lang="ko-KR" altLang="en-US" sz="3600" dirty="0" smtClean="0">
-                <a:latin typeface="배달의민족 주아" pitchFamily="18" charset="-127"/>
-                <a:ea typeface="배달의민족 주아" pitchFamily="18" charset="-127"/>
-              </a:rPr>
-              <a:t>와의 </a:t>
-            </a:r>
-            <a:r>
-              <a:rPr lang="ko-KR" altLang="en-US" sz="3600" dirty="0" smtClean="0">
+              <a:rPr lang="en-US" altLang="ko-KR" sz="2800" dirty="0" smtClean="0">
                 <a:solidFill>
                   <a:schemeClr val="accent5"/>
                 </a:solidFill>
                 <a:latin typeface="배달의민족 주아" pitchFamily="18" charset="-127"/>
                 <a:ea typeface="배달의민족 주아" pitchFamily="18" charset="-127"/>
               </a:rPr>
-              <a:t>간격</a:t>
-            </a:r>
-            <a:r>
-              <a:rPr lang="ko-KR" altLang="en-US" sz="3600" dirty="0" smtClean="0">
-                <a:latin typeface="배달의민족 주아" pitchFamily="18" charset="-127"/>
-                <a:ea typeface="배달의민족 주아" pitchFamily="18" charset="-127"/>
-              </a:rPr>
-              <a:t>을 조절하기 위해서 사용</a:t>
-            </a:r>
-            <a:r>
-              <a:rPr lang="en-US" altLang="ko-KR" sz="3600" dirty="0" smtClean="0">
-                <a:latin typeface="배달의민족 주아" pitchFamily="18" charset="-127"/>
-                <a:ea typeface="배달의민족 주아" pitchFamily="18" charset="-127"/>
-              </a:rPr>
-              <a:t>. </a:t>
-            </a:r>
-            <a:endParaRPr lang="en-US" altLang="ko-KR" sz="3600" dirty="0">
-              <a:latin typeface="배달의민족 주아" pitchFamily="18" charset="-127"/>
-              <a:ea typeface="배달의민족 주아" pitchFamily="18" charset="-127"/>
-            </a:endParaRPr>
-          </a:p>
-          <a:p>
-            <a:r>
-              <a:rPr lang="ko-KR" altLang="en-US" sz="3600" dirty="0" smtClean="0">
-                <a:latin typeface="배달의민족 주아" pitchFamily="18" charset="-127"/>
-                <a:ea typeface="배달의민족 주아" pitchFamily="18" charset="-127"/>
-              </a:rPr>
-              <a:t>배경색</a:t>
-            </a:r>
-            <a:r>
-              <a:rPr lang="en-US" altLang="ko-KR" sz="3600" dirty="0" smtClean="0">
-                <a:latin typeface="배달의민족 주아" pitchFamily="18" charset="-127"/>
-                <a:ea typeface="배달의민족 주아" pitchFamily="18" charset="-127"/>
-              </a:rPr>
-              <a:t>, </a:t>
-            </a:r>
-            <a:r>
-              <a:rPr lang="ko-KR" altLang="en-US" sz="3600" dirty="0" smtClean="0">
-                <a:latin typeface="배달의민족 주아" pitchFamily="18" charset="-127"/>
-                <a:ea typeface="배달의민족 주아" pitchFamily="18" charset="-127"/>
-              </a:rPr>
-              <a:t>이미지는 </a:t>
-            </a:r>
-            <a:r>
-              <a:rPr lang="en-US" altLang="ko-KR" sz="3600" dirty="0" smtClean="0">
-                <a:latin typeface="배달의민족 주아" pitchFamily="18" charset="-127"/>
-                <a:ea typeface="배달의민족 주아" pitchFamily="18" charset="-127"/>
-              </a:rPr>
-              <a:t>Padding </a:t>
-            </a:r>
-            <a:r>
-              <a:rPr lang="ko-KR" altLang="en-US" sz="3600" dirty="0" smtClean="0">
-                <a:latin typeface="배달의민족 주아" pitchFamily="18" charset="-127"/>
-                <a:ea typeface="배달의민족 주아" pitchFamily="18" charset="-127"/>
-              </a:rPr>
-              <a:t>영역까지 적용된다</a:t>
-            </a:r>
-            <a:r>
-              <a:rPr lang="en-US" altLang="ko-KR" sz="3600" dirty="0" smtClean="0">
-                <a:latin typeface="배달의민족 주아" pitchFamily="18" charset="-127"/>
-                <a:ea typeface="배달의민족 주아" pitchFamily="18" charset="-127"/>
-              </a:rPr>
-              <a:t>. </a:t>
-            </a:r>
-          </a:p>
-        </p:txBody>
-      </p:sp>
-      <p:sp>
-        <p:nvSpPr>
-          <p:cNvPr id="8" name="TextBox 7"/>
+              <a:t>width, height </a:t>
+            </a:r>
+            <a:r>
+              <a:rPr lang="ko-KR" altLang="en-US" sz="2800" dirty="0" smtClean="0">
+                <a:latin typeface="배달의민족 주아" pitchFamily="18" charset="-127"/>
+                <a:ea typeface="배달의민족 주아" pitchFamily="18" charset="-127"/>
+              </a:rPr>
+              <a:t>속성을 갖고 있다</a:t>
+            </a:r>
+            <a:r>
+              <a:rPr lang="en-US" altLang="ko-KR" sz="2800" dirty="0" smtClean="0">
+                <a:latin typeface="배달의민족 주아" pitchFamily="18" charset="-127"/>
+                <a:ea typeface="배달의민족 주아" pitchFamily="18" charset="-127"/>
+              </a:rPr>
+              <a:t>.</a:t>
+            </a:r>
+          </a:p>
+        </p:txBody>
+      </p:sp>
+      <p:sp>
+        <p:nvSpPr>
+          <p:cNvPr id="11" name="TextBox 10"/>
           <p:cNvSpPr txBox="1"/>
           <p:nvPr/>
         </p:nvSpPr>
         <p:spPr>
           <a:xfrm>
-            <a:off x="2915816" y="2264052"/>
-            <a:ext cx="3096344" cy="1200329"/>
-          </a:xfrm>
-          <a:prstGeom prst="rect">
-            <a:avLst/>
-          </a:prstGeom>
-          <a:solidFill>
-            <a:schemeClr val="accent5">
-              <a:lumMod val="40000"/>
-              <a:lumOff val="60000"/>
-            </a:schemeClr>
-          </a:solidFill>
-        </p:spPr>
-        <p:txBody>
-          <a:bodyPr wrap="square" rtlCol="0">
-            <a:spAutoFit/>
-          </a:bodyPr>
-          <a:lstStyle/>
-          <a:p>
-            <a:pPr algn="ctr"/>
-            <a:r>
-              <a:rPr lang="en-US" altLang="ko-KR" dirty="0" smtClean="0">
-                <a:latin typeface="배달의민족 주아" pitchFamily="18" charset="-127"/>
-                <a:ea typeface="배달의민족 주아" pitchFamily="18" charset="-127"/>
-              </a:rPr>
-              <a:t>Padding </a:t>
-            </a:r>
-            <a:r>
-              <a:rPr lang="ko-KR" altLang="en-US" dirty="0" smtClean="0">
-                <a:latin typeface="배달의민족 주아" pitchFamily="18" charset="-127"/>
-                <a:ea typeface="배달의민족 주아" pitchFamily="18" charset="-127"/>
-              </a:rPr>
-              <a:t>영역</a:t>
-            </a:r>
-            <a:endParaRPr lang="en-US" altLang="ko-KR" dirty="0" smtClean="0">
-              <a:latin typeface="배달의민족 주아" pitchFamily="18" charset="-127"/>
-              <a:ea typeface="배달의민족 주아" pitchFamily="18" charset="-127"/>
-            </a:endParaRPr>
-          </a:p>
-          <a:p>
-            <a:pPr algn="ctr"/>
-            <a:endParaRPr lang="en-US" altLang="ko-KR" dirty="0">
-              <a:latin typeface="배달의민족 주아" pitchFamily="18" charset="-127"/>
-              <a:ea typeface="배달의민족 주아" pitchFamily="18" charset="-127"/>
-            </a:endParaRPr>
-          </a:p>
-          <a:p>
-            <a:pPr algn="ctr"/>
-            <a:endParaRPr lang="en-US" altLang="ko-KR" dirty="0" smtClean="0">
-              <a:latin typeface="배달의민족 주아" pitchFamily="18" charset="-127"/>
-              <a:ea typeface="배달의민족 주아" pitchFamily="18" charset="-127"/>
-            </a:endParaRPr>
-          </a:p>
-          <a:p>
-            <a:pPr algn="ctr"/>
-            <a:endParaRPr lang="ko-KR" altLang="en-US" dirty="0">
-              <a:latin typeface="배달의민족 주아" pitchFamily="18" charset="-127"/>
-              <a:ea typeface="배달의민족 주아" pitchFamily="18" charset="-127"/>
-            </a:endParaRPr>
-          </a:p>
-        </p:txBody>
-      </p:sp>
-      <p:sp>
-        <p:nvSpPr>
-          <p:cNvPr id="9" name="TextBox 8"/>
-          <p:cNvSpPr txBox="1"/>
-          <p:nvPr/>
-        </p:nvSpPr>
-        <p:spPr>
-          <a:xfrm>
-            <a:off x="3275856" y="2815381"/>
+            <a:off x="3239852" y="2780928"/>
             <a:ext cx="2376264" cy="369332"/>
           </a:xfrm>
           <a:prstGeom prst="rect">
@@ -10844,7 +10911,7 @@
     </p:spTree>
     <p:extLst>
       <p:ext uri="{BB962C8B-B14F-4D97-AF65-F5344CB8AC3E}">
-        <p14:creationId xmlns:p14="http://schemas.microsoft.com/office/powerpoint/2010/main" val="1480557441"/>
+        <p14:creationId xmlns:p14="http://schemas.microsoft.com/office/powerpoint/2010/main" val="1499166669"/>
       </p:ext>
     </p:extLst>
   </p:cSld>
@@ -10959,43 +11026,7 @@
       </p:grpSpPr>
       <p:sp>
         <p:nvSpPr>
-          <p:cNvPr id="2" name="제목 1"/>
-          <p:cNvSpPr>
-            <a:spLocks noGrp="1"/>
-          </p:cNvSpPr>
-          <p:nvPr>
-            <p:ph type="ctrTitle"/>
-          </p:nvPr>
-        </p:nvSpPr>
-        <p:spPr/>
-        <p:txBody>
-          <a:bodyPr/>
-          <a:lstStyle/>
-          <a:p>
-            <a:r>
-              <a:rPr lang="en-US" altLang="ko-KR" dirty="0" smtClean="0">
-                <a:latin typeface="배달의민족 주아" pitchFamily="18" charset="-127"/>
-                <a:ea typeface="배달의민족 주아" pitchFamily="18" charset="-127"/>
-              </a:rPr>
-              <a:t>Border </a:t>
-            </a:r>
-            <a:r>
-              <a:rPr lang="ko-KR" altLang="en-US" dirty="0" smtClean="0">
-                <a:latin typeface="배달의민족 주아" pitchFamily="18" charset="-127"/>
-                <a:ea typeface="배달의민족 주아" pitchFamily="18" charset="-127"/>
-              </a:rPr>
-              <a:t>영역</a:t>
-            </a:r>
-            <a:endParaRPr lang="ko-KR" altLang="en-US" dirty="0">
-              <a:latin typeface="배달의민족 주아" pitchFamily="18" charset="-127"/>
-              <a:ea typeface="배달의민족 주아" pitchFamily="18" charset="-127"/>
-            </a:endParaRPr>
-          </a:p>
-        </p:txBody>
-      </p:sp>
-      <p:sp>
-        <p:nvSpPr>
-          <p:cNvPr id="3" name="TextBox 2"/>
+          <p:cNvPr id="5" name="TextBox 2"/>
           <p:cNvSpPr txBox="1"/>
           <p:nvPr/>
         </p:nvSpPr>
@@ -11150,10 +11181,276 @@
           </a:p>
         </p:txBody>
       </p:sp>
+      <p:sp>
+        <p:nvSpPr>
+          <p:cNvPr id="10" name="제목 1"/>
+          <p:cNvSpPr txBox="1">
+            <a:spLocks/>
+          </p:cNvSpPr>
+          <p:nvPr/>
+        </p:nvSpPr>
+        <p:spPr>
+          <a:xfrm>
+            <a:off x="755576" y="3717032"/>
+            <a:ext cx="7344816" cy="1080120"/>
+          </a:xfrm>
+          <a:prstGeom prst="rect">
+            <a:avLst/>
+          </a:prstGeom>
+        </p:spPr>
+        <p:txBody>
+          <a:bodyPr vert="horz" lIns="91440" tIns="45720" rIns="91440" bIns="45720" rtlCol="0" anchor="ctr">
+            <a:normAutofit fontScale="70000" lnSpcReduction="20000"/>
+          </a:bodyPr>
+          <a:lstStyle>
+            <a:lvl1pPr algn="ctr" defTabSz="914400" rtl="0" eaLnBrk="1" latinLnBrk="1" hangingPunct="1">
+              <a:spcBef>
+                <a:spcPct val="0"/>
+              </a:spcBef>
+              <a:buNone/>
+              <a:defRPr sz="4400" kern="1200">
+                <a:solidFill>
+                  <a:schemeClr val="tx1"/>
+                </a:solidFill>
+                <a:latin typeface="+mj-lt"/>
+                <a:ea typeface="+mj-ea"/>
+                <a:cs typeface="+mj-cs"/>
+              </a:defRPr>
+            </a:lvl1pPr>
+          </a:lstStyle>
+          <a:p>
+            <a:r>
+              <a:rPr lang="ko-KR" altLang="en-US" sz="3600" dirty="0" smtClean="0">
+                <a:latin typeface="배달의민족 주아" pitchFamily="18" charset="-127"/>
+                <a:ea typeface="배달의민족 주아" pitchFamily="18" charset="-127"/>
+              </a:rPr>
+              <a:t>내부 여백 영역</a:t>
+            </a:r>
+            <a:r>
+              <a:rPr lang="en-US" altLang="ko-KR" sz="3600" dirty="0">
+                <a:latin typeface="배달의민족 주아" pitchFamily="18" charset="-127"/>
+                <a:ea typeface="배달의민족 주아" pitchFamily="18" charset="-127"/>
+              </a:rPr>
+              <a:t> </a:t>
+            </a:r>
+            <a:endParaRPr lang="en-US" altLang="ko-KR" sz="3600" dirty="0" smtClean="0">
+              <a:latin typeface="배달의민족 주아" pitchFamily="18" charset="-127"/>
+              <a:ea typeface="배달의민족 주아" pitchFamily="18" charset="-127"/>
+            </a:endParaRPr>
+          </a:p>
+          <a:p>
+            <a:r>
+              <a:rPr lang="en-US" altLang="ko-KR" sz="3600" dirty="0" smtClean="0">
+                <a:latin typeface="배달의민족 주아" pitchFamily="18" charset="-127"/>
+                <a:ea typeface="배달의민족 주아" pitchFamily="18" charset="-127"/>
+              </a:rPr>
+              <a:t>content</a:t>
+            </a:r>
+            <a:r>
+              <a:rPr lang="ko-KR" altLang="en-US" sz="3600" dirty="0" smtClean="0">
+                <a:latin typeface="배달의민족 주아" pitchFamily="18" charset="-127"/>
+                <a:ea typeface="배달의민족 주아" pitchFamily="18" charset="-127"/>
+              </a:rPr>
+              <a:t>와의 </a:t>
+            </a:r>
+            <a:r>
+              <a:rPr lang="ko-KR" altLang="en-US" sz="3600" dirty="0" smtClean="0">
+                <a:solidFill>
+                  <a:schemeClr val="accent5"/>
+                </a:solidFill>
+                <a:latin typeface="배달의민족 주아" pitchFamily="18" charset="-127"/>
+                <a:ea typeface="배달의민족 주아" pitchFamily="18" charset="-127"/>
+              </a:rPr>
+              <a:t>간격</a:t>
+            </a:r>
+            <a:r>
+              <a:rPr lang="ko-KR" altLang="en-US" sz="3600" dirty="0" smtClean="0">
+                <a:latin typeface="배달의민족 주아" pitchFamily="18" charset="-127"/>
+                <a:ea typeface="배달의민족 주아" pitchFamily="18" charset="-127"/>
+              </a:rPr>
+              <a:t>을 조절하기 위해서 사용</a:t>
+            </a:r>
+            <a:r>
+              <a:rPr lang="en-US" altLang="ko-KR" sz="3600" dirty="0" smtClean="0">
+                <a:latin typeface="배달의민족 주아" pitchFamily="18" charset="-127"/>
+                <a:ea typeface="배달의민족 주아" pitchFamily="18" charset="-127"/>
+              </a:rPr>
+              <a:t>. </a:t>
+            </a:r>
+            <a:endParaRPr lang="en-US" altLang="ko-KR" sz="3600" dirty="0">
+              <a:latin typeface="배달의민족 주아" pitchFamily="18" charset="-127"/>
+              <a:ea typeface="배달의민족 주아" pitchFamily="18" charset="-127"/>
+            </a:endParaRPr>
+          </a:p>
+          <a:p>
+            <a:r>
+              <a:rPr lang="ko-KR" altLang="en-US" sz="3600" dirty="0" smtClean="0">
+                <a:latin typeface="배달의민족 주아" pitchFamily="18" charset="-127"/>
+                <a:ea typeface="배달의민족 주아" pitchFamily="18" charset="-127"/>
+              </a:rPr>
+              <a:t>배경색</a:t>
+            </a:r>
+            <a:r>
+              <a:rPr lang="en-US" altLang="ko-KR" sz="3600" dirty="0" smtClean="0">
+                <a:latin typeface="배달의민족 주아" pitchFamily="18" charset="-127"/>
+                <a:ea typeface="배달의민족 주아" pitchFamily="18" charset="-127"/>
+              </a:rPr>
+              <a:t>, </a:t>
+            </a:r>
+            <a:r>
+              <a:rPr lang="ko-KR" altLang="en-US" sz="3600" dirty="0" smtClean="0">
+                <a:latin typeface="배달의민족 주아" pitchFamily="18" charset="-127"/>
+                <a:ea typeface="배달의민족 주아" pitchFamily="18" charset="-127"/>
+              </a:rPr>
+              <a:t>이미지는 </a:t>
+            </a:r>
+            <a:r>
+              <a:rPr lang="en-US" altLang="ko-KR" sz="3600" dirty="0" smtClean="0">
+                <a:latin typeface="배달의민족 주아" pitchFamily="18" charset="-127"/>
+                <a:ea typeface="배달의민족 주아" pitchFamily="18" charset="-127"/>
+              </a:rPr>
+              <a:t>Padding </a:t>
+            </a:r>
+            <a:r>
+              <a:rPr lang="ko-KR" altLang="en-US" sz="3600" dirty="0" smtClean="0">
+                <a:latin typeface="배달의민족 주아" pitchFamily="18" charset="-127"/>
+                <a:ea typeface="배달의민족 주아" pitchFamily="18" charset="-127"/>
+              </a:rPr>
+              <a:t>영역까지 적용된다</a:t>
+            </a:r>
+            <a:r>
+              <a:rPr lang="en-US" altLang="ko-KR" sz="3600" dirty="0" smtClean="0">
+                <a:latin typeface="배달의민족 주아" pitchFamily="18" charset="-127"/>
+                <a:ea typeface="배달의민족 주아" pitchFamily="18" charset="-127"/>
+              </a:rPr>
+              <a:t>. </a:t>
+            </a:r>
+          </a:p>
+        </p:txBody>
+      </p:sp>
+      <p:sp>
+        <p:nvSpPr>
+          <p:cNvPr id="8" name="TextBox 7"/>
+          <p:cNvSpPr txBox="1"/>
+          <p:nvPr/>
+        </p:nvSpPr>
+        <p:spPr>
+          <a:xfrm>
+            <a:off x="2915816" y="2264052"/>
+            <a:ext cx="3096344" cy="1200329"/>
+          </a:xfrm>
+          <a:prstGeom prst="rect">
+            <a:avLst/>
+          </a:prstGeom>
+          <a:solidFill>
+            <a:schemeClr val="accent5">
+              <a:lumMod val="40000"/>
+              <a:lumOff val="60000"/>
+            </a:schemeClr>
+          </a:solidFill>
+        </p:spPr>
+        <p:txBody>
+          <a:bodyPr wrap="square" rtlCol="0">
+            <a:spAutoFit/>
+          </a:bodyPr>
+          <a:lstStyle/>
+          <a:p>
+            <a:pPr algn="ctr"/>
+            <a:r>
+              <a:rPr lang="en-US" altLang="ko-KR" dirty="0" smtClean="0">
+                <a:latin typeface="배달의민족 주아" pitchFamily="18" charset="-127"/>
+                <a:ea typeface="배달의민족 주아" pitchFamily="18" charset="-127"/>
+              </a:rPr>
+              <a:t>Padding </a:t>
+            </a:r>
+            <a:r>
+              <a:rPr lang="ko-KR" altLang="en-US" dirty="0" smtClean="0">
+                <a:latin typeface="배달의민족 주아" pitchFamily="18" charset="-127"/>
+                <a:ea typeface="배달의민족 주아" pitchFamily="18" charset="-127"/>
+              </a:rPr>
+              <a:t>영역</a:t>
+            </a:r>
+            <a:endParaRPr lang="en-US" altLang="ko-KR" dirty="0" smtClean="0">
+              <a:latin typeface="배달의민족 주아" pitchFamily="18" charset="-127"/>
+              <a:ea typeface="배달의민족 주아" pitchFamily="18" charset="-127"/>
+            </a:endParaRPr>
+          </a:p>
+          <a:p>
+            <a:pPr algn="ctr"/>
+            <a:endParaRPr lang="en-US" altLang="ko-KR" dirty="0">
+              <a:latin typeface="배달의민족 주아" pitchFamily="18" charset="-127"/>
+              <a:ea typeface="배달의민족 주아" pitchFamily="18" charset="-127"/>
+            </a:endParaRPr>
+          </a:p>
+          <a:p>
+            <a:pPr algn="ctr"/>
+            <a:endParaRPr lang="en-US" altLang="ko-KR" dirty="0" smtClean="0">
+              <a:latin typeface="배달의민족 주아" pitchFamily="18" charset="-127"/>
+              <a:ea typeface="배달의민족 주아" pitchFamily="18" charset="-127"/>
+            </a:endParaRPr>
+          </a:p>
+          <a:p>
+            <a:pPr algn="ctr"/>
+            <a:endParaRPr lang="ko-KR" altLang="en-US" dirty="0">
+              <a:latin typeface="배달의민족 주아" pitchFamily="18" charset="-127"/>
+              <a:ea typeface="배달의민족 주아" pitchFamily="18" charset="-127"/>
+            </a:endParaRPr>
+          </a:p>
+        </p:txBody>
+      </p:sp>
+      <p:sp>
+        <p:nvSpPr>
+          <p:cNvPr id="9" name="TextBox 8"/>
+          <p:cNvSpPr txBox="1"/>
+          <p:nvPr/>
+        </p:nvSpPr>
+        <p:spPr>
+          <a:xfrm>
+            <a:off x="3275856" y="2815381"/>
+            <a:ext cx="2376264" cy="369332"/>
+          </a:xfrm>
+          <a:prstGeom prst="rect">
+            <a:avLst/>
+          </a:prstGeom>
+          <a:solidFill>
+            <a:schemeClr val="accent5">
+              <a:lumMod val="20000"/>
+              <a:lumOff val="80000"/>
+            </a:schemeClr>
+          </a:solidFill>
+        </p:spPr>
+        <p:txBody>
+          <a:bodyPr wrap="square" rtlCol="0">
+            <a:spAutoFit/>
+          </a:bodyPr>
+          <a:lstStyle/>
+          <a:p>
+            <a:pPr algn="ctr"/>
+            <a:r>
+              <a:rPr lang="en-US" altLang="ko-KR" dirty="0" smtClean="0">
+                <a:latin typeface="배달의민족 주아" pitchFamily="18" charset="-127"/>
+                <a:ea typeface="배달의민족 주아" pitchFamily="18" charset="-127"/>
+              </a:rPr>
+              <a:t>Content </a:t>
+            </a:r>
+            <a:r>
+              <a:rPr lang="ko-KR" altLang="en-US" dirty="0" smtClean="0">
+                <a:latin typeface="배달의민족 주아" pitchFamily="18" charset="-127"/>
+                <a:ea typeface="배달의민족 주아" pitchFamily="18" charset="-127"/>
+              </a:rPr>
+              <a:t>영역</a:t>
+            </a:r>
+            <a:endParaRPr lang="ko-KR" altLang="en-US" dirty="0">
+              <a:latin typeface="배달의민족 주아" pitchFamily="18" charset="-127"/>
+              <a:ea typeface="배달의민족 주아" pitchFamily="18" charset="-127"/>
+            </a:endParaRPr>
+          </a:p>
+        </p:txBody>
+      </p:sp>
     </p:spTree>
     <p:extLst>
       <p:ext uri="{BB962C8B-B14F-4D97-AF65-F5344CB8AC3E}">
-        <p14:creationId xmlns:p14="http://schemas.microsoft.com/office/powerpoint/2010/main" val="26821400"/>
+        <p14:creationId xmlns:p14="http://schemas.microsoft.com/office/powerpoint/2010/main" val="1480557441"/>
       </p:ext>
     </p:extLst>
   </p:cSld>
@@ -11163,9 +11460,88 @@
   <p:timing>
     <p:tnLst>
       <p:par>
-        <p:cTn id="1" dur="indefinite" restart="never" nodeType="tmRoot"/>
+        <p:cTn id="1" dur="indefinite" restart="never" nodeType="tmRoot">
+          <p:childTnLst>
+            <p:seq concurrent="1" nextAc="seek">
+              <p:cTn id="2" dur="indefinite" nodeType="mainSeq">
+                <p:childTnLst>
+                  <p:par>
+                    <p:cTn id="3" fill="hold">
+                      <p:stCondLst>
+                        <p:cond delay="indefinite"/>
+                      </p:stCondLst>
+                      <p:childTnLst>
+                        <p:par>
+                          <p:cTn id="4" fill="hold">
+                            <p:stCondLst>
+                              <p:cond delay="0"/>
+                            </p:stCondLst>
+                            <p:childTnLst>
+                              <p:par>
+                                <p:cTn id="5" presetID="10" presetClass="entr" presetSubtype="0" fill="hold" grpId="0" nodeType="clickEffect">
+                                  <p:stCondLst>
+                                    <p:cond delay="0"/>
+                                  </p:stCondLst>
+                                  <p:childTnLst>
+                                    <p:set>
+                                      <p:cBhvr>
+                                        <p:cTn id="6" dur="1" fill="hold">
+                                          <p:stCondLst>
+                                            <p:cond delay="0"/>
+                                          </p:stCondLst>
+                                        </p:cTn>
+                                        <p:tgtEl>
+                                          <p:spTgt spid="10"/>
+                                        </p:tgtEl>
+                                        <p:attrNameLst>
+                                          <p:attrName>style.visibility</p:attrName>
+                                        </p:attrNameLst>
+                                      </p:cBhvr>
+                                      <p:to>
+                                        <p:strVal val="visible"/>
+                                      </p:to>
+                                    </p:set>
+                                    <p:animEffect transition="in" filter="fade">
+                                      <p:cBhvr>
+                                        <p:cTn id="7" dur="500"/>
+                                        <p:tgtEl>
+                                          <p:spTgt spid="10"/>
+                                        </p:tgtEl>
+                                      </p:cBhvr>
+                                    </p:animEffect>
+                                  </p:childTnLst>
+                                </p:cTn>
+                              </p:par>
+                            </p:childTnLst>
+                          </p:cTn>
+                        </p:par>
+                      </p:childTnLst>
+                    </p:cTn>
+                  </p:par>
+                </p:childTnLst>
+              </p:cTn>
+              <p:prevCondLst>
+                <p:cond evt="onPrev" delay="0">
+                  <p:tgtEl>
+                    <p:sldTgt/>
+                  </p:tgtEl>
+                </p:cond>
+              </p:prevCondLst>
+              <p:nextCondLst>
+                <p:cond evt="onNext" delay="0">
+                  <p:tgtEl>
+                    <p:sldTgt/>
+                  </p:tgtEl>
+                </p:cond>
+              </p:nextCondLst>
+            </p:seq>
+          </p:childTnLst>
+        </p:cTn>
       </p:par>
     </p:tnLst>
+    <p:bldLst>
+      <p:bldP spid="10" grpId="0"/>
+    </p:bldLst>
   </p:timing>
 </p:sld>
 </file>

--- a/프론트엔드기초(PPT)/CSS3 3강_CSS 박스모델.pptx
+++ b/프론트엔드기초(PPT)/CSS3 3강_CSS 박스모델.pptx
@@ -9057,15 +9057,6 @@
                 <a:tailEnd/>
               </a14:hiddenLine>
             </a:ext>
-            <a:ext uri="{AF507438-7753-43E0-B8FC-AC1667EBCBE1}">
-              <a14:hiddenEffects xmlns:a14="http://schemas.microsoft.com/office/drawing/2010/main">
-                <a:effectLst>
-                  <a:outerShdw dist="35921" dir="2700000" algn="ctr" rotWithShape="0">
-                    <a:schemeClr val="bg2"/>
-                  </a:outerShdw>
-                </a:effectLst>
-              </a14:hiddenEffects>
-            </a:ext>
           </a:extLst>
         </p:spPr>
       </p:pic>
@@ -10043,6 +10034,129 @@
                       </p:childTnLst>
                     </p:cTn>
                   </p:par>
+                  <p:par>
+                    <p:cTn id="8" fill="hold">
+                      <p:stCondLst>
+                        <p:cond delay="indefinite"/>
+                      </p:stCondLst>
+                      <p:childTnLst>
+                        <p:par>
+                          <p:cTn id="9" fill="hold">
+                            <p:stCondLst>
+                              <p:cond delay="0"/>
+                            </p:stCondLst>
+                            <p:childTnLst>
+                              <p:par>
+                                <p:cTn id="10" presetID="10" presetClass="entr" presetSubtype="0" fill="hold" grpId="0" nodeType="clickEffect">
+                                  <p:stCondLst>
+                                    <p:cond delay="0"/>
+                                  </p:stCondLst>
+                                  <p:childTnLst>
+                                    <p:set>
+                                      <p:cBhvr>
+                                        <p:cTn id="11" dur="1" fill="hold">
+                                          <p:stCondLst>
+                                            <p:cond delay="0"/>
+                                          </p:stCondLst>
+                                        </p:cTn>
+                                        <p:tgtEl>
+                                          <p:spTgt spid="2"/>
+                                        </p:tgtEl>
+                                        <p:attrNameLst>
+                                          <p:attrName>style.visibility</p:attrName>
+                                        </p:attrNameLst>
+                                      </p:cBhvr>
+                                      <p:to>
+                                        <p:strVal val="visible"/>
+                                      </p:to>
+                                    </p:set>
+                                    <p:animEffect transition="in" filter="fade">
+                                      <p:cBhvr>
+                                        <p:cTn id="12" dur="500"/>
+                                        <p:tgtEl>
+                                          <p:spTgt spid="2"/>
+                                        </p:tgtEl>
+                                      </p:cBhvr>
+                                    </p:animEffect>
+                                  </p:childTnLst>
+                                </p:cTn>
+                              </p:par>
+                              <p:par>
+                                <p:cTn id="13" presetID="10" presetClass="entr" presetSubtype="0" fill="hold" grpId="0" nodeType="withEffect">
+                                  <p:stCondLst>
+                                    <p:cond delay="0"/>
+                                  </p:stCondLst>
+                                  <p:childTnLst>
+                                    <p:set>
+                                      <p:cBhvr>
+                                        <p:cTn id="14" dur="1" fill="hold">
+                                          <p:stCondLst>
+                                            <p:cond delay="0"/>
+                                          </p:stCondLst>
+                                        </p:cTn>
+                                        <p:tgtEl>
+                                          <p:spTgt spid="6"/>
+                                        </p:tgtEl>
+                                        <p:attrNameLst>
+                                          <p:attrName>style.visibility</p:attrName>
+                                        </p:attrNameLst>
+                                      </p:cBhvr>
+                                      <p:to>
+                                        <p:strVal val="visible"/>
+                                      </p:to>
+                                    </p:set>
+                                    <p:animEffect transition="in" filter="fade">
+                                      <p:cBhvr>
+                                        <p:cTn id="15" dur="500"/>
+                                        <p:tgtEl>
+                                          <p:spTgt spid="6"/>
+                                        </p:tgtEl>
+                                      </p:cBhvr>
+                                    </p:animEffect>
+                                  </p:childTnLst>
+                                </p:cTn>
+                              </p:par>
+                              <p:par>
+                                <p:cTn id="16" presetID="10" presetClass="entr" presetSubtype="0" fill="hold" grpId="0" nodeType="withEffect">
+                                  <p:stCondLst>
+                                    <p:cond delay="0"/>
+                                  </p:stCondLst>
+                                  <p:childTnLst>
+                                    <p:set>
+                                      <p:cBhvr>
+                                        <p:cTn id="17" dur="1" fill="hold">
+                                          <p:stCondLst>
+                                            <p:cond delay="0"/>
+                                          </p:stCondLst>
+                                        </p:cTn>
+                                        <p:tgtEl>
+                                          <p:spTgt spid="7"/>
+                                        </p:tgtEl>
+                                        <p:attrNameLst>
+                                          <p:attrName>style.visibility</p:attrName>
+                                        </p:attrNameLst>
+                                      </p:cBhvr>
+                                      <p:to>
+                                        <p:strVal val="visible"/>
+                                      </p:to>
+                                    </p:set>
+                                    <p:animEffect transition="in" filter="fade">
+                                      <p:cBhvr>
+                                        <p:cTn id="18" dur="500"/>
+                                        <p:tgtEl>
+                                          <p:spTgt spid="7"/>
+                                        </p:tgtEl>
+                                      </p:cBhvr>
+                                    </p:animEffect>
+                                  </p:childTnLst>
+                                </p:cTn>
+                              </p:par>
+                            </p:childTnLst>
+                          </p:cTn>
+                        </p:par>
+                      </p:childTnLst>
+                    </p:cTn>
+                  </p:par>
                 </p:childTnLst>
               </p:cTn>
               <p:prevCondLst>
@@ -10066,6 +10180,9 @@
     </p:tnLst>
     <p:bldLst>
       <p:bldP spid="4" grpId="0"/>
+      <p:bldP spid="2" grpId="0" animBg="1"/>
+      <p:bldP spid="6" grpId="0" animBg="1"/>
+      <p:bldP spid="7" grpId="0" animBg="1"/>
     </p:bldLst>
   </p:timing>
 </p:sld>
